--- a/DAT7_Bashir.pptx
+++ b/DAT7_Bashir.pptx
@@ -6,23 +6,30 @@
     <p:sldMasterId id="2147483776" r:id="rId2"/>
   </p:sldMasterIdLst>
   <p:notesMasterIdLst>
-    <p:notesMasterId r:id="rId14"/>
+    <p:notesMasterId r:id="rId21"/>
   </p:notesMasterIdLst>
   <p:handoutMasterIdLst>
-    <p:handoutMasterId r:id="rId15"/>
+    <p:handoutMasterId r:id="rId22"/>
   </p:handoutMasterIdLst>
   <p:sldIdLst>
     <p:sldId id="320" r:id="rId3"/>
     <p:sldId id="350" r:id="rId4"/>
     <p:sldId id="351" r:id="rId5"/>
-    <p:sldId id="352" r:id="rId6"/>
-    <p:sldId id="353" r:id="rId7"/>
+    <p:sldId id="353" r:id="rId6"/>
+    <p:sldId id="352" r:id="rId7"/>
     <p:sldId id="355" r:id="rId8"/>
     <p:sldId id="356" r:id="rId9"/>
-    <p:sldId id="358" r:id="rId10"/>
-    <p:sldId id="357" r:id="rId11"/>
-    <p:sldId id="361" r:id="rId12"/>
-    <p:sldId id="359" r:id="rId13"/>
+    <p:sldId id="367" r:id="rId10"/>
+    <p:sldId id="358" r:id="rId11"/>
+    <p:sldId id="370" r:id="rId12"/>
+    <p:sldId id="363" r:id="rId13"/>
+    <p:sldId id="357" r:id="rId14"/>
+    <p:sldId id="371" r:id="rId15"/>
+    <p:sldId id="372" r:id="rId16"/>
+    <p:sldId id="368" r:id="rId17"/>
+    <p:sldId id="369" r:id="rId18"/>
+    <p:sldId id="365" r:id="rId19"/>
+    <p:sldId id="359" r:id="rId20"/>
   </p:sldIdLst>
   <p:sldSz cx="9144000" cy="5143500" type="screen16x9"/>
   <p:notesSz cx="6858000" cy="9296400"/>
@@ -271,7 +278,7 @@
           <a:p>
             <a:fld id="{0D5309F7-DAF0-A04E-AA2B-51B3EF0B14B0}" type="datetimeFigureOut">
               <a:rPr lang="en-US" smtClean="0"/>
-              <a:t>7/13/15</a:t>
+              <a:t>8/10/15</a:t>
             </a:fld>
             <a:endParaRPr lang="en-US"/>
           </a:p>
@@ -436,7 +443,7 @@
           <a:p>
             <a:fld id="{31E0237C-2D84-874B-9BBA-9B805A5841F9}" type="datetimeFigureOut">
               <a:rPr lang="en-US" smtClean="0"/>
-              <a:t>7/13/15</a:t>
+              <a:t>8/10/15</a:t>
             </a:fld>
             <a:endParaRPr lang="en-US"/>
           </a:p>
@@ -837,7 +844,7 @@
           <a:bodyPr/>
           <a:lstStyle/>
           <a:p>
-            <a:endParaRPr lang="en-US" dirty="0"/>
+            <a:endParaRPr lang="en-US"/>
           </a:p>
         </p:txBody>
       </p:sp>
@@ -867,7 +874,7 @@
     </p:spTree>
     <p:extLst>
       <p:ext uri="{BB962C8B-B14F-4D97-AF65-F5344CB8AC3E}">
-        <p14:creationId xmlns:p14="http://schemas.microsoft.com/office/powerpoint/2010/main" val="1680762356"/>
+        <p14:creationId xmlns:p14="http://schemas.microsoft.com/office/powerpoint/2010/main" val="3644406295"/>
       </p:ext>
     </p:extLst>
   </p:cSld>
@@ -943,6 +950,594 @@
             <a:fld id="{7D33776A-0D12-8F46-8200-FD1AB0C2A2E1}" type="slidenum">
               <a:rPr lang="en-US" smtClean="0"/>
               <a:t>11</a:t>
+            </a:fld>
+            <a:endParaRPr lang="en-US"/>
+          </a:p>
+        </p:txBody>
+      </p:sp>
+    </p:spTree>
+    <p:extLst>
+      <p:ext uri="{BB962C8B-B14F-4D97-AF65-F5344CB8AC3E}">
+        <p14:creationId xmlns:p14="http://schemas.microsoft.com/office/powerpoint/2010/main" val="2891447156"/>
+      </p:ext>
+    </p:extLst>
+  </p:cSld>
+  <p:clrMapOvr>
+    <a:masterClrMapping/>
+  </p:clrMapOvr>
+</p:notes>
+</file>
+
+<file path=ppt/notesSlides/notesSlide12.xml><?xml version="1.0" encoding="utf-8"?>
+<p:notes xmlns:a="http://schemas.openxmlformats.org/drawingml/2006/main" xmlns:r="http://schemas.openxmlformats.org/officeDocument/2006/relationships" xmlns:p="http://schemas.openxmlformats.org/presentationml/2006/main">
+  <p:cSld>
+    <p:spTree>
+      <p:nvGrpSpPr>
+        <p:cNvPr id="1" name=""/>
+        <p:cNvGrpSpPr/>
+        <p:nvPr/>
+      </p:nvGrpSpPr>
+      <p:grpSpPr>
+        <a:xfrm>
+          <a:off x="0" y="0"/>
+          <a:ext cx="0" cy="0"/>
+          <a:chOff x="0" y="0"/>
+          <a:chExt cx="0" cy="0"/>
+        </a:xfrm>
+      </p:grpSpPr>
+      <p:sp>
+        <p:nvSpPr>
+          <p:cNvPr id="2" name="Slide Image Placeholder 1"/>
+          <p:cNvSpPr>
+            <a:spLocks noGrp="1" noRot="1" noChangeAspect="1"/>
+          </p:cNvSpPr>
+          <p:nvPr>
+            <p:ph type="sldImg"/>
+          </p:nvPr>
+        </p:nvSpPr>
+        <p:spPr/>
+      </p:sp>
+      <p:sp>
+        <p:nvSpPr>
+          <p:cNvPr id="3" name="Notes Placeholder 2"/>
+          <p:cNvSpPr>
+            <a:spLocks noGrp="1"/>
+          </p:cNvSpPr>
+          <p:nvPr>
+            <p:ph type="body" idx="1"/>
+          </p:nvPr>
+        </p:nvSpPr>
+        <p:spPr/>
+        <p:txBody>
+          <a:bodyPr/>
+          <a:lstStyle/>
+          <a:p>
+            <a:endParaRPr lang="en-US"/>
+          </a:p>
+        </p:txBody>
+      </p:sp>
+      <p:sp>
+        <p:nvSpPr>
+          <p:cNvPr id="4" name="Slide Number Placeholder 3"/>
+          <p:cNvSpPr>
+            <a:spLocks noGrp="1"/>
+          </p:cNvSpPr>
+          <p:nvPr>
+            <p:ph type="sldNum" sz="quarter" idx="10"/>
+          </p:nvPr>
+        </p:nvSpPr>
+        <p:spPr/>
+        <p:txBody>
+          <a:bodyPr/>
+          <a:lstStyle/>
+          <a:p>
+            <a:fld id="{7D33776A-0D12-8F46-8200-FD1AB0C2A2E1}" type="slidenum">
+              <a:rPr lang="en-US" smtClean="0"/>
+              <a:t>12</a:t>
+            </a:fld>
+            <a:endParaRPr lang="en-US"/>
+          </a:p>
+        </p:txBody>
+      </p:sp>
+    </p:spTree>
+    <p:extLst>
+      <p:ext uri="{BB962C8B-B14F-4D97-AF65-F5344CB8AC3E}">
+        <p14:creationId xmlns:p14="http://schemas.microsoft.com/office/powerpoint/2010/main" val="49309062"/>
+      </p:ext>
+    </p:extLst>
+  </p:cSld>
+  <p:clrMapOvr>
+    <a:masterClrMapping/>
+  </p:clrMapOvr>
+</p:notes>
+</file>
+
+<file path=ppt/notesSlides/notesSlide13.xml><?xml version="1.0" encoding="utf-8"?>
+<p:notes xmlns:a="http://schemas.openxmlformats.org/drawingml/2006/main" xmlns:r="http://schemas.openxmlformats.org/officeDocument/2006/relationships" xmlns:p="http://schemas.openxmlformats.org/presentationml/2006/main">
+  <p:cSld>
+    <p:spTree>
+      <p:nvGrpSpPr>
+        <p:cNvPr id="1" name=""/>
+        <p:cNvGrpSpPr/>
+        <p:nvPr/>
+      </p:nvGrpSpPr>
+      <p:grpSpPr>
+        <a:xfrm>
+          <a:off x="0" y="0"/>
+          <a:ext cx="0" cy="0"/>
+          <a:chOff x="0" y="0"/>
+          <a:chExt cx="0" cy="0"/>
+        </a:xfrm>
+      </p:grpSpPr>
+      <p:sp>
+        <p:nvSpPr>
+          <p:cNvPr id="2" name="Slide Image Placeholder 1"/>
+          <p:cNvSpPr>
+            <a:spLocks noGrp="1" noRot="1" noChangeAspect="1"/>
+          </p:cNvSpPr>
+          <p:nvPr>
+            <p:ph type="sldImg"/>
+          </p:nvPr>
+        </p:nvSpPr>
+        <p:spPr/>
+      </p:sp>
+      <p:sp>
+        <p:nvSpPr>
+          <p:cNvPr id="3" name="Notes Placeholder 2"/>
+          <p:cNvSpPr>
+            <a:spLocks noGrp="1"/>
+          </p:cNvSpPr>
+          <p:nvPr>
+            <p:ph type="body" idx="1"/>
+          </p:nvPr>
+        </p:nvSpPr>
+        <p:spPr/>
+        <p:txBody>
+          <a:bodyPr/>
+          <a:lstStyle/>
+          <a:p>
+            <a:endParaRPr lang="en-US" dirty="0"/>
+          </a:p>
+        </p:txBody>
+      </p:sp>
+      <p:sp>
+        <p:nvSpPr>
+          <p:cNvPr id="4" name="Slide Number Placeholder 3"/>
+          <p:cNvSpPr>
+            <a:spLocks noGrp="1"/>
+          </p:cNvSpPr>
+          <p:nvPr>
+            <p:ph type="sldNum" sz="quarter" idx="10"/>
+          </p:nvPr>
+        </p:nvSpPr>
+        <p:spPr/>
+        <p:txBody>
+          <a:bodyPr/>
+          <a:lstStyle/>
+          <a:p>
+            <a:fld id="{7D33776A-0D12-8F46-8200-FD1AB0C2A2E1}" type="slidenum">
+              <a:rPr lang="en-US" smtClean="0"/>
+              <a:t>13</a:t>
+            </a:fld>
+            <a:endParaRPr lang="en-US"/>
+          </a:p>
+        </p:txBody>
+      </p:sp>
+    </p:spTree>
+    <p:extLst>
+      <p:ext uri="{BB962C8B-B14F-4D97-AF65-F5344CB8AC3E}">
+        <p14:creationId xmlns:p14="http://schemas.microsoft.com/office/powerpoint/2010/main" val="2891447156"/>
+      </p:ext>
+    </p:extLst>
+  </p:cSld>
+  <p:clrMapOvr>
+    <a:masterClrMapping/>
+  </p:clrMapOvr>
+</p:notes>
+</file>
+
+<file path=ppt/notesSlides/notesSlide14.xml><?xml version="1.0" encoding="utf-8"?>
+<p:notes xmlns:a="http://schemas.openxmlformats.org/drawingml/2006/main" xmlns:r="http://schemas.openxmlformats.org/officeDocument/2006/relationships" xmlns:p="http://schemas.openxmlformats.org/presentationml/2006/main">
+  <p:cSld>
+    <p:spTree>
+      <p:nvGrpSpPr>
+        <p:cNvPr id="1" name=""/>
+        <p:cNvGrpSpPr/>
+        <p:nvPr/>
+      </p:nvGrpSpPr>
+      <p:grpSpPr>
+        <a:xfrm>
+          <a:off x="0" y="0"/>
+          <a:ext cx="0" cy="0"/>
+          <a:chOff x="0" y="0"/>
+          <a:chExt cx="0" cy="0"/>
+        </a:xfrm>
+      </p:grpSpPr>
+      <p:sp>
+        <p:nvSpPr>
+          <p:cNvPr id="2" name="Slide Image Placeholder 1"/>
+          <p:cNvSpPr>
+            <a:spLocks noGrp="1" noRot="1" noChangeAspect="1"/>
+          </p:cNvSpPr>
+          <p:nvPr>
+            <p:ph type="sldImg"/>
+          </p:nvPr>
+        </p:nvSpPr>
+        <p:spPr/>
+      </p:sp>
+      <p:sp>
+        <p:nvSpPr>
+          <p:cNvPr id="3" name="Notes Placeholder 2"/>
+          <p:cNvSpPr>
+            <a:spLocks noGrp="1"/>
+          </p:cNvSpPr>
+          <p:nvPr>
+            <p:ph type="body" idx="1"/>
+          </p:nvPr>
+        </p:nvSpPr>
+        <p:spPr/>
+        <p:txBody>
+          <a:bodyPr/>
+          <a:lstStyle/>
+          <a:p>
+            <a:endParaRPr lang="en-US" dirty="0"/>
+          </a:p>
+        </p:txBody>
+      </p:sp>
+      <p:sp>
+        <p:nvSpPr>
+          <p:cNvPr id="4" name="Slide Number Placeholder 3"/>
+          <p:cNvSpPr>
+            <a:spLocks noGrp="1"/>
+          </p:cNvSpPr>
+          <p:nvPr>
+            <p:ph type="sldNum" sz="quarter" idx="10"/>
+          </p:nvPr>
+        </p:nvSpPr>
+        <p:spPr/>
+        <p:txBody>
+          <a:bodyPr/>
+          <a:lstStyle/>
+          <a:p>
+            <a:fld id="{7D33776A-0D12-8F46-8200-FD1AB0C2A2E1}" type="slidenum">
+              <a:rPr lang="en-US" smtClean="0"/>
+              <a:t>14</a:t>
+            </a:fld>
+            <a:endParaRPr lang="en-US"/>
+          </a:p>
+        </p:txBody>
+      </p:sp>
+    </p:spTree>
+    <p:extLst>
+      <p:ext uri="{BB962C8B-B14F-4D97-AF65-F5344CB8AC3E}">
+        <p14:creationId xmlns:p14="http://schemas.microsoft.com/office/powerpoint/2010/main" val="2891447156"/>
+      </p:ext>
+    </p:extLst>
+  </p:cSld>
+  <p:clrMapOvr>
+    <a:masterClrMapping/>
+  </p:clrMapOvr>
+</p:notes>
+</file>
+
+<file path=ppt/notesSlides/notesSlide15.xml><?xml version="1.0" encoding="utf-8"?>
+<p:notes xmlns:a="http://schemas.openxmlformats.org/drawingml/2006/main" xmlns:r="http://schemas.openxmlformats.org/officeDocument/2006/relationships" xmlns:p="http://schemas.openxmlformats.org/presentationml/2006/main">
+  <p:cSld>
+    <p:spTree>
+      <p:nvGrpSpPr>
+        <p:cNvPr id="1" name=""/>
+        <p:cNvGrpSpPr/>
+        <p:nvPr/>
+      </p:nvGrpSpPr>
+      <p:grpSpPr>
+        <a:xfrm>
+          <a:off x="0" y="0"/>
+          <a:ext cx="0" cy="0"/>
+          <a:chOff x="0" y="0"/>
+          <a:chExt cx="0" cy="0"/>
+        </a:xfrm>
+      </p:grpSpPr>
+      <p:sp>
+        <p:nvSpPr>
+          <p:cNvPr id="2" name="Slide Image Placeholder 1"/>
+          <p:cNvSpPr>
+            <a:spLocks noGrp="1" noRot="1" noChangeAspect="1"/>
+          </p:cNvSpPr>
+          <p:nvPr>
+            <p:ph type="sldImg"/>
+          </p:nvPr>
+        </p:nvSpPr>
+        <p:spPr/>
+      </p:sp>
+      <p:sp>
+        <p:nvSpPr>
+          <p:cNvPr id="3" name="Notes Placeholder 2"/>
+          <p:cNvSpPr>
+            <a:spLocks noGrp="1"/>
+          </p:cNvSpPr>
+          <p:nvPr>
+            <p:ph type="body" idx="1"/>
+          </p:nvPr>
+        </p:nvSpPr>
+        <p:spPr/>
+        <p:txBody>
+          <a:bodyPr/>
+          <a:lstStyle/>
+          <a:p>
+            <a:endParaRPr lang="en-US" dirty="0"/>
+          </a:p>
+        </p:txBody>
+      </p:sp>
+      <p:sp>
+        <p:nvSpPr>
+          <p:cNvPr id="4" name="Slide Number Placeholder 3"/>
+          <p:cNvSpPr>
+            <a:spLocks noGrp="1"/>
+          </p:cNvSpPr>
+          <p:nvPr>
+            <p:ph type="sldNum" sz="quarter" idx="10"/>
+          </p:nvPr>
+        </p:nvSpPr>
+        <p:spPr/>
+        <p:txBody>
+          <a:bodyPr/>
+          <a:lstStyle/>
+          <a:p>
+            <a:fld id="{7D33776A-0D12-8F46-8200-FD1AB0C2A2E1}" type="slidenum">
+              <a:rPr lang="en-US" smtClean="0"/>
+              <a:t>15</a:t>
+            </a:fld>
+            <a:endParaRPr lang="en-US"/>
+          </a:p>
+        </p:txBody>
+      </p:sp>
+    </p:spTree>
+    <p:extLst>
+      <p:ext uri="{BB962C8B-B14F-4D97-AF65-F5344CB8AC3E}">
+        <p14:creationId xmlns:p14="http://schemas.microsoft.com/office/powerpoint/2010/main" val="741753389"/>
+      </p:ext>
+    </p:extLst>
+  </p:cSld>
+  <p:clrMapOvr>
+    <a:masterClrMapping/>
+  </p:clrMapOvr>
+</p:notes>
+</file>
+
+<file path=ppt/notesSlides/notesSlide16.xml><?xml version="1.0" encoding="utf-8"?>
+<p:notes xmlns:a="http://schemas.openxmlformats.org/drawingml/2006/main" xmlns:r="http://schemas.openxmlformats.org/officeDocument/2006/relationships" xmlns:p="http://schemas.openxmlformats.org/presentationml/2006/main">
+  <p:cSld>
+    <p:spTree>
+      <p:nvGrpSpPr>
+        <p:cNvPr id="1" name=""/>
+        <p:cNvGrpSpPr/>
+        <p:nvPr/>
+      </p:nvGrpSpPr>
+      <p:grpSpPr>
+        <a:xfrm>
+          <a:off x="0" y="0"/>
+          <a:ext cx="0" cy="0"/>
+          <a:chOff x="0" y="0"/>
+          <a:chExt cx="0" cy="0"/>
+        </a:xfrm>
+      </p:grpSpPr>
+      <p:sp>
+        <p:nvSpPr>
+          <p:cNvPr id="2" name="Slide Image Placeholder 1"/>
+          <p:cNvSpPr>
+            <a:spLocks noGrp="1" noRot="1" noChangeAspect="1"/>
+          </p:cNvSpPr>
+          <p:nvPr>
+            <p:ph type="sldImg"/>
+          </p:nvPr>
+        </p:nvSpPr>
+        <p:spPr/>
+      </p:sp>
+      <p:sp>
+        <p:nvSpPr>
+          <p:cNvPr id="3" name="Notes Placeholder 2"/>
+          <p:cNvSpPr>
+            <a:spLocks noGrp="1"/>
+          </p:cNvSpPr>
+          <p:nvPr>
+            <p:ph type="body" idx="1"/>
+          </p:nvPr>
+        </p:nvSpPr>
+        <p:spPr/>
+        <p:txBody>
+          <a:bodyPr/>
+          <a:lstStyle/>
+          <a:p>
+            <a:endParaRPr lang="en-US" dirty="0"/>
+          </a:p>
+        </p:txBody>
+      </p:sp>
+      <p:sp>
+        <p:nvSpPr>
+          <p:cNvPr id="4" name="Slide Number Placeholder 3"/>
+          <p:cNvSpPr>
+            <a:spLocks noGrp="1"/>
+          </p:cNvSpPr>
+          <p:nvPr>
+            <p:ph type="sldNum" sz="quarter" idx="10"/>
+          </p:nvPr>
+        </p:nvSpPr>
+        <p:spPr/>
+        <p:txBody>
+          <a:bodyPr/>
+          <a:lstStyle/>
+          <a:p>
+            <a:fld id="{7D33776A-0D12-8F46-8200-FD1AB0C2A2E1}" type="slidenum">
+              <a:rPr lang="en-US" smtClean="0"/>
+              <a:t>16</a:t>
+            </a:fld>
+            <a:endParaRPr lang="en-US"/>
+          </a:p>
+        </p:txBody>
+      </p:sp>
+    </p:spTree>
+    <p:extLst>
+      <p:ext uri="{BB962C8B-B14F-4D97-AF65-F5344CB8AC3E}">
+        <p14:creationId xmlns:p14="http://schemas.microsoft.com/office/powerpoint/2010/main" val="1175491226"/>
+      </p:ext>
+    </p:extLst>
+  </p:cSld>
+  <p:clrMapOvr>
+    <a:masterClrMapping/>
+  </p:clrMapOvr>
+</p:notes>
+</file>
+
+<file path=ppt/notesSlides/notesSlide17.xml><?xml version="1.0" encoding="utf-8"?>
+<p:notes xmlns:a="http://schemas.openxmlformats.org/drawingml/2006/main" xmlns:r="http://schemas.openxmlformats.org/officeDocument/2006/relationships" xmlns:p="http://schemas.openxmlformats.org/presentationml/2006/main">
+  <p:cSld>
+    <p:spTree>
+      <p:nvGrpSpPr>
+        <p:cNvPr id="1" name=""/>
+        <p:cNvGrpSpPr/>
+        <p:nvPr/>
+      </p:nvGrpSpPr>
+      <p:grpSpPr>
+        <a:xfrm>
+          <a:off x="0" y="0"/>
+          <a:ext cx="0" cy="0"/>
+          <a:chOff x="0" y="0"/>
+          <a:chExt cx="0" cy="0"/>
+        </a:xfrm>
+      </p:grpSpPr>
+      <p:sp>
+        <p:nvSpPr>
+          <p:cNvPr id="2" name="Slide Image Placeholder 1"/>
+          <p:cNvSpPr>
+            <a:spLocks noGrp="1" noRot="1" noChangeAspect="1"/>
+          </p:cNvSpPr>
+          <p:nvPr>
+            <p:ph type="sldImg"/>
+          </p:nvPr>
+        </p:nvSpPr>
+        <p:spPr/>
+      </p:sp>
+      <p:sp>
+        <p:nvSpPr>
+          <p:cNvPr id="3" name="Notes Placeholder 2"/>
+          <p:cNvSpPr>
+            <a:spLocks noGrp="1"/>
+          </p:cNvSpPr>
+          <p:nvPr>
+            <p:ph type="body" idx="1"/>
+          </p:nvPr>
+        </p:nvSpPr>
+        <p:spPr/>
+        <p:txBody>
+          <a:bodyPr/>
+          <a:lstStyle/>
+          <a:p>
+            <a:endParaRPr lang="en-US" dirty="0"/>
+          </a:p>
+        </p:txBody>
+      </p:sp>
+      <p:sp>
+        <p:nvSpPr>
+          <p:cNvPr id="4" name="Slide Number Placeholder 3"/>
+          <p:cNvSpPr>
+            <a:spLocks noGrp="1"/>
+          </p:cNvSpPr>
+          <p:nvPr>
+            <p:ph type="sldNum" sz="quarter" idx="10"/>
+          </p:nvPr>
+        </p:nvSpPr>
+        <p:spPr/>
+        <p:txBody>
+          <a:bodyPr/>
+          <a:lstStyle/>
+          <a:p>
+            <a:fld id="{7D33776A-0D12-8F46-8200-FD1AB0C2A2E1}" type="slidenum">
+              <a:rPr lang="en-US" smtClean="0"/>
+              <a:t>17</a:t>
+            </a:fld>
+            <a:endParaRPr lang="en-US"/>
+          </a:p>
+        </p:txBody>
+      </p:sp>
+    </p:spTree>
+    <p:extLst>
+      <p:ext uri="{BB962C8B-B14F-4D97-AF65-F5344CB8AC3E}">
+        <p14:creationId xmlns:p14="http://schemas.microsoft.com/office/powerpoint/2010/main" val="2826427442"/>
+      </p:ext>
+    </p:extLst>
+  </p:cSld>
+  <p:clrMapOvr>
+    <a:masterClrMapping/>
+  </p:clrMapOvr>
+</p:notes>
+</file>
+
+<file path=ppt/notesSlides/notesSlide18.xml><?xml version="1.0" encoding="utf-8"?>
+<p:notes xmlns:a="http://schemas.openxmlformats.org/drawingml/2006/main" xmlns:r="http://schemas.openxmlformats.org/officeDocument/2006/relationships" xmlns:p="http://schemas.openxmlformats.org/presentationml/2006/main">
+  <p:cSld>
+    <p:spTree>
+      <p:nvGrpSpPr>
+        <p:cNvPr id="1" name=""/>
+        <p:cNvGrpSpPr/>
+        <p:nvPr/>
+      </p:nvGrpSpPr>
+      <p:grpSpPr>
+        <a:xfrm>
+          <a:off x="0" y="0"/>
+          <a:ext cx="0" cy="0"/>
+          <a:chOff x="0" y="0"/>
+          <a:chExt cx="0" cy="0"/>
+        </a:xfrm>
+      </p:grpSpPr>
+      <p:sp>
+        <p:nvSpPr>
+          <p:cNvPr id="2" name="Slide Image Placeholder 1"/>
+          <p:cNvSpPr>
+            <a:spLocks noGrp="1" noRot="1" noChangeAspect="1"/>
+          </p:cNvSpPr>
+          <p:nvPr>
+            <p:ph type="sldImg"/>
+          </p:nvPr>
+        </p:nvSpPr>
+        <p:spPr/>
+      </p:sp>
+      <p:sp>
+        <p:nvSpPr>
+          <p:cNvPr id="3" name="Notes Placeholder 2"/>
+          <p:cNvSpPr>
+            <a:spLocks noGrp="1"/>
+          </p:cNvSpPr>
+          <p:nvPr>
+            <p:ph type="body" idx="1"/>
+          </p:nvPr>
+        </p:nvSpPr>
+        <p:spPr/>
+        <p:txBody>
+          <a:bodyPr/>
+          <a:lstStyle/>
+          <a:p>
+            <a:endParaRPr lang="en-US" dirty="0"/>
+          </a:p>
+        </p:txBody>
+      </p:sp>
+      <p:sp>
+        <p:nvSpPr>
+          <p:cNvPr id="4" name="Slide Number Placeholder 3"/>
+          <p:cNvSpPr>
+            <a:spLocks noGrp="1"/>
+          </p:cNvSpPr>
+          <p:nvPr>
+            <p:ph type="sldNum" sz="quarter" idx="10"/>
+          </p:nvPr>
+        </p:nvSpPr>
+        <p:spPr/>
+        <p:txBody>
+          <a:bodyPr/>
+          <a:lstStyle/>
+          <a:p>
+            <a:fld id="{7D33776A-0D12-8F46-8200-FD1AB0C2A2E1}" type="slidenum">
+              <a:rPr lang="en-US" smtClean="0"/>
+              <a:t>18</a:t>
             </a:fld>
             <a:endParaRPr lang="en-US"/>
           </a:p>
@@ -1173,10 +1768,7 @@
           <a:bodyPr/>
           <a:lstStyle/>
           <a:p>
-            <a:pPr defTabSz="873161">
-              <a:defRPr/>
-            </a:pPr>
-            <a:endParaRPr lang="en-US" dirty="0" smtClean="0"/>
+            <a:endParaRPr lang="en-US" dirty="0"/>
           </a:p>
         </p:txBody>
       </p:sp>
@@ -1206,7 +1798,7 @@
     </p:spTree>
     <p:extLst>
       <p:ext uri="{BB962C8B-B14F-4D97-AF65-F5344CB8AC3E}">
-        <p14:creationId xmlns:p14="http://schemas.microsoft.com/office/powerpoint/2010/main" val="4276891581"/>
+        <p14:creationId xmlns:p14="http://schemas.microsoft.com/office/powerpoint/2010/main" val="2962433719"/>
       </p:ext>
     </p:extLst>
   </p:cSld>
@@ -1260,7 +1852,10 @@
           <a:bodyPr/>
           <a:lstStyle/>
           <a:p>
-            <a:endParaRPr lang="en-US" dirty="0"/>
+            <a:pPr defTabSz="873161">
+              <a:defRPr/>
+            </a:pPr>
+            <a:endParaRPr lang="en-US" dirty="0" smtClean="0"/>
           </a:p>
         </p:txBody>
       </p:sp>
@@ -1290,7 +1885,7 @@
     </p:spTree>
     <p:extLst>
       <p:ext uri="{BB962C8B-B14F-4D97-AF65-F5344CB8AC3E}">
-        <p14:creationId xmlns:p14="http://schemas.microsoft.com/office/powerpoint/2010/main" val="2962433719"/>
+        <p14:creationId xmlns:p14="http://schemas.microsoft.com/office/powerpoint/2010/main" val="4276891581"/>
       </p:ext>
     </p:extLst>
   </p:cSld>
@@ -1344,7 +1939,7 @@
           <a:bodyPr/>
           <a:lstStyle/>
           <a:p>
-            <a:endParaRPr lang="en-US"/>
+            <a:endParaRPr lang="en-US" dirty="0"/>
           </a:p>
         </p:txBody>
       </p:sp>
@@ -1542,7 +2137,7 @@
     </p:spTree>
     <p:extLst>
       <p:ext uri="{BB962C8B-B14F-4D97-AF65-F5344CB8AC3E}">
-        <p14:creationId xmlns:p14="http://schemas.microsoft.com/office/powerpoint/2010/main" val="1331340274"/>
+        <p14:creationId xmlns:p14="http://schemas.microsoft.com/office/powerpoint/2010/main" val="3084042489"/>
       </p:ext>
     </p:extLst>
   </p:cSld>
@@ -1626,7 +2221,7 @@
     </p:spTree>
     <p:extLst>
       <p:ext uri="{BB962C8B-B14F-4D97-AF65-F5344CB8AC3E}">
-        <p14:creationId xmlns:p14="http://schemas.microsoft.com/office/powerpoint/2010/main" val="49309062"/>
+        <p14:creationId xmlns:p14="http://schemas.microsoft.com/office/powerpoint/2010/main" val="1331340274"/>
       </p:ext>
     </p:extLst>
   </p:cSld>
@@ -2223,7 +2818,7 @@
           <a:p>
             <a:fld id="{911F5484-9D37-41DD-80A3-6D65E6FEF39B}" type="datetimeFigureOut">
               <a:rPr lang="en-US" smtClean="0"/>
-              <a:t>7/13/15</a:t>
+              <a:t>8/10/15</a:t>
             </a:fld>
             <a:endParaRPr lang="en-US"/>
           </a:p>
@@ -2402,7 +2997,7 @@
           <a:p>
             <a:fld id="{911F5484-9D37-41DD-80A3-6D65E6FEF39B}" type="datetimeFigureOut">
               <a:rPr lang="en-US" smtClean="0"/>
-              <a:t>7/13/15</a:t>
+              <a:t>8/10/15</a:t>
             </a:fld>
             <a:endParaRPr lang="en-US"/>
           </a:p>
@@ -2656,7 +3251,7 @@
           <a:p>
             <a:fld id="{911F5484-9D37-41DD-80A3-6D65E6FEF39B}" type="datetimeFigureOut">
               <a:rPr lang="en-US" smtClean="0"/>
-              <a:t>7/13/15</a:t>
+              <a:t>8/10/15</a:t>
             </a:fld>
             <a:endParaRPr lang="en-US"/>
           </a:p>
@@ -2952,7 +3547,7 @@
           <a:p>
             <a:fld id="{911F5484-9D37-41DD-80A3-6D65E6FEF39B}" type="datetimeFigureOut">
               <a:rPr lang="en-US" smtClean="0"/>
-              <a:t>7/13/15</a:t>
+              <a:t>8/10/15</a:t>
             </a:fld>
             <a:endParaRPr lang="en-US"/>
           </a:p>
@@ -3382,7 +3977,7 @@
           <a:p>
             <a:fld id="{911F5484-9D37-41DD-80A3-6D65E6FEF39B}" type="datetimeFigureOut">
               <a:rPr lang="en-US" smtClean="0"/>
-              <a:t>7/13/15</a:t>
+              <a:t>8/10/15</a:t>
             </a:fld>
             <a:endParaRPr lang="en-US"/>
           </a:p>
@@ -3508,7 +4103,7 @@
           <a:p>
             <a:fld id="{911F5484-9D37-41DD-80A3-6D65E6FEF39B}" type="datetimeFigureOut">
               <a:rPr lang="en-US" smtClean="0"/>
-              <a:t>7/13/15</a:t>
+              <a:t>8/10/15</a:t>
             </a:fld>
             <a:endParaRPr lang="en-US"/>
           </a:p>
@@ -3611,7 +4206,7 @@
           <a:p>
             <a:fld id="{911F5484-9D37-41DD-80A3-6D65E6FEF39B}" type="datetimeFigureOut">
               <a:rPr lang="en-US" smtClean="0"/>
-              <a:t>7/13/15</a:t>
+              <a:t>8/10/15</a:t>
             </a:fld>
             <a:endParaRPr lang="en-US"/>
           </a:p>
@@ -3896,7 +4491,7 @@
           <a:p>
             <a:fld id="{911F5484-9D37-41DD-80A3-6D65E6FEF39B}" type="datetimeFigureOut">
               <a:rPr lang="en-US" smtClean="0"/>
-              <a:t>7/13/15</a:t>
+              <a:t>8/10/15</a:t>
             </a:fld>
             <a:endParaRPr lang="en-US"/>
           </a:p>
@@ -4224,7 +4819,7 @@
           <a:p>
             <a:fld id="{911F5484-9D37-41DD-80A3-6D65E6FEF39B}" type="datetimeFigureOut">
               <a:rPr lang="en-US" smtClean="0"/>
-              <a:t>7/13/15</a:t>
+              <a:t>8/10/15</a:t>
             </a:fld>
             <a:endParaRPr lang="en-US"/>
           </a:p>
@@ -4402,7 +4997,7 @@
           <a:p>
             <a:fld id="{911F5484-9D37-41DD-80A3-6D65E6FEF39B}" type="datetimeFigureOut">
               <a:rPr lang="en-US" smtClean="0"/>
-              <a:t>7/13/15</a:t>
+              <a:t>8/10/15</a:t>
             </a:fld>
             <a:endParaRPr lang="en-US"/>
           </a:p>
@@ -4590,7 +5185,7 @@
           <a:p>
             <a:fld id="{911F5484-9D37-41DD-80A3-6D65E6FEF39B}" type="datetimeFigureOut">
               <a:rPr lang="en-US" smtClean="0"/>
-              <a:t>7/13/15</a:t>
+              <a:t>8/10/15</a:t>
             </a:fld>
             <a:endParaRPr lang="en-US"/>
           </a:p>
@@ -6500,7 +7095,7 @@
           <a:p>
             <a:fld id="{911F5484-9D37-41DD-80A3-6D65E6FEF39B}" type="datetimeFigureOut">
               <a:rPr lang="en-US" smtClean="0"/>
-              <a:t>7/13/15</a:t>
+              <a:t>8/10/15</a:t>
             </a:fld>
             <a:endParaRPr lang="en-US"/>
           </a:p>
@@ -6910,7 +7505,7 @@
         </p:blipFill>
         <p:spPr>
           <a:xfrm>
-            <a:off x="0" y="20539"/>
+            <a:off x="0" y="0"/>
             <a:ext cx="9144000" cy="5143499"/>
           </a:xfrm>
         </p:spPr>
@@ -6925,7 +7520,7 @@
         </p:nvSpPr>
         <p:spPr bwMode="auto">
           <a:xfrm>
-            <a:off x="32067" y="627534"/>
+            <a:off x="0" y="436741"/>
             <a:ext cx="9036496" cy="3295650"/>
           </a:xfrm>
           <a:prstGeom prst="rect">
@@ -7075,22 +7670,6 @@
               </a:rPr>
               <a:t>Predicting Restaurant Inspections</a:t>
             </a:r>
-          </a:p>
-          <a:p>
-            <a:pPr algn="ctr">
-              <a:lnSpc>
-                <a:spcPct val="120000"/>
-              </a:lnSpc>
-            </a:pPr>
-            <a:endParaRPr lang="en-US" sz="3600" dirty="0" smtClean="0">
-              <a:solidFill>
-                <a:schemeClr val="accent5"/>
-              </a:solidFill>
-              <a:latin typeface="Proxima Nova Regular"/>
-              <a:ea typeface="Helvetica Neue" charset="0"/>
-              <a:cs typeface="Proxima Nova Regular"/>
-              <a:sym typeface="Helvetica Neue" charset="0"/>
-            </a:endParaRPr>
           </a:p>
           <a:p>
             <a:pPr algn="ctr">
@@ -7191,22 +7770,10 @@
                 <a:cs typeface="Proxima Nova Regular"/>
                 <a:sym typeface="Helvetica Neue" charset="0"/>
               </a:rPr>
-              <a:t>July </a:t>
-            </a:r>
-            <a:r>
-              <a:rPr lang="en-US" sz="2400" dirty="0">
-                <a:solidFill>
-                  <a:schemeClr val="bg1"/>
-                </a:solidFill>
-                <a:latin typeface="Proxima Nova Regular"/>
-                <a:ea typeface="Helvetica Neue" charset="0"/>
-                <a:cs typeface="Proxima Nova Regular"/>
-                <a:sym typeface="Helvetica Neue" charset="0"/>
-              </a:rPr>
-              <a:t>13</a:t>
-            </a:r>
-            <a:r>
-              <a:rPr lang="en-US" sz="2400" baseline="30000" dirty="0">
+              <a:t>Aug 12</a:t>
+            </a:r>
+            <a:r>
+              <a:rPr lang="en-US" sz="2400" baseline="30000" dirty="0" smtClean="0">
                 <a:solidFill>
                   <a:schemeClr val="bg1"/>
                 </a:solidFill>
@@ -7404,36 +7971,6 @@
           </a:extLst>
         </p:spPr>
       </p:pic>
-      <p:pic>
-        <p:nvPicPr>
-          <p:cNvPr id="7" name="Picture 6"/>
-          <p:cNvPicPr>
-            <a:picLocks noChangeAspect="1"/>
-          </p:cNvPicPr>
-          <p:nvPr/>
-        </p:nvPicPr>
-        <p:blipFill>
-          <a:blip r:embed="rId8">
-            <a:extLst>
-              <a:ext uri="{28A0092B-C50C-407E-A947-70E740481C1C}">
-                <a14:useLocalDpi xmlns:a14="http://schemas.microsoft.com/office/drawing/2010/main" val="0"/>
-              </a:ext>
-            </a:extLst>
-          </a:blip>
-          <a:stretch>
-            <a:fillRect/>
-          </a:stretch>
-        </p:blipFill>
-        <p:spPr>
-          <a:xfrm>
-            <a:off x="2626241" y="1345018"/>
-            <a:ext cx="3848148" cy="423689"/>
-          </a:xfrm>
-          <a:prstGeom prst="rect">
-            <a:avLst/>
-          </a:prstGeom>
-        </p:spPr>
-      </p:pic>
     </p:spTree>
     <p:extLst>
       <p:ext uri="{BB962C8B-B14F-4D97-AF65-F5344CB8AC3E}">
@@ -7456,7 +7993,7 @@
 </file>
 
 <file path=ppt/slides/slide10.xml><?xml version="1.0" encoding="utf-8"?>
-<p:sld xmlns:a="http://schemas.openxmlformats.org/drawingml/2006/main" xmlns:r="http://schemas.openxmlformats.org/officeDocument/2006/relationships" xmlns:p="http://schemas.openxmlformats.org/presentationml/2006/main">
+<p:sld xmlns:a="http://schemas.openxmlformats.org/drawingml/2006/main" xmlns:r="http://schemas.openxmlformats.org/officeDocument/2006/relationships" xmlns:p="http://schemas.openxmlformats.org/presentationml/2006/main" show="0">
   <p:cSld>
     <p:spTree>
       <p:nvGrpSpPr>
@@ -7474,7 +8011,7 @@
       </p:grpSpPr>
       <p:sp>
         <p:nvSpPr>
-          <p:cNvPr id="2" name="Title 1"/>
+          <p:cNvPr id="5" name="Title 1"/>
           <p:cNvSpPr txBox="1">
             <a:spLocks/>
           </p:cNvSpPr>
@@ -7482,7 +8019,7 @@
         </p:nvSpPr>
         <p:spPr>
           <a:xfrm>
-            <a:off x="628650" y="-359767"/>
+            <a:off x="628650" y="-236562"/>
             <a:ext cx="7886700" cy="1325563"/>
           </a:xfrm>
           <a:prstGeom prst="rect">
@@ -7531,7 +8068,7 @@
                 <a:ea typeface="+mn-ea"/>
                 <a:cs typeface="+mn-cs"/>
               </a:rPr>
-              <a:t>Modeling &amp; Scope</a:t>
+              <a:t>Data Exploration</a:t>
             </a:r>
             <a:endParaRPr lang="en-US" dirty="0">
               <a:solidFill>
@@ -7546,15 +8083,185 @@
           </a:p>
         </p:txBody>
       </p:sp>
+      <p:sp>
+        <p:nvSpPr>
+          <p:cNvPr id="6" name="Content Placeholder 2"/>
+          <p:cNvSpPr txBox="1">
+            <a:spLocks/>
+          </p:cNvSpPr>
+          <p:nvPr/>
+        </p:nvSpPr>
+        <p:spPr>
+          <a:xfrm>
+            <a:off x="611715" y="956716"/>
+            <a:ext cx="8320797" cy="4351338"/>
+          </a:xfrm>
+          <a:prstGeom prst="rect">
+            <a:avLst/>
+          </a:prstGeom>
+        </p:spPr>
+        <p:txBody>
+          <a:bodyPr/>
+          <a:lstStyle>
+            <a:lvl1pPr marL="342900" indent="-342900" algn="l" defTabSz="914400" rtl="0" eaLnBrk="1" latinLnBrk="0" hangingPunct="1">
+              <a:spcBef>
+                <a:spcPct val="20000"/>
+              </a:spcBef>
+              <a:buFont typeface="Arial" panose="020B0604020202020204" pitchFamily="34" charset="0"/>
+              <a:buChar char="•"/>
+              <a:defRPr sz="3200" kern="1200">
+                <a:solidFill>
+                  <a:schemeClr val="tx1"/>
+                </a:solidFill>
+                <a:latin typeface="+mn-lt"/>
+                <a:ea typeface="+mn-ea"/>
+                <a:cs typeface="+mn-cs"/>
+              </a:defRPr>
+            </a:lvl1pPr>
+            <a:lvl2pPr marL="742950" indent="-285750" algn="l" defTabSz="914400" rtl="0" eaLnBrk="1" latinLnBrk="0" hangingPunct="1">
+              <a:spcBef>
+                <a:spcPct val="20000"/>
+              </a:spcBef>
+              <a:buFont typeface="Arial" panose="020B0604020202020204" pitchFamily="34" charset="0"/>
+              <a:buChar char="–"/>
+              <a:defRPr sz="2800" kern="1200">
+                <a:solidFill>
+                  <a:schemeClr val="tx1"/>
+                </a:solidFill>
+                <a:latin typeface="+mn-lt"/>
+                <a:ea typeface="+mn-ea"/>
+                <a:cs typeface="+mn-cs"/>
+              </a:defRPr>
+            </a:lvl2pPr>
+            <a:lvl3pPr marL="1143000" indent="-228600" algn="l" defTabSz="914400" rtl="0" eaLnBrk="1" latinLnBrk="0" hangingPunct="1">
+              <a:spcBef>
+                <a:spcPct val="20000"/>
+              </a:spcBef>
+              <a:buFont typeface="Arial" panose="020B0604020202020204" pitchFamily="34" charset="0"/>
+              <a:buChar char="•"/>
+              <a:defRPr sz="2400" kern="1200">
+                <a:solidFill>
+                  <a:schemeClr val="tx1"/>
+                </a:solidFill>
+                <a:latin typeface="+mn-lt"/>
+                <a:ea typeface="+mn-ea"/>
+                <a:cs typeface="+mn-cs"/>
+              </a:defRPr>
+            </a:lvl3pPr>
+            <a:lvl4pPr marL="1600200" indent="-228600" algn="l" defTabSz="914400" rtl="0" eaLnBrk="1" latinLnBrk="0" hangingPunct="1">
+              <a:spcBef>
+                <a:spcPct val="20000"/>
+              </a:spcBef>
+              <a:buFont typeface="Arial" panose="020B0604020202020204" pitchFamily="34" charset="0"/>
+              <a:buChar char="–"/>
+              <a:defRPr sz="2000" kern="1200">
+                <a:solidFill>
+                  <a:schemeClr val="tx1"/>
+                </a:solidFill>
+                <a:latin typeface="+mn-lt"/>
+                <a:ea typeface="+mn-ea"/>
+                <a:cs typeface="+mn-cs"/>
+              </a:defRPr>
+            </a:lvl4pPr>
+            <a:lvl5pPr marL="2057400" indent="-228600" algn="l" defTabSz="914400" rtl="0" eaLnBrk="1" latinLnBrk="0" hangingPunct="1">
+              <a:spcBef>
+                <a:spcPct val="20000"/>
+              </a:spcBef>
+              <a:buFont typeface="Arial" panose="020B0604020202020204" pitchFamily="34" charset="0"/>
+              <a:buChar char="»"/>
+              <a:defRPr sz="2000" kern="1200">
+                <a:solidFill>
+                  <a:schemeClr val="tx1"/>
+                </a:solidFill>
+                <a:latin typeface="+mn-lt"/>
+                <a:ea typeface="+mn-ea"/>
+                <a:cs typeface="+mn-cs"/>
+              </a:defRPr>
+            </a:lvl5pPr>
+            <a:lvl6pPr marL="2514600" indent="-228600" algn="l" defTabSz="914400" rtl="0" eaLnBrk="1" latinLnBrk="0" hangingPunct="1">
+              <a:spcBef>
+                <a:spcPct val="20000"/>
+              </a:spcBef>
+              <a:buFont typeface="Arial" panose="020B0604020202020204" pitchFamily="34" charset="0"/>
+              <a:buChar char="•"/>
+              <a:defRPr sz="2000" kern="1200">
+                <a:solidFill>
+                  <a:schemeClr val="tx1"/>
+                </a:solidFill>
+                <a:latin typeface="+mn-lt"/>
+                <a:ea typeface="+mn-ea"/>
+                <a:cs typeface="+mn-cs"/>
+              </a:defRPr>
+            </a:lvl6pPr>
+            <a:lvl7pPr marL="2971800" indent="-228600" algn="l" defTabSz="914400" rtl="0" eaLnBrk="1" latinLnBrk="0" hangingPunct="1">
+              <a:spcBef>
+                <a:spcPct val="20000"/>
+              </a:spcBef>
+              <a:buFont typeface="Arial" panose="020B0604020202020204" pitchFamily="34" charset="0"/>
+              <a:buChar char="•"/>
+              <a:defRPr sz="2000" kern="1200">
+                <a:solidFill>
+                  <a:schemeClr val="tx1"/>
+                </a:solidFill>
+                <a:latin typeface="+mn-lt"/>
+                <a:ea typeface="+mn-ea"/>
+                <a:cs typeface="+mn-cs"/>
+              </a:defRPr>
+            </a:lvl7pPr>
+            <a:lvl8pPr marL="3429000" indent="-228600" algn="l" defTabSz="914400" rtl="0" eaLnBrk="1" latinLnBrk="0" hangingPunct="1">
+              <a:spcBef>
+                <a:spcPct val="20000"/>
+              </a:spcBef>
+              <a:buFont typeface="Arial" panose="020B0604020202020204" pitchFamily="34" charset="0"/>
+              <a:buChar char="•"/>
+              <a:defRPr sz="2000" kern="1200">
+                <a:solidFill>
+                  <a:schemeClr val="tx1"/>
+                </a:solidFill>
+                <a:latin typeface="+mn-lt"/>
+                <a:ea typeface="+mn-ea"/>
+                <a:cs typeface="+mn-cs"/>
+              </a:defRPr>
+            </a:lvl8pPr>
+            <a:lvl9pPr marL="3886200" indent="-228600" algn="l" defTabSz="914400" rtl="0" eaLnBrk="1" latinLnBrk="0" hangingPunct="1">
+              <a:spcBef>
+                <a:spcPct val="20000"/>
+              </a:spcBef>
+              <a:buFont typeface="Arial" panose="020B0604020202020204" pitchFamily="34" charset="0"/>
+              <a:buChar char="•"/>
+              <a:defRPr sz="2000" kern="1200">
+                <a:solidFill>
+                  <a:schemeClr val="tx1"/>
+                </a:solidFill>
+                <a:latin typeface="+mn-lt"/>
+                <a:ea typeface="+mn-ea"/>
+                <a:cs typeface="+mn-cs"/>
+              </a:defRPr>
+            </a:lvl9pPr>
+          </a:lstStyle>
+          <a:p>
+            <a:pPr marL="0" indent="0" algn="ctr" fontAlgn="auto">
+              <a:spcAft>
+                <a:spcPts val="0"/>
+              </a:spcAft>
+              <a:buNone/>
+            </a:pPr>
+            <a:r>
+              <a:rPr lang="en-US" sz="2800" dirty="0"/>
+              <a:t>Number of reviews and severity of violation</a:t>
+            </a:r>
+          </a:p>
+        </p:txBody>
+      </p:sp>
       <p:cxnSp>
         <p:nvCxnSpPr>
-          <p:cNvPr id="4" name="Straight Connector 3"/>
+          <p:cNvPr id="7" name="Straight Connector 6"/>
           <p:cNvCxnSpPr/>
           <p:nvPr/>
         </p:nvCxnSpPr>
         <p:spPr>
           <a:xfrm>
-            <a:off x="711198" y="771550"/>
+            <a:off x="711198" y="939248"/>
             <a:ext cx="7789334" cy="16934"/>
           </a:xfrm>
           <a:prstGeom prst="line">
@@ -7578,69 +8285,38 @@
       </p:cxnSp>
       <p:pic>
         <p:nvPicPr>
-          <p:cNvPr id="6" name="pasted-image.tif"/>
-          <p:cNvPicPr/>
-          <p:nvPr/>
-        </p:nvPicPr>
-        <p:blipFill>
-          <a:blip r:embed="rId3">
-            <a:duotone>
-              <a:schemeClr val="bg2">
-                <a:shade val="45000"/>
-                <a:satMod val="135000"/>
-              </a:schemeClr>
-              <a:prstClr val="white"/>
-            </a:duotone>
-            <a:extLst>
-              <a:ext uri="{BEBA8EAE-BF5A-486C-A8C5-ECC9F3942E4B}">
-                <a14:imgProps xmlns:a14="http://schemas.microsoft.com/office/drawing/2010/main">
-                  <a14:imgLayer r:embed="rId4">
-                    <a14:imgEffect>
-                      <a14:sharpenSoften amount="100000"/>
-                    </a14:imgEffect>
-                    <a14:imgEffect>
-                      <a14:colorTemperature colorTemp="10875"/>
-                    </a14:imgEffect>
-                    <a14:imgEffect>
-                      <a14:saturation sat="0"/>
-                    </a14:imgEffect>
-                    <a14:imgEffect>
-                      <a14:brightnessContrast bright="22000" contrast="5000"/>
-                    </a14:imgEffect>
-                  </a14:imgLayer>
-                </a14:imgProps>
-              </a:ext>
-            </a:extLst>
-          </a:blip>
-          <a:stretch>
-            <a:fillRect/>
-          </a:stretch>
-        </p:blipFill>
-        <p:spPr>
-          <a:xfrm>
-            <a:off x="467544" y="3060573"/>
-            <a:ext cx="758620" cy="663305"/>
-          </a:xfrm>
-          <a:prstGeom prst="rect">
-            <a:avLst/>
-          </a:prstGeom>
-          <a:ln w="12700" cap="flat">
-            <a:noFill/>
-            <a:miter lim="400000"/>
-          </a:ln>
-          <a:effectLst/>
-        </p:spPr>
-      </p:pic>
-      <p:pic>
-        <p:nvPicPr>
-          <p:cNvPr id="8" name="Picture 7"/>
+          <p:cNvPr id="10" name="Picture 9"/>
           <p:cNvPicPr>
             <a:picLocks noChangeAspect="1"/>
           </p:cNvPicPr>
           <p:nvPr/>
         </p:nvPicPr>
         <p:blipFill>
-          <a:blip r:embed="rId5" cstate="print">
+          <a:blip r:embed="rId3"/>
+          <a:stretch>
+            <a:fillRect/>
+          </a:stretch>
+        </p:blipFill>
+        <p:spPr>
+          <a:xfrm>
+            <a:off x="971600" y="1491630"/>
+            <a:ext cx="7272653" cy="3318199"/>
+          </a:xfrm>
+          <a:prstGeom prst="rect">
+            <a:avLst/>
+          </a:prstGeom>
+        </p:spPr>
+      </p:pic>
+      <p:pic>
+        <p:nvPicPr>
+          <p:cNvPr id="11" name="Picture 10"/>
+          <p:cNvPicPr>
+            <a:picLocks noChangeAspect="1"/>
+          </p:cNvPicPr>
+          <p:nvPr/>
+        </p:nvPicPr>
+        <p:blipFill>
+          <a:blip r:embed="rId4" cstate="print">
             <a:extLst>
               <a:ext uri="{28A0092B-C50C-407E-A947-70E740481C1C}">
                 <a14:useLocalDpi xmlns:a14="http://schemas.microsoft.com/office/drawing/2010/main" val="0"/>
@@ -7653,88 +8329,173 @@
         </p:blipFill>
         <p:spPr>
           <a:xfrm>
-            <a:off x="611560" y="4105404"/>
-            <a:ext cx="597514" cy="597514"/>
+            <a:off x="19510" y="4793988"/>
+            <a:ext cx="1019947" cy="305984"/>
           </a:xfrm>
           <a:prstGeom prst="rect">
             <a:avLst/>
           </a:prstGeom>
         </p:spPr>
       </p:pic>
-      <p:pic>
-        <p:nvPicPr>
-          <p:cNvPr id="7172" name="Picture 4"/>
-          <p:cNvPicPr>
-            <a:picLocks noChangeAspect="1" noChangeArrowheads="1"/>
-          </p:cNvPicPr>
+    </p:spTree>
+    <p:extLst>
+      <p:ext uri="{BB962C8B-B14F-4D97-AF65-F5344CB8AC3E}">
+        <p14:creationId xmlns:p14="http://schemas.microsoft.com/office/powerpoint/2010/main" val="1986909724"/>
+      </p:ext>
+    </p:extLst>
+  </p:cSld>
+  <p:clrMapOvr>
+    <a:masterClrMapping/>
+  </p:clrMapOvr>
+  <mc:AlternateContent xmlns:mc="http://schemas.openxmlformats.org/markup-compatibility/2006">
+    <mc:Choice xmlns:p14="http://schemas.microsoft.com/office/powerpoint/2010/main" Requires="p14">
+      <p:transition spd="slow" p14:dur="2000"/>
+    </mc:Choice>
+    <mc:Fallback>
+      <p:transition xmlns:p14="http://schemas.microsoft.com/office/powerpoint/2010/main" spd="slow"/>
+    </mc:Fallback>
+  </mc:AlternateContent>
+  <p:timing>
+    <p:tnLst>
+      <p:par>
+        <p:cTn xmlns:p14="http://schemas.microsoft.com/office/powerpoint/2010/main" id="1" dur="indefinite" restart="never" nodeType="tmRoot"/>
+      </p:par>
+    </p:tnLst>
+  </p:timing>
+</p:sld>
+</file>
+
+<file path=ppt/slides/slide11.xml><?xml version="1.0" encoding="utf-8"?>
+<p:sld xmlns:a="http://schemas.openxmlformats.org/drawingml/2006/main" xmlns:r="http://schemas.openxmlformats.org/officeDocument/2006/relationships" xmlns:p="http://schemas.openxmlformats.org/presentationml/2006/main">
+  <p:cSld>
+    <p:spTree>
+      <p:nvGrpSpPr>
+        <p:cNvPr id="1" name=""/>
+        <p:cNvGrpSpPr/>
+        <p:nvPr/>
+      </p:nvGrpSpPr>
+      <p:grpSpPr>
+        <a:xfrm>
+          <a:off x="0" y="0"/>
+          <a:ext cx="0" cy="0"/>
+          <a:chOff x="0" y="0"/>
+          <a:chExt cx="0" cy="0"/>
+        </a:xfrm>
+      </p:grpSpPr>
+      <p:sp>
+        <p:nvSpPr>
+          <p:cNvPr id="2" name="Title 1"/>
+          <p:cNvSpPr txBox="1">
+            <a:spLocks/>
+          </p:cNvSpPr>
           <p:nvPr/>
-        </p:nvPicPr>
-        <p:blipFill>
-          <a:blip r:embed="rId6" cstate="print">
-            <a:extLst>
-              <a:ext uri="{28A0092B-C50C-407E-A947-70E740481C1C}">
-                <a14:useLocalDpi xmlns:a14="http://schemas.microsoft.com/office/drawing/2010/main" val="0"/>
-              </a:ext>
-            </a:extLst>
-          </a:blip>
-          <a:srcRect/>
-          <a:stretch>
-            <a:fillRect/>
-          </a:stretch>
-        </p:blipFill>
-        <p:spPr bwMode="auto">
-          <a:xfrm>
-            <a:off x="645028" y="2118261"/>
-            <a:ext cx="542596" cy="525497"/>
+        </p:nvSpPr>
+        <p:spPr>
+          <a:xfrm>
+            <a:off x="628650" y="-359767"/>
+            <a:ext cx="7886700" cy="1325563"/>
           </a:xfrm>
           <a:prstGeom prst="rect">
             <a:avLst/>
           </a:prstGeom>
-          <a:noFill/>
-          <a:ln>
-            <a:noFill/>
-          </a:ln>
-          <a:effectLst/>
-          <a:extLst>
-            <a:ext uri="{909E8E84-426E-40dd-AFC4-6F175D3DCCD1}">
-              <a14:hiddenFill xmlns:a14="http://schemas.microsoft.com/office/drawing/2010/main">
-                <a:solidFill>
-                  <a:schemeClr val="accent1"/>
-                </a:solidFill>
-              </a14:hiddenFill>
-            </a:ext>
-            <a:ext uri="{91240B29-F687-4f45-9708-019B960494DF}">
-              <a14:hiddenLine xmlns:a14="http://schemas.microsoft.com/office/drawing/2010/main" w="9525">
+        </p:spPr>
+        <p:txBody>
+          <a:bodyPr vert="horz" lIns="91440" tIns="45720" rIns="91440" bIns="45720" rtlCol="0" anchor="ctr">
+            <a:normAutofit/>
+          </a:bodyPr>
+          <a:lstStyle>
+            <a:lvl1pPr algn="ctr" defTabSz="914400" rtl="0" eaLnBrk="1" latinLnBrk="0" hangingPunct="1">
+              <a:spcBef>
+                <a:spcPct val="0"/>
+              </a:spcBef>
+              <a:buNone/>
+              <a:defRPr sz="4400" kern="1200">
                 <a:solidFill>
                   <a:schemeClr val="tx1"/>
                 </a:solidFill>
-                <a:miter lim="800000"/>
-                <a:headEnd/>
-                <a:tailEnd/>
-              </a14:hiddenLine>
-            </a:ext>
-            <a:ext uri="{AF507438-7753-43e0-B8FC-AC1667EBCBE1}">
-              <a14:hiddenEffects xmlns:a14="http://schemas.microsoft.com/office/drawing/2010/main">
-                <a:effectLst>
-                  <a:outerShdw dist="35921" dir="2700000" algn="ctr" rotWithShape="0">
-                    <a:schemeClr val="bg2"/>
-                  </a:outerShdw>
-                </a:effectLst>
-              </a14:hiddenEffects>
-            </a:ext>
-          </a:extLst>
-        </p:spPr>
-      </p:pic>
-      <p:sp>
-        <p:nvSpPr>
-          <p:cNvPr id="31" name="TextBox 30"/>
+                <a:latin typeface="+mj-lt"/>
+                <a:ea typeface="+mj-ea"/>
+                <a:cs typeface="+mj-cs"/>
+              </a:defRPr>
+            </a:lvl1pPr>
+          </a:lstStyle>
+          <a:p>
+            <a:pPr fontAlgn="auto">
+              <a:spcBef>
+                <a:spcPts val="1000"/>
+              </a:spcBef>
+              <a:spcAft>
+                <a:spcPts val="0"/>
+              </a:spcAft>
+              <a:buFont typeface="Arial" panose="020B0604020202020204" pitchFamily="34" charset="0"/>
+              <a:buNone/>
+            </a:pPr>
+            <a:r>
+              <a:rPr lang="en-US" dirty="0" smtClean="0">
+                <a:solidFill>
+                  <a:schemeClr val="accent1">
+                    <a:lumMod val="50000"/>
+                  </a:schemeClr>
+                </a:solidFill>
+                <a:latin typeface="+mn-lt"/>
+                <a:ea typeface="+mn-ea"/>
+                <a:cs typeface="+mn-cs"/>
+              </a:rPr>
+              <a:t>Baseline Model</a:t>
+            </a:r>
+            <a:endParaRPr lang="en-US" dirty="0">
+              <a:solidFill>
+                <a:schemeClr val="accent1">
+                  <a:lumMod val="50000"/>
+                </a:schemeClr>
+              </a:solidFill>
+              <a:latin typeface="+mn-lt"/>
+              <a:ea typeface="+mn-ea"/>
+              <a:cs typeface="+mn-cs"/>
+            </a:endParaRPr>
+          </a:p>
+        </p:txBody>
+      </p:sp>
+      <p:cxnSp>
+        <p:nvCxnSpPr>
+          <p:cNvPr id="4" name="Straight Connector 3"/>
+          <p:cNvCxnSpPr/>
+          <p:nvPr/>
+        </p:nvCxnSpPr>
+        <p:spPr>
+          <a:xfrm>
+            <a:off x="711198" y="771550"/>
+            <a:ext cx="7789334" cy="16934"/>
+          </a:xfrm>
+          <a:prstGeom prst="line">
+            <a:avLst/>
+          </a:prstGeom>
+        </p:spPr>
+        <p:style>
+          <a:lnRef idx="2">
+            <a:schemeClr val="accent1"/>
+          </a:lnRef>
+          <a:fillRef idx="0">
+            <a:schemeClr val="accent1"/>
+          </a:fillRef>
+          <a:effectRef idx="1">
+            <a:schemeClr val="accent1"/>
+          </a:effectRef>
+          <a:fontRef idx="minor">
+            <a:schemeClr val="tx1"/>
+          </a:fontRef>
+        </p:style>
+      </p:cxnSp>
+      <p:sp>
+        <p:nvSpPr>
+          <p:cNvPr id="56" name="TextBox 55"/>
           <p:cNvSpPr txBox="1"/>
           <p:nvPr/>
         </p:nvSpPr>
         <p:spPr>
           <a:xfrm>
-            <a:off x="1835696" y="771550"/>
-            <a:ext cx="5472608" cy="492443"/>
+            <a:off x="711198" y="1132462"/>
+            <a:ext cx="7471528" cy="338554"/>
           </a:xfrm>
           <a:prstGeom prst="rect">
             <a:avLst/>
@@ -7756,28 +8517,29 @@
             </a:lvl1pPr>
           </a:lstStyle>
           <a:p>
-            <a:r>
-              <a:rPr lang="en-US" sz="2600" b="1" dirty="0"/>
-              <a:t>Regression or Classification </a:t>
-            </a:r>
-            <a:r>
-              <a:rPr lang="en-US" sz="2600" b="1" dirty="0" smtClean="0"/>
-              <a:t>Problem? </a:t>
-            </a:r>
-            <a:endParaRPr lang="en-US" sz="2600" b="1" dirty="0"/>
-          </a:p>
-        </p:txBody>
-      </p:sp>
-      <p:sp>
-        <p:nvSpPr>
-          <p:cNvPr id="55" name="TextBox 54"/>
+            <a:pPr algn="l"/>
+            <a:r>
+              <a:rPr lang="en-US" sz="1600" b="1" dirty="0" smtClean="0"/>
+              <a:t>Model: </a:t>
+            </a:r>
+            <a:r>
+              <a:rPr lang="en-US" sz="1600" dirty="0" smtClean="0"/>
+              <a:t>Linear Regression</a:t>
+            </a:r>
+            <a:endParaRPr lang="en-US" sz="1600" dirty="0"/>
+          </a:p>
+        </p:txBody>
+      </p:sp>
+      <p:sp>
+        <p:nvSpPr>
+          <p:cNvPr id="57" name="TextBox 56"/>
           <p:cNvSpPr txBox="1"/>
           <p:nvPr/>
         </p:nvSpPr>
         <p:spPr>
           <a:xfrm>
-            <a:off x="1348944" y="1302586"/>
-            <a:ext cx="7471528" cy="584775"/>
+            <a:off x="711198" y="1608351"/>
+            <a:ext cx="2935024" cy="1323439"/>
           </a:xfrm>
           <a:prstGeom prst="rect">
             <a:avLst/>
@@ -7801,28 +8563,47 @@
           <a:p>
             <a:pPr algn="l"/>
             <a:r>
-              <a:rPr lang="en-US" sz="1600" b="1" dirty="0"/>
-              <a:t>Classification: </a:t>
-            </a:r>
+              <a:rPr lang="en-US" sz="1600" b="1" dirty="0" smtClean="0"/>
+              <a:t>Model Features</a:t>
+            </a:r>
+            <a:r>
+              <a:rPr lang="en-US" sz="1600" b="1" dirty="0" smtClean="0"/>
+              <a:t>:</a:t>
+            </a:r>
+          </a:p>
+          <a:p>
+            <a:pPr algn="l"/>
+            <a:endParaRPr lang="en-US" sz="1600" b="1" dirty="0" smtClean="0"/>
+          </a:p>
+          <a:p>
+            <a:pPr marL="285750" indent="-285750" algn="l">
+              <a:buFont typeface="Arial" panose="020B0604020202020204" pitchFamily="34" charset="0"/>
+              <a:buChar char="•"/>
+            </a:pPr>
+            <a:r>
+              <a:rPr lang="en-US" sz="1600" dirty="0"/>
+              <a:t>Number of reviews</a:t>
+            </a:r>
+          </a:p>
+          <a:p>
+            <a:pPr marL="285750" indent="-285750" algn="l">
+              <a:buFont typeface="Arial" panose="020B0604020202020204" pitchFamily="34" charset="0"/>
+              <a:buChar char="•"/>
+            </a:pPr>
             <a:r>
               <a:rPr lang="en-US" sz="1600" dirty="0" smtClean="0"/>
-              <a:t>Based on likelihood of whether a restaurant will </a:t>
-            </a:r>
-            <a:r>
-              <a:rPr lang="en-US" sz="1600" dirty="0"/>
-              <a:t>receive a </a:t>
-            </a:r>
+              <a:t>Text length</a:t>
+            </a:r>
+            <a:endParaRPr lang="en-US" sz="1600" dirty="0"/>
+          </a:p>
+          <a:p>
+            <a:pPr marL="285750" indent="-285750" algn="l">
+              <a:buFont typeface="Arial" panose="020B0604020202020204" pitchFamily="34" charset="0"/>
+              <a:buChar char="•"/>
+            </a:pPr>
             <a:r>
               <a:rPr lang="en-US" sz="1600" dirty="0" smtClean="0"/>
-              <a:t>violation, what </a:t>
-            </a:r>
-            <a:r>
-              <a:rPr lang="en-US" sz="1600" dirty="0"/>
-              <a:t>will the severity of the violation be</a:t>
-            </a:r>
-            <a:r>
-              <a:rPr lang="en-US" sz="1600" dirty="0" smtClean="0"/>
-              <a:t>?</a:t>
+              <a:t>Ratings</a:t>
             </a:r>
             <a:endParaRPr lang="en-US" sz="1600" dirty="0"/>
           </a:p>
@@ -7830,13 +8611,13 @@
       </p:sp>
       <p:sp>
         <p:nvSpPr>
-          <p:cNvPr id="56" name="TextBox 55"/>
+          <p:cNvPr id="58" name="TextBox 57"/>
           <p:cNvSpPr txBox="1"/>
           <p:nvPr/>
         </p:nvSpPr>
         <p:spPr>
           <a:xfrm>
-            <a:off x="1348944" y="2054340"/>
+            <a:off x="634457" y="3067095"/>
             <a:ext cx="7471528" cy="584775"/>
           </a:xfrm>
           <a:prstGeom prst="rect">
@@ -7862,29 +8643,32 @@
             <a:pPr algn="l"/>
             <a:r>
               <a:rPr lang="en-US" sz="1600" b="1" dirty="0" smtClean="0"/>
-              <a:t>Regression: </a:t>
-            </a:r>
+              <a:t>Evaluation Metric:</a:t>
+            </a:r>
+          </a:p>
+          <a:p>
+            <a:pPr marL="285750" indent="-285750" algn="l">
+              <a:buFont typeface="Arial" panose="020B0604020202020204" pitchFamily="34" charset="0"/>
+              <a:buChar char="•"/>
+            </a:pPr>
             <a:r>
               <a:rPr lang="en-US" sz="1600" dirty="0" smtClean="0"/>
-              <a:t>Based on total violations, what </a:t>
-            </a:r>
-            <a:r>
-              <a:rPr lang="en-US" sz="1600" dirty="0"/>
-              <a:t>is the likelihood of a restaurant’s violations to increase? </a:t>
-            </a:r>
-          </a:p>
-        </p:txBody>
-      </p:sp>
-      <p:sp>
-        <p:nvSpPr>
-          <p:cNvPr id="57" name="TextBox 56"/>
+              <a:t>Root Mean Squared Error (RMSE)</a:t>
+            </a:r>
+            <a:endParaRPr lang="en-US" sz="1600" dirty="0"/>
+          </a:p>
+        </p:txBody>
+      </p:sp>
+      <p:sp>
+        <p:nvSpPr>
+          <p:cNvPr id="14" name="TextBox 13"/>
           <p:cNvSpPr txBox="1"/>
           <p:nvPr/>
         </p:nvSpPr>
         <p:spPr>
           <a:xfrm>
-            <a:off x="1348944" y="2859782"/>
-            <a:ext cx="2935024" cy="1077218"/>
+            <a:off x="628650" y="3817372"/>
+            <a:ext cx="7471528" cy="338554"/>
           </a:xfrm>
           <a:prstGeom prst="rect">
             <a:avLst/>
@@ -7909,210 +8693,28 @@
             <a:pPr algn="l"/>
             <a:r>
               <a:rPr lang="en-US" sz="1600" b="1" dirty="0" smtClean="0"/>
-              <a:t>Potential Model Features:</a:t>
-            </a:r>
-          </a:p>
-          <a:p>
-            <a:pPr marL="285750" indent="-285750" algn="l">
-              <a:buFont typeface="Arial" panose="020B0604020202020204" pitchFamily="34" charset="0"/>
-              <a:buChar char="•"/>
-            </a:pPr>
-            <a:r>
-              <a:rPr lang="en-US" sz="1600" dirty="0"/>
-              <a:t>Number of reviews</a:t>
-            </a:r>
-          </a:p>
-          <a:p>
-            <a:pPr marL="285750" indent="-285750" algn="l">
-              <a:buFont typeface="Arial" panose="020B0604020202020204" pitchFamily="34" charset="0"/>
-              <a:buChar char="•"/>
-            </a:pPr>
-            <a:r>
-              <a:rPr lang="en-US" sz="1600" dirty="0"/>
-              <a:t>Keywords from reviews</a:t>
-            </a:r>
-          </a:p>
-          <a:p>
-            <a:pPr marL="285750" indent="-285750" algn="l">
-              <a:buFont typeface="Arial" panose="020B0604020202020204" pitchFamily="34" charset="0"/>
-              <a:buChar char="•"/>
-            </a:pPr>
+              <a:t>RMSE </a:t>
+            </a:r>
+            <a:r>
+              <a:rPr lang="en-US" sz="1600" b="1" dirty="0" smtClean="0"/>
+              <a:t>Cross Validation Score</a:t>
+            </a:r>
+            <a:r>
+              <a:rPr lang="en-US" sz="1600" b="1" dirty="0" smtClean="0"/>
+              <a:t>: </a:t>
+            </a:r>
             <a:r>
               <a:rPr lang="en-US" sz="1600" dirty="0" smtClean="0"/>
-              <a:t>Ratings</a:t>
-            </a:r>
-            <a:endParaRPr lang="en-US" sz="1600" dirty="0"/>
-          </a:p>
-        </p:txBody>
-      </p:sp>
-      <p:sp>
-        <p:nvSpPr>
-          <p:cNvPr id="58" name="TextBox 57"/>
-          <p:cNvSpPr txBox="1"/>
-          <p:nvPr/>
-        </p:nvSpPr>
-        <p:spPr>
-          <a:xfrm>
-            <a:off x="1357239" y="4105404"/>
-            <a:ext cx="7471528" cy="1077218"/>
-          </a:xfrm>
-          <a:prstGeom prst="rect">
-            <a:avLst/>
-          </a:prstGeom>
-          <a:noFill/>
-        </p:spPr>
-        <p:txBody>
-          <a:bodyPr wrap="square" rtlCol="0">
-            <a:spAutoFit/>
-          </a:bodyPr>
-          <a:lstStyle>
-            <a:defPPr>
-              <a:defRPr lang="en-US"/>
-            </a:defPPr>
-            <a:lvl1pPr>
-              <a:defRPr sz="1800">
-                <a:latin typeface="+mj-lt"/>
-              </a:defRPr>
-            </a:lvl1pPr>
-          </a:lstStyle>
-          <a:p>
-            <a:pPr algn="l"/>
-            <a:r>
-              <a:rPr lang="en-US" sz="1600" b="1" dirty="0" smtClean="0"/>
-              <a:t>Response:</a:t>
-            </a:r>
-          </a:p>
-          <a:p>
-            <a:pPr marL="285750" indent="-285750" algn="l">
-              <a:buFont typeface="Arial" panose="020B0604020202020204" pitchFamily="34" charset="0"/>
-              <a:buChar char="•"/>
-            </a:pPr>
-            <a:r>
-              <a:rPr lang="en-US" sz="1600" dirty="0"/>
-              <a:t>Health Violations (violation indicator or # of violations)</a:t>
-            </a:r>
-          </a:p>
-          <a:p>
-            <a:pPr marL="285750" indent="-285750" algn="l">
-              <a:buFont typeface="Arial" panose="020B0604020202020204" pitchFamily="34" charset="0"/>
-              <a:buChar char="•"/>
-            </a:pPr>
-            <a:endParaRPr lang="en-US" sz="1600" dirty="0"/>
-          </a:p>
-          <a:p>
-            <a:pPr algn="l"/>
-            <a:endParaRPr lang="en-US" sz="1600" dirty="0"/>
-          </a:p>
-        </p:txBody>
-      </p:sp>
-      <p:sp>
-        <p:nvSpPr>
-          <p:cNvPr id="59" name="TextBox 58"/>
-          <p:cNvSpPr txBox="1"/>
-          <p:nvPr/>
-        </p:nvSpPr>
-        <p:spPr>
-          <a:xfrm>
-            <a:off x="4139952" y="2859782"/>
-            <a:ext cx="2935024" cy="1077218"/>
-          </a:xfrm>
-          <a:prstGeom prst="rect">
-            <a:avLst/>
-          </a:prstGeom>
-          <a:noFill/>
-        </p:spPr>
-        <p:txBody>
-          <a:bodyPr wrap="square" rtlCol="0">
-            <a:spAutoFit/>
-          </a:bodyPr>
-          <a:lstStyle>
-            <a:defPPr>
-              <a:defRPr lang="en-US"/>
-            </a:defPPr>
-            <a:lvl1pPr>
-              <a:defRPr sz="1800">
-                <a:latin typeface="+mj-lt"/>
-              </a:defRPr>
-            </a:lvl1pPr>
-          </a:lstStyle>
-          <a:p>
-            <a:pPr algn="l"/>
-            <a:endParaRPr lang="en-US" sz="1600" b="1" dirty="0" smtClean="0"/>
-          </a:p>
-          <a:p>
-            <a:pPr marL="285750" indent="-285750" algn="l">
-              <a:buFont typeface="Arial" panose="020B0604020202020204" pitchFamily="34" charset="0"/>
-              <a:buChar char="•"/>
-            </a:pPr>
-            <a:r>
-              <a:rPr lang="en-US" sz="1600" dirty="0" smtClean="0"/>
-              <a:t>Date</a:t>
-            </a:r>
-          </a:p>
-          <a:p>
-            <a:pPr marL="285750" indent="-285750" algn="l">
-              <a:buFont typeface="Arial" panose="020B0604020202020204" pitchFamily="34" charset="0"/>
-              <a:buChar char="•"/>
-            </a:pPr>
-            <a:r>
-              <a:rPr lang="en-US" sz="1600" dirty="0" smtClean="0"/>
-              <a:t>Location</a:t>
-            </a:r>
-          </a:p>
-          <a:p>
-            <a:pPr marL="285750" indent="-285750" algn="l">
-              <a:buFont typeface="Arial" panose="020B0604020202020204" pitchFamily="34" charset="0"/>
-              <a:buChar char="•"/>
-            </a:pPr>
-            <a:r>
-              <a:rPr lang="en-US" sz="1600" dirty="0" smtClean="0"/>
-              <a:t>Review length </a:t>
-            </a:r>
-            <a:endParaRPr lang="en-US" sz="1600" dirty="0"/>
-          </a:p>
-        </p:txBody>
-      </p:sp>
-      <p:pic>
-        <p:nvPicPr>
-          <p:cNvPr id="7168" name="Picture 7167"/>
-          <p:cNvPicPr>
-            <a:picLocks noChangeAspect="1"/>
-          </p:cNvPicPr>
-          <p:nvPr/>
-        </p:nvPicPr>
-        <p:blipFill>
-          <a:blip r:embed="rId7" cstate="print">
-            <a:duotone>
-              <a:schemeClr val="bg2">
-                <a:shade val="45000"/>
-                <a:satMod val="135000"/>
-              </a:schemeClr>
-              <a:prstClr val="white"/>
-            </a:duotone>
-            <a:extLst>
-              <a:ext uri="{28A0092B-C50C-407E-A947-70E740481C1C}">
-                <a14:useLocalDpi xmlns:a14="http://schemas.microsoft.com/office/drawing/2010/main" val="0"/>
-              </a:ext>
-            </a:extLst>
-          </a:blip>
-          <a:stretch>
-            <a:fillRect/>
-          </a:stretch>
-        </p:blipFill>
-        <p:spPr>
-          <a:xfrm flipH="1">
-            <a:off x="424460" y="1154777"/>
-            <a:ext cx="924483" cy="871935"/>
-          </a:xfrm>
-          <a:prstGeom prst="rect">
-            <a:avLst/>
-          </a:prstGeom>
-        </p:spPr>
-      </p:pic>
+              <a:t>2.85</a:t>
+            </a:r>
+            <a:endParaRPr lang="en-US" sz="1600" dirty="0" smtClean="0"/>
+          </a:p>
+        </p:txBody>
+      </p:sp>
     </p:spTree>
     <p:extLst>
       <p:ext uri="{BB962C8B-B14F-4D97-AF65-F5344CB8AC3E}">
-        <p14:creationId xmlns:p14="http://schemas.microsoft.com/office/powerpoint/2010/main" val="3608296922"/>
+        <p14:creationId xmlns:p14="http://schemas.microsoft.com/office/powerpoint/2010/main" val="1054651378"/>
       </p:ext>
     </p:extLst>
   </p:cSld>
@@ -8129,7 +8731,2665 @@
 </p:sld>
 </file>
 
-<file path=ppt/slides/slide11.xml><?xml version="1.0" encoding="utf-8"?>
+<file path=ppt/slides/slide12.xml><?xml version="1.0" encoding="utf-8"?>
+<p:sld xmlns:a="http://schemas.openxmlformats.org/drawingml/2006/main" xmlns:r="http://schemas.openxmlformats.org/officeDocument/2006/relationships" xmlns:p="http://schemas.openxmlformats.org/presentationml/2006/main">
+  <p:cSld>
+    <p:spTree>
+      <p:nvGrpSpPr>
+        <p:cNvPr id="1" name=""/>
+        <p:cNvGrpSpPr/>
+        <p:nvPr/>
+      </p:nvGrpSpPr>
+      <p:grpSpPr>
+        <a:xfrm>
+          <a:off x="0" y="0"/>
+          <a:ext cx="0" cy="0"/>
+          <a:chOff x="0" y="0"/>
+          <a:chExt cx="0" cy="0"/>
+        </a:xfrm>
+      </p:grpSpPr>
+      <p:sp>
+        <p:nvSpPr>
+          <p:cNvPr id="2" name="Title 1"/>
+          <p:cNvSpPr txBox="1">
+            <a:spLocks/>
+          </p:cNvSpPr>
+          <p:nvPr/>
+        </p:nvSpPr>
+        <p:spPr>
+          <a:xfrm>
+            <a:off x="628650" y="-283483"/>
+            <a:ext cx="7886700" cy="1325563"/>
+          </a:xfrm>
+          <a:prstGeom prst="rect">
+            <a:avLst/>
+          </a:prstGeom>
+        </p:spPr>
+        <p:txBody>
+          <a:bodyPr vert="horz" lIns="91440" tIns="45720" rIns="91440" bIns="45720" rtlCol="0" anchor="ctr">
+            <a:normAutofit/>
+          </a:bodyPr>
+          <a:lstStyle>
+            <a:lvl1pPr algn="ctr" defTabSz="914400" rtl="0" eaLnBrk="1" latinLnBrk="0" hangingPunct="1">
+              <a:spcBef>
+                <a:spcPct val="0"/>
+              </a:spcBef>
+              <a:buNone/>
+              <a:defRPr sz="4400" kern="1200">
+                <a:solidFill>
+                  <a:schemeClr val="tx1"/>
+                </a:solidFill>
+                <a:latin typeface="+mj-lt"/>
+                <a:ea typeface="+mj-ea"/>
+                <a:cs typeface="+mj-cs"/>
+              </a:defRPr>
+            </a:lvl1pPr>
+          </a:lstStyle>
+          <a:p>
+            <a:pPr fontAlgn="auto">
+              <a:spcBef>
+                <a:spcPts val="1000"/>
+              </a:spcBef>
+              <a:spcAft>
+                <a:spcPts val="0"/>
+              </a:spcAft>
+              <a:buFont typeface="Arial" panose="020B0604020202020204" pitchFamily="34" charset="0"/>
+              <a:buNone/>
+            </a:pPr>
+            <a:r>
+              <a:rPr lang="en-US" dirty="0" smtClean="0">
+                <a:solidFill>
+                  <a:schemeClr val="accent1">
+                    <a:lumMod val="50000"/>
+                  </a:schemeClr>
+                </a:solidFill>
+                <a:latin typeface="+mn-lt"/>
+                <a:ea typeface="+mn-ea"/>
+                <a:cs typeface="+mn-cs"/>
+              </a:rPr>
+              <a:t>Sentiment Analysis</a:t>
+            </a:r>
+            <a:endParaRPr lang="en-US" dirty="0">
+              <a:solidFill>
+                <a:schemeClr val="accent1">
+                  <a:lumMod val="50000"/>
+                </a:schemeClr>
+              </a:solidFill>
+              <a:latin typeface="+mn-lt"/>
+              <a:ea typeface="+mn-ea"/>
+              <a:cs typeface="+mn-cs"/>
+            </a:endParaRPr>
+          </a:p>
+        </p:txBody>
+      </p:sp>
+      <p:cxnSp>
+        <p:nvCxnSpPr>
+          <p:cNvPr id="4" name="Straight Connector 3"/>
+          <p:cNvCxnSpPr/>
+          <p:nvPr/>
+        </p:nvCxnSpPr>
+        <p:spPr>
+          <a:xfrm>
+            <a:off x="711198" y="875394"/>
+            <a:ext cx="7789334" cy="16934"/>
+          </a:xfrm>
+          <a:prstGeom prst="line">
+            <a:avLst/>
+          </a:prstGeom>
+        </p:spPr>
+        <p:style>
+          <a:lnRef idx="2">
+            <a:schemeClr val="accent1"/>
+          </a:lnRef>
+          <a:fillRef idx="0">
+            <a:schemeClr val="accent1"/>
+          </a:fillRef>
+          <a:effectRef idx="1">
+            <a:schemeClr val="accent1"/>
+          </a:effectRef>
+          <a:fontRef idx="minor">
+            <a:schemeClr val="tx1"/>
+          </a:fontRef>
+        </p:style>
+      </p:cxnSp>
+      <p:pic>
+        <p:nvPicPr>
+          <p:cNvPr id="30" name="Picture 29"/>
+          <p:cNvPicPr>
+            <a:picLocks noChangeAspect="1"/>
+          </p:cNvPicPr>
+          <p:nvPr/>
+        </p:nvPicPr>
+        <p:blipFill>
+          <a:blip r:embed="rId3" cstate="print">
+            <a:extLst>
+              <a:ext uri="{28A0092B-C50C-407E-A947-70E740481C1C}">
+                <a14:useLocalDpi xmlns:a14="http://schemas.microsoft.com/office/drawing/2010/main" val="0"/>
+              </a:ext>
+            </a:extLst>
+          </a:blip>
+          <a:stretch>
+            <a:fillRect/>
+          </a:stretch>
+        </p:blipFill>
+        <p:spPr>
+          <a:xfrm>
+            <a:off x="19510" y="4793988"/>
+            <a:ext cx="1019947" cy="305984"/>
+          </a:xfrm>
+          <a:prstGeom prst="rect">
+            <a:avLst/>
+          </a:prstGeom>
+        </p:spPr>
+      </p:pic>
+      <p:pic>
+        <p:nvPicPr>
+          <p:cNvPr id="16" name="Picture 15"/>
+          <p:cNvPicPr/>
+          <p:nvPr/>
+        </p:nvPicPr>
+        <p:blipFill>
+          <a:blip r:embed="rId4">
+            <a:extLst>
+              <a:ext uri="{28A0092B-C50C-407E-A947-70E740481C1C}">
+                <a14:useLocalDpi xmlns:a14="http://schemas.microsoft.com/office/drawing/2010/main" val="0"/>
+              </a:ext>
+            </a:extLst>
+          </a:blip>
+          <a:srcRect/>
+          <a:stretch>
+            <a:fillRect/>
+          </a:stretch>
+        </p:blipFill>
+        <p:spPr bwMode="auto">
+          <a:xfrm>
+            <a:off x="1403648" y="1374036"/>
+            <a:ext cx="6121393" cy="3717994"/>
+          </a:xfrm>
+          <a:prstGeom prst="rect">
+            <a:avLst/>
+          </a:prstGeom>
+          <a:noFill/>
+          <a:ln>
+            <a:noFill/>
+          </a:ln>
+        </p:spPr>
+      </p:pic>
+      <p:sp>
+        <p:nvSpPr>
+          <p:cNvPr id="3" name="TextBox 2"/>
+          <p:cNvSpPr txBox="1"/>
+          <p:nvPr/>
+        </p:nvSpPr>
+        <p:spPr>
+          <a:xfrm>
+            <a:off x="2915816" y="932116"/>
+            <a:ext cx="3024336" cy="415498"/>
+          </a:xfrm>
+          <a:prstGeom prst="rect">
+            <a:avLst/>
+          </a:prstGeom>
+          <a:noFill/>
+        </p:spPr>
+        <p:txBody>
+          <a:bodyPr wrap="square" rtlCol="0">
+            <a:spAutoFit/>
+          </a:bodyPr>
+          <a:lstStyle/>
+          <a:p>
+            <a:r>
+              <a:rPr lang="en-US" dirty="0" smtClean="0"/>
+              <a:t>Polarity</a:t>
+            </a:r>
+            <a:endParaRPr lang="en-US" dirty="0"/>
+          </a:p>
+        </p:txBody>
+      </p:sp>
+    </p:spTree>
+    <p:extLst>
+      <p:ext uri="{BB962C8B-B14F-4D97-AF65-F5344CB8AC3E}">
+        <p14:creationId xmlns:p14="http://schemas.microsoft.com/office/powerpoint/2010/main" val="996042348"/>
+      </p:ext>
+    </p:extLst>
+  </p:cSld>
+  <p:clrMapOvr>
+    <a:masterClrMapping/>
+  </p:clrMapOvr>
+  <p:timing>
+    <p:tnLst>
+      <p:par>
+        <p:cTn xmlns:p14="http://schemas.microsoft.com/office/powerpoint/2010/main" id="1" dur="indefinite" restart="never" nodeType="tmRoot"/>
+      </p:par>
+    </p:tnLst>
+  </p:timing>
+</p:sld>
+</file>
+
+<file path=ppt/slides/slide13.xml><?xml version="1.0" encoding="utf-8"?>
+<p:sld xmlns:a="http://schemas.openxmlformats.org/drawingml/2006/main" xmlns:r="http://schemas.openxmlformats.org/officeDocument/2006/relationships" xmlns:p="http://schemas.openxmlformats.org/presentationml/2006/main">
+  <p:cSld>
+    <p:spTree>
+      <p:nvGrpSpPr>
+        <p:cNvPr id="1" name=""/>
+        <p:cNvGrpSpPr/>
+        <p:nvPr/>
+      </p:nvGrpSpPr>
+      <p:grpSpPr>
+        <a:xfrm>
+          <a:off x="0" y="0"/>
+          <a:ext cx="0" cy="0"/>
+          <a:chOff x="0" y="0"/>
+          <a:chExt cx="0" cy="0"/>
+        </a:xfrm>
+      </p:grpSpPr>
+      <p:sp>
+        <p:nvSpPr>
+          <p:cNvPr id="2" name="Title 1"/>
+          <p:cNvSpPr txBox="1">
+            <a:spLocks/>
+          </p:cNvSpPr>
+          <p:nvPr/>
+        </p:nvSpPr>
+        <p:spPr>
+          <a:xfrm>
+            <a:off x="628650" y="-308570"/>
+            <a:ext cx="7886700" cy="1325563"/>
+          </a:xfrm>
+          <a:prstGeom prst="rect">
+            <a:avLst/>
+          </a:prstGeom>
+        </p:spPr>
+        <p:txBody>
+          <a:bodyPr vert="horz" lIns="91440" tIns="45720" rIns="91440" bIns="45720" rtlCol="0" anchor="ctr">
+            <a:normAutofit/>
+          </a:bodyPr>
+          <a:lstStyle>
+            <a:lvl1pPr algn="ctr" defTabSz="914400" rtl="0" eaLnBrk="1" latinLnBrk="0" hangingPunct="1">
+              <a:spcBef>
+                <a:spcPct val="0"/>
+              </a:spcBef>
+              <a:buNone/>
+              <a:defRPr sz="4400" kern="1200">
+                <a:solidFill>
+                  <a:schemeClr val="tx1"/>
+                </a:solidFill>
+                <a:latin typeface="+mj-lt"/>
+                <a:ea typeface="+mj-ea"/>
+                <a:cs typeface="+mj-cs"/>
+              </a:defRPr>
+            </a:lvl1pPr>
+          </a:lstStyle>
+          <a:p>
+            <a:pPr fontAlgn="auto">
+              <a:spcBef>
+                <a:spcPts val="1000"/>
+              </a:spcBef>
+              <a:spcAft>
+                <a:spcPts val="0"/>
+              </a:spcAft>
+              <a:buFont typeface="Arial" panose="020B0604020202020204" pitchFamily="34" charset="0"/>
+              <a:buNone/>
+            </a:pPr>
+            <a:r>
+              <a:rPr lang="en-US" dirty="0" smtClean="0">
+                <a:solidFill>
+                  <a:schemeClr val="accent1">
+                    <a:lumMod val="50000"/>
+                  </a:schemeClr>
+                </a:solidFill>
+                <a:latin typeface="+mn-lt"/>
+                <a:ea typeface="+mn-ea"/>
+                <a:cs typeface="+mn-cs"/>
+              </a:rPr>
+              <a:t>Model (with Sentiment)</a:t>
+            </a:r>
+            <a:endParaRPr lang="en-US" dirty="0">
+              <a:solidFill>
+                <a:schemeClr val="accent1">
+                  <a:lumMod val="50000"/>
+                </a:schemeClr>
+              </a:solidFill>
+              <a:latin typeface="+mn-lt"/>
+              <a:ea typeface="+mn-ea"/>
+              <a:cs typeface="+mn-cs"/>
+            </a:endParaRPr>
+          </a:p>
+        </p:txBody>
+      </p:sp>
+      <p:cxnSp>
+        <p:nvCxnSpPr>
+          <p:cNvPr id="4" name="Straight Connector 3"/>
+          <p:cNvCxnSpPr/>
+          <p:nvPr/>
+        </p:nvCxnSpPr>
+        <p:spPr>
+          <a:xfrm>
+            <a:off x="711198" y="771550"/>
+            <a:ext cx="7789334" cy="16934"/>
+          </a:xfrm>
+          <a:prstGeom prst="line">
+            <a:avLst/>
+          </a:prstGeom>
+        </p:spPr>
+        <p:style>
+          <a:lnRef idx="2">
+            <a:schemeClr val="accent1"/>
+          </a:lnRef>
+          <a:fillRef idx="0">
+            <a:schemeClr val="accent1"/>
+          </a:fillRef>
+          <a:effectRef idx="1">
+            <a:schemeClr val="accent1"/>
+          </a:effectRef>
+          <a:fontRef idx="minor">
+            <a:schemeClr val="tx1"/>
+          </a:fontRef>
+        </p:style>
+      </p:cxnSp>
+      <p:sp>
+        <p:nvSpPr>
+          <p:cNvPr id="56" name="TextBox 55"/>
+          <p:cNvSpPr txBox="1"/>
+          <p:nvPr/>
+        </p:nvSpPr>
+        <p:spPr>
+          <a:xfrm>
+            <a:off x="711198" y="1132462"/>
+            <a:ext cx="7471528" cy="338554"/>
+          </a:xfrm>
+          <a:prstGeom prst="rect">
+            <a:avLst/>
+          </a:prstGeom>
+          <a:noFill/>
+        </p:spPr>
+        <p:txBody>
+          <a:bodyPr wrap="square" rtlCol="0">
+            <a:spAutoFit/>
+          </a:bodyPr>
+          <a:lstStyle>
+            <a:defPPr>
+              <a:defRPr lang="en-US"/>
+            </a:defPPr>
+            <a:lvl1pPr>
+              <a:defRPr sz="1800">
+                <a:latin typeface="+mj-lt"/>
+              </a:defRPr>
+            </a:lvl1pPr>
+          </a:lstStyle>
+          <a:p>
+            <a:pPr algn="l"/>
+            <a:r>
+              <a:rPr lang="en-US" sz="1600" b="1" dirty="0" smtClean="0"/>
+              <a:t>Model: </a:t>
+            </a:r>
+            <a:r>
+              <a:rPr lang="en-US" sz="1600" dirty="0" smtClean="0"/>
+              <a:t>Linear Regression</a:t>
+            </a:r>
+            <a:endParaRPr lang="en-US" sz="1600" dirty="0"/>
+          </a:p>
+        </p:txBody>
+      </p:sp>
+      <p:sp>
+        <p:nvSpPr>
+          <p:cNvPr id="57" name="TextBox 56"/>
+          <p:cNvSpPr txBox="1"/>
+          <p:nvPr/>
+        </p:nvSpPr>
+        <p:spPr>
+          <a:xfrm>
+            <a:off x="711198" y="1608351"/>
+            <a:ext cx="2935024" cy="1323439"/>
+          </a:xfrm>
+          <a:prstGeom prst="rect">
+            <a:avLst/>
+          </a:prstGeom>
+          <a:noFill/>
+        </p:spPr>
+        <p:txBody>
+          <a:bodyPr wrap="square" rtlCol="0">
+            <a:spAutoFit/>
+          </a:bodyPr>
+          <a:lstStyle>
+            <a:defPPr>
+              <a:defRPr lang="en-US"/>
+            </a:defPPr>
+            <a:lvl1pPr>
+              <a:defRPr sz="1800">
+                <a:latin typeface="+mj-lt"/>
+              </a:defRPr>
+            </a:lvl1pPr>
+          </a:lstStyle>
+          <a:p>
+            <a:pPr algn="l"/>
+            <a:r>
+              <a:rPr lang="en-US" sz="1600" b="1" dirty="0" smtClean="0"/>
+              <a:t>Model Features</a:t>
+            </a:r>
+            <a:r>
+              <a:rPr lang="en-US" sz="1600" b="1" dirty="0" smtClean="0"/>
+              <a:t>:</a:t>
+            </a:r>
+          </a:p>
+          <a:p>
+            <a:pPr algn="l"/>
+            <a:endParaRPr lang="en-US" sz="1600" b="1" dirty="0" smtClean="0"/>
+          </a:p>
+          <a:p>
+            <a:pPr marL="285750" indent="-285750" algn="l">
+              <a:buFont typeface="Arial" panose="020B0604020202020204" pitchFamily="34" charset="0"/>
+              <a:buChar char="•"/>
+            </a:pPr>
+            <a:r>
+              <a:rPr lang="en-US" sz="1600" dirty="0"/>
+              <a:t>Number of reviews</a:t>
+            </a:r>
+          </a:p>
+          <a:p>
+            <a:pPr marL="285750" indent="-285750" algn="l">
+              <a:buFont typeface="Arial" panose="020B0604020202020204" pitchFamily="34" charset="0"/>
+              <a:buChar char="•"/>
+            </a:pPr>
+            <a:r>
+              <a:rPr lang="en-US" sz="1600" dirty="0" smtClean="0"/>
+              <a:t>Text length</a:t>
+            </a:r>
+            <a:endParaRPr lang="en-US" sz="1600" dirty="0"/>
+          </a:p>
+          <a:p>
+            <a:pPr marL="285750" indent="-285750" algn="l">
+              <a:buFont typeface="Arial" panose="020B0604020202020204" pitchFamily="34" charset="0"/>
+              <a:buChar char="•"/>
+            </a:pPr>
+            <a:r>
+              <a:rPr lang="en-US" sz="1600" dirty="0" smtClean="0"/>
+              <a:t>Ratings</a:t>
+            </a:r>
+          </a:p>
+        </p:txBody>
+      </p:sp>
+      <p:sp>
+        <p:nvSpPr>
+          <p:cNvPr id="58" name="TextBox 57"/>
+          <p:cNvSpPr txBox="1"/>
+          <p:nvPr/>
+        </p:nvSpPr>
+        <p:spPr>
+          <a:xfrm>
+            <a:off x="634457" y="3283119"/>
+            <a:ext cx="7471528" cy="584775"/>
+          </a:xfrm>
+          <a:prstGeom prst="rect">
+            <a:avLst/>
+          </a:prstGeom>
+          <a:noFill/>
+        </p:spPr>
+        <p:txBody>
+          <a:bodyPr wrap="square" rtlCol="0">
+            <a:spAutoFit/>
+          </a:bodyPr>
+          <a:lstStyle>
+            <a:defPPr>
+              <a:defRPr lang="en-US"/>
+            </a:defPPr>
+            <a:lvl1pPr>
+              <a:defRPr sz="1800">
+                <a:latin typeface="+mj-lt"/>
+              </a:defRPr>
+            </a:lvl1pPr>
+          </a:lstStyle>
+          <a:p>
+            <a:pPr algn="l"/>
+            <a:r>
+              <a:rPr lang="en-US" sz="1600" b="1" dirty="0" smtClean="0"/>
+              <a:t>Evaluation Metric:</a:t>
+            </a:r>
+          </a:p>
+          <a:p>
+            <a:pPr marL="285750" indent="-285750" algn="l">
+              <a:buFont typeface="Arial" panose="020B0604020202020204" pitchFamily="34" charset="0"/>
+              <a:buChar char="•"/>
+            </a:pPr>
+            <a:r>
+              <a:rPr lang="en-US" sz="1600" dirty="0" smtClean="0"/>
+              <a:t>Root Mean Squared Error (RMSE)</a:t>
+            </a:r>
+            <a:endParaRPr lang="en-US" sz="1600" dirty="0"/>
+          </a:p>
+        </p:txBody>
+      </p:sp>
+      <p:sp>
+        <p:nvSpPr>
+          <p:cNvPr id="14" name="TextBox 13"/>
+          <p:cNvSpPr txBox="1"/>
+          <p:nvPr/>
+        </p:nvSpPr>
+        <p:spPr>
+          <a:xfrm>
+            <a:off x="628650" y="4105404"/>
+            <a:ext cx="7471528" cy="338554"/>
+          </a:xfrm>
+          <a:prstGeom prst="rect">
+            <a:avLst/>
+          </a:prstGeom>
+          <a:noFill/>
+        </p:spPr>
+        <p:txBody>
+          <a:bodyPr wrap="square" rtlCol="0">
+            <a:spAutoFit/>
+          </a:bodyPr>
+          <a:lstStyle>
+            <a:defPPr>
+              <a:defRPr lang="en-US"/>
+            </a:defPPr>
+            <a:lvl1pPr>
+              <a:defRPr sz="1800">
+                <a:latin typeface="+mj-lt"/>
+              </a:defRPr>
+            </a:lvl1pPr>
+          </a:lstStyle>
+          <a:p>
+            <a:pPr algn="l"/>
+            <a:r>
+              <a:rPr lang="en-US" sz="1600" b="1" dirty="0" smtClean="0"/>
+              <a:t>RMSE </a:t>
+            </a:r>
+            <a:r>
+              <a:rPr lang="en-US" sz="1600" b="1" dirty="0" smtClean="0"/>
+              <a:t>Cross Validation Score</a:t>
+            </a:r>
+            <a:r>
+              <a:rPr lang="en-US" sz="1600" b="1" dirty="0" smtClean="0"/>
+              <a:t>: </a:t>
+            </a:r>
+            <a:r>
+              <a:rPr lang="en-US" sz="1600" dirty="0" smtClean="0"/>
+              <a:t>2.82  </a:t>
+            </a:r>
+            <a:r>
+              <a:rPr lang="en-US" sz="1600" dirty="0" smtClean="0">
+                <a:solidFill>
+                  <a:srgbClr val="92D050"/>
+                </a:solidFill>
+              </a:rPr>
+              <a:t>(-.05)</a:t>
+            </a:r>
+            <a:endParaRPr lang="en-US" sz="1600" dirty="0" smtClean="0"/>
+          </a:p>
+        </p:txBody>
+      </p:sp>
+      <p:sp>
+        <p:nvSpPr>
+          <p:cNvPr id="8" name="TextBox 7"/>
+          <p:cNvSpPr txBox="1"/>
+          <p:nvPr/>
+        </p:nvSpPr>
+        <p:spPr>
+          <a:xfrm>
+            <a:off x="3635896" y="1851670"/>
+            <a:ext cx="2935024" cy="830997"/>
+          </a:xfrm>
+          <a:prstGeom prst="rect">
+            <a:avLst/>
+          </a:prstGeom>
+          <a:noFill/>
+        </p:spPr>
+        <p:txBody>
+          <a:bodyPr wrap="square" rtlCol="0">
+            <a:spAutoFit/>
+          </a:bodyPr>
+          <a:lstStyle>
+            <a:defPPr>
+              <a:defRPr lang="en-US"/>
+            </a:defPPr>
+            <a:lvl1pPr>
+              <a:defRPr sz="1800">
+                <a:latin typeface="+mj-lt"/>
+              </a:defRPr>
+            </a:lvl1pPr>
+          </a:lstStyle>
+          <a:p>
+            <a:pPr algn="l"/>
+            <a:endParaRPr lang="en-US" sz="1600" b="1" dirty="0" smtClean="0"/>
+          </a:p>
+          <a:p>
+            <a:pPr marL="285750" indent="-285750" algn="l">
+              <a:buFont typeface="Arial" panose="020B0604020202020204" pitchFamily="34" charset="0"/>
+              <a:buChar char="•"/>
+            </a:pPr>
+            <a:r>
+              <a:rPr lang="en-US" sz="1600" dirty="0"/>
+              <a:t>Sentiment Polarity</a:t>
+            </a:r>
+          </a:p>
+          <a:p>
+            <a:pPr algn="l"/>
+            <a:endParaRPr lang="en-US" sz="1600" dirty="0"/>
+          </a:p>
+        </p:txBody>
+      </p:sp>
+    </p:spTree>
+    <p:extLst>
+      <p:ext uri="{BB962C8B-B14F-4D97-AF65-F5344CB8AC3E}">
+        <p14:creationId xmlns:p14="http://schemas.microsoft.com/office/powerpoint/2010/main" val="264736413"/>
+      </p:ext>
+    </p:extLst>
+  </p:cSld>
+  <p:clrMapOvr>
+    <a:masterClrMapping/>
+  </p:clrMapOvr>
+  <p:timing>
+    <p:tnLst>
+      <p:par>
+        <p:cTn xmlns:p14="http://schemas.microsoft.com/office/powerpoint/2010/main" id="1" dur="indefinite" restart="never" nodeType="tmRoot"/>
+      </p:par>
+    </p:tnLst>
+  </p:timing>
+</p:sld>
+</file>
+
+<file path=ppt/slides/slide14.xml><?xml version="1.0" encoding="utf-8"?>
+<p:sld xmlns:a="http://schemas.openxmlformats.org/drawingml/2006/main" xmlns:r="http://schemas.openxmlformats.org/officeDocument/2006/relationships" xmlns:p="http://schemas.openxmlformats.org/presentationml/2006/main">
+  <p:cSld>
+    <p:spTree>
+      <p:nvGrpSpPr>
+        <p:cNvPr id="1" name=""/>
+        <p:cNvGrpSpPr/>
+        <p:nvPr/>
+      </p:nvGrpSpPr>
+      <p:grpSpPr>
+        <a:xfrm>
+          <a:off x="0" y="0"/>
+          <a:ext cx="0" cy="0"/>
+          <a:chOff x="0" y="0"/>
+          <a:chExt cx="0" cy="0"/>
+        </a:xfrm>
+      </p:grpSpPr>
+      <p:sp>
+        <p:nvSpPr>
+          <p:cNvPr id="2" name="Title 1"/>
+          <p:cNvSpPr txBox="1">
+            <a:spLocks/>
+          </p:cNvSpPr>
+          <p:nvPr/>
+        </p:nvSpPr>
+        <p:spPr>
+          <a:xfrm>
+            <a:off x="628650" y="-308570"/>
+            <a:ext cx="7886700" cy="1325563"/>
+          </a:xfrm>
+          <a:prstGeom prst="rect">
+            <a:avLst/>
+          </a:prstGeom>
+        </p:spPr>
+        <p:txBody>
+          <a:bodyPr vert="horz" lIns="91440" tIns="45720" rIns="91440" bIns="45720" rtlCol="0" anchor="ctr">
+            <a:normAutofit/>
+          </a:bodyPr>
+          <a:lstStyle>
+            <a:lvl1pPr algn="ctr" defTabSz="914400" rtl="0" eaLnBrk="1" latinLnBrk="0" hangingPunct="1">
+              <a:spcBef>
+                <a:spcPct val="0"/>
+              </a:spcBef>
+              <a:buNone/>
+              <a:defRPr sz="4400" kern="1200">
+                <a:solidFill>
+                  <a:schemeClr val="tx1"/>
+                </a:solidFill>
+                <a:latin typeface="+mj-lt"/>
+                <a:ea typeface="+mj-ea"/>
+                <a:cs typeface="+mj-cs"/>
+              </a:defRPr>
+            </a:lvl1pPr>
+          </a:lstStyle>
+          <a:p>
+            <a:pPr fontAlgn="auto">
+              <a:spcBef>
+                <a:spcPts val="1000"/>
+              </a:spcBef>
+              <a:spcAft>
+                <a:spcPts val="0"/>
+              </a:spcAft>
+              <a:buFont typeface="Arial" panose="020B0604020202020204" pitchFamily="34" charset="0"/>
+              <a:buNone/>
+            </a:pPr>
+            <a:r>
+              <a:rPr lang="en-US" dirty="0" smtClean="0">
+                <a:solidFill>
+                  <a:schemeClr val="accent1">
+                    <a:lumMod val="50000"/>
+                  </a:schemeClr>
+                </a:solidFill>
+                <a:latin typeface="+mn-lt"/>
+                <a:ea typeface="+mn-ea"/>
+                <a:cs typeface="+mn-cs"/>
+              </a:rPr>
+              <a:t>Model (with Sentiment)</a:t>
+            </a:r>
+            <a:endParaRPr lang="en-US" dirty="0">
+              <a:solidFill>
+                <a:schemeClr val="accent1">
+                  <a:lumMod val="50000"/>
+                </a:schemeClr>
+              </a:solidFill>
+              <a:latin typeface="+mn-lt"/>
+              <a:ea typeface="+mn-ea"/>
+              <a:cs typeface="+mn-cs"/>
+            </a:endParaRPr>
+          </a:p>
+        </p:txBody>
+      </p:sp>
+      <p:cxnSp>
+        <p:nvCxnSpPr>
+          <p:cNvPr id="4" name="Straight Connector 3"/>
+          <p:cNvCxnSpPr/>
+          <p:nvPr/>
+        </p:nvCxnSpPr>
+        <p:spPr>
+          <a:xfrm>
+            <a:off x="711198" y="771550"/>
+            <a:ext cx="7789334" cy="16934"/>
+          </a:xfrm>
+          <a:prstGeom prst="line">
+            <a:avLst/>
+          </a:prstGeom>
+        </p:spPr>
+        <p:style>
+          <a:lnRef idx="2">
+            <a:schemeClr val="accent1"/>
+          </a:lnRef>
+          <a:fillRef idx="0">
+            <a:schemeClr val="accent1"/>
+          </a:fillRef>
+          <a:effectRef idx="1">
+            <a:schemeClr val="accent1"/>
+          </a:effectRef>
+          <a:fontRef idx="minor">
+            <a:schemeClr val="tx1"/>
+          </a:fontRef>
+        </p:style>
+      </p:cxnSp>
+      <p:sp>
+        <p:nvSpPr>
+          <p:cNvPr id="56" name="TextBox 55"/>
+          <p:cNvSpPr txBox="1"/>
+          <p:nvPr/>
+        </p:nvSpPr>
+        <p:spPr>
+          <a:xfrm>
+            <a:off x="711198" y="1132462"/>
+            <a:ext cx="7471528" cy="338554"/>
+          </a:xfrm>
+          <a:prstGeom prst="rect">
+            <a:avLst/>
+          </a:prstGeom>
+          <a:noFill/>
+        </p:spPr>
+        <p:txBody>
+          <a:bodyPr wrap="square" rtlCol="0">
+            <a:spAutoFit/>
+          </a:bodyPr>
+          <a:lstStyle>
+            <a:defPPr>
+              <a:defRPr lang="en-US"/>
+            </a:defPPr>
+            <a:lvl1pPr>
+              <a:defRPr sz="1800">
+                <a:latin typeface="+mj-lt"/>
+              </a:defRPr>
+            </a:lvl1pPr>
+          </a:lstStyle>
+          <a:p>
+            <a:pPr algn="l"/>
+            <a:r>
+              <a:rPr lang="en-US" sz="1600" b="1" dirty="0" smtClean="0"/>
+              <a:t>Model: </a:t>
+            </a:r>
+            <a:r>
+              <a:rPr lang="en-US" sz="1600" dirty="0" smtClean="0"/>
+              <a:t>Random Forests (</a:t>
+            </a:r>
+            <a:r>
+              <a:rPr lang="en-US" sz="1600" dirty="0" err="1" smtClean="0"/>
+              <a:t>n_estimators</a:t>
+            </a:r>
+            <a:r>
+              <a:rPr lang="en-US" sz="1600" dirty="0"/>
+              <a:t> </a:t>
+            </a:r>
+            <a:r>
+              <a:rPr lang="en-US" sz="1600" dirty="0" smtClean="0"/>
+              <a:t>= 40, </a:t>
+            </a:r>
+            <a:r>
+              <a:rPr lang="en-US" sz="1600" dirty="0" err="1" smtClean="0"/>
+              <a:t>max_features</a:t>
+            </a:r>
+            <a:r>
+              <a:rPr lang="en-US" sz="1600" dirty="0" smtClean="0"/>
+              <a:t> = 1500) </a:t>
+            </a:r>
+            <a:endParaRPr lang="en-US" sz="1600" dirty="0"/>
+          </a:p>
+        </p:txBody>
+      </p:sp>
+      <p:sp>
+        <p:nvSpPr>
+          <p:cNvPr id="57" name="TextBox 56"/>
+          <p:cNvSpPr txBox="1"/>
+          <p:nvPr/>
+        </p:nvSpPr>
+        <p:spPr>
+          <a:xfrm>
+            <a:off x="711198" y="1608351"/>
+            <a:ext cx="2935024" cy="1323439"/>
+          </a:xfrm>
+          <a:prstGeom prst="rect">
+            <a:avLst/>
+          </a:prstGeom>
+          <a:noFill/>
+        </p:spPr>
+        <p:txBody>
+          <a:bodyPr wrap="square" rtlCol="0">
+            <a:spAutoFit/>
+          </a:bodyPr>
+          <a:lstStyle>
+            <a:defPPr>
+              <a:defRPr lang="en-US"/>
+            </a:defPPr>
+            <a:lvl1pPr>
+              <a:defRPr sz="1800">
+                <a:latin typeface="+mj-lt"/>
+              </a:defRPr>
+            </a:lvl1pPr>
+          </a:lstStyle>
+          <a:p>
+            <a:pPr algn="l"/>
+            <a:r>
+              <a:rPr lang="en-US" sz="1600" b="1" dirty="0" smtClean="0"/>
+              <a:t>Model Features</a:t>
+            </a:r>
+            <a:r>
+              <a:rPr lang="en-US" sz="1600" b="1" dirty="0" smtClean="0"/>
+              <a:t>:</a:t>
+            </a:r>
+          </a:p>
+          <a:p>
+            <a:pPr algn="l"/>
+            <a:endParaRPr lang="en-US" sz="1600" b="1" dirty="0" smtClean="0"/>
+          </a:p>
+          <a:p>
+            <a:pPr marL="285750" indent="-285750" algn="l">
+              <a:buFont typeface="Arial" panose="020B0604020202020204" pitchFamily="34" charset="0"/>
+              <a:buChar char="•"/>
+            </a:pPr>
+            <a:r>
+              <a:rPr lang="en-US" sz="1600" dirty="0"/>
+              <a:t>Number of reviews</a:t>
+            </a:r>
+          </a:p>
+          <a:p>
+            <a:pPr marL="285750" indent="-285750" algn="l">
+              <a:buFont typeface="Arial" panose="020B0604020202020204" pitchFamily="34" charset="0"/>
+              <a:buChar char="•"/>
+            </a:pPr>
+            <a:r>
+              <a:rPr lang="en-US" sz="1600" dirty="0" smtClean="0"/>
+              <a:t>Text length</a:t>
+            </a:r>
+            <a:endParaRPr lang="en-US" sz="1600" dirty="0"/>
+          </a:p>
+          <a:p>
+            <a:pPr marL="285750" indent="-285750" algn="l">
+              <a:buFont typeface="Arial" panose="020B0604020202020204" pitchFamily="34" charset="0"/>
+              <a:buChar char="•"/>
+            </a:pPr>
+            <a:r>
+              <a:rPr lang="en-US" sz="1600" dirty="0" smtClean="0"/>
+              <a:t>Ratings</a:t>
+            </a:r>
+          </a:p>
+        </p:txBody>
+      </p:sp>
+      <p:sp>
+        <p:nvSpPr>
+          <p:cNvPr id="58" name="TextBox 57"/>
+          <p:cNvSpPr txBox="1"/>
+          <p:nvPr/>
+        </p:nvSpPr>
+        <p:spPr>
+          <a:xfrm>
+            <a:off x="634457" y="3283119"/>
+            <a:ext cx="7471528" cy="584775"/>
+          </a:xfrm>
+          <a:prstGeom prst="rect">
+            <a:avLst/>
+          </a:prstGeom>
+          <a:noFill/>
+        </p:spPr>
+        <p:txBody>
+          <a:bodyPr wrap="square" rtlCol="0">
+            <a:spAutoFit/>
+          </a:bodyPr>
+          <a:lstStyle>
+            <a:defPPr>
+              <a:defRPr lang="en-US"/>
+            </a:defPPr>
+            <a:lvl1pPr>
+              <a:defRPr sz="1800">
+                <a:latin typeface="+mj-lt"/>
+              </a:defRPr>
+            </a:lvl1pPr>
+          </a:lstStyle>
+          <a:p>
+            <a:pPr algn="l"/>
+            <a:r>
+              <a:rPr lang="en-US" sz="1600" b="1" dirty="0" smtClean="0"/>
+              <a:t>Evaluation Metric:</a:t>
+            </a:r>
+          </a:p>
+          <a:p>
+            <a:pPr marL="285750" indent="-285750" algn="l">
+              <a:buFont typeface="Arial" panose="020B0604020202020204" pitchFamily="34" charset="0"/>
+              <a:buChar char="•"/>
+            </a:pPr>
+            <a:r>
+              <a:rPr lang="en-US" sz="1600" dirty="0" smtClean="0"/>
+              <a:t>Root Mean Squared Error (RMSE)</a:t>
+            </a:r>
+            <a:endParaRPr lang="en-US" sz="1600" dirty="0"/>
+          </a:p>
+        </p:txBody>
+      </p:sp>
+      <p:sp>
+        <p:nvSpPr>
+          <p:cNvPr id="14" name="TextBox 13"/>
+          <p:cNvSpPr txBox="1"/>
+          <p:nvPr/>
+        </p:nvSpPr>
+        <p:spPr>
+          <a:xfrm>
+            <a:off x="628650" y="4105404"/>
+            <a:ext cx="7471528" cy="338554"/>
+          </a:xfrm>
+          <a:prstGeom prst="rect">
+            <a:avLst/>
+          </a:prstGeom>
+          <a:noFill/>
+        </p:spPr>
+        <p:txBody>
+          <a:bodyPr wrap="square" rtlCol="0">
+            <a:spAutoFit/>
+          </a:bodyPr>
+          <a:lstStyle>
+            <a:defPPr>
+              <a:defRPr lang="en-US"/>
+            </a:defPPr>
+            <a:lvl1pPr>
+              <a:defRPr sz="1800">
+                <a:latin typeface="+mj-lt"/>
+              </a:defRPr>
+            </a:lvl1pPr>
+          </a:lstStyle>
+          <a:p>
+            <a:pPr algn="l"/>
+            <a:r>
+              <a:rPr lang="en-US" sz="1600" b="1" dirty="0" smtClean="0"/>
+              <a:t>RMSE </a:t>
+            </a:r>
+            <a:r>
+              <a:rPr lang="en-US" sz="1600" b="1" dirty="0" smtClean="0"/>
+              <a:t>Cross Validation Score</a:t>
+            </a:r>
+            <a:r>
+              <a:rPr lang="en-US" sz="1600" b="1" dirty="0" smtClean="0"/>
+              <a:t>: </a:t>
+            </a:r>
+            <a:r>
+              <a:rPr lang="en-US" sz="1600" dirty="0" smtClean="0"/>
+              <a:t>2.61  </a:t>
+            </a:r>
+            <a:r>
+              <a:rPr lang="en-US" sz="1600" dirty="0" smtClean="0">
+                <a:solidFill>
+                  <a:srgbClr val="92D050"/>
+                </a:solidFill>
+              </a:rPr>
+              <a:t>(-.24)</a:t>
+            </a:r>
+            <a:endParaRPr lang="en-US" sz="1600" dirty="0" smtClean="0"/>
+          </a:p>
+        </p:txBody>
+      </p:sp>
+      <p:sp>
+        <p:nvSpPr>
+          <p:cNvPr id="8" name="TextBox 7"/>
+          <p:cNvSpPr txBox="1"/>
+          <p:nvPr/>
+        </p:nvSpPr>
+        <p:spPr>
+          <a:xfrm>
+            <a:off x="3635896" y="1851670"/>
+            <a:ext cx="4392488" cy="1123384"/>
+          </a:xfrm>
+          <a:prstGeom prst="rect">
+            <a:avLst/>
+          </a:prstGeom>
+          <a:noFill/>
+        </p:spPr>
+        <p:txBody>
+          <a:bodyPr wrap="square" rtlCol="0">
+            <a:spAutoFit/>
+          </a:bodyPr>
+          <a:lstStyle>
+            <a:defPPr>
+              <a:defRPr lang="en-US"/>
+            </a:defPPr>
+            <a:lvl1pPr>
+              <a:defRPr sz="1800">
+                <a:latin typeface="+mj-lt"/>
+              </a:defRPr>
+            </a:lvl1pPr>
+          </a:lstStyle>
+          <a:p>
+            <a:pPr algn="l"/>
+            <a:endParaRPr lang="en-US" sz="1600" b="1" dirty="0" smtClean="0"/>
+          </a:p>
+          <a:p>
+            <a:pPr marL="285750" indent="-285750" algn="l">
+              <a:buFont typeface="Arial" panose="020B0604020202020204" pitchFamily="34" charset="0"/>
+              <a:buChar char="•"/>
+            </a:pPr>
+            <a:r>
+              <a:rPr lang="en-US" sz="1600" dirty="0" smtClean="0"/>
+              <a:t>Sentiment Polarity</a:t>
+            </a:r>
+            <a:endParaRPr lang="en-US" sz="1400" dirty="0" smtClean="0"/>
+          </a:p>
+          <a:p>
+            <a:pPr marL="628650" lvl="2" indent="-285750" algn="l">
+              <a:buFont typeface="Arial" panose="020B0604020202020204" pitchFamily="34" charset="0"/>
+              <a:buChar char="•"/>
+            </a:pPr>
+            <a:endParaRPr lang="en-US" sz="1900" dirty="0"/>
+          </a:p>
+          <a:p>
+            <a:pPr algn="l"/>
+            <a:endParaRPr lang="en-US" sz="1600" dirty="0"/>
+          </a:p>
+        </p:txBody>
+      </p:sp>
+    </p:spTree>
+    <p:extLst>
+      <p:ext uri="{BB962C8B-B14F-4D97-AF65-F5344CB8AC3E}">
+        <p14:creationId xmlns:p14="http://schemas.microsoft.com/office/powerpoint/2010/main" val="641345159"/>
+      </p:ext>
+    </p:extLst>
+  </p:cSld>
+  <p:clrMapOvr>
+    <a:masterClrMapping/>
+  </p:clrMapOvr>
+  <p:timing>
+    <p:tnLst>
+      <p:par>
+        <p:cTn xmlns:p14="http://schemas.microsoft.com/office/powerpoint/2010/main" id="1" dur="indefinite" restart="never" nodeType="tmRoot"/>
+      </p:par>
+    </p:tnLst>
+  </p:timing>
+</p:sld>
+</file>
+
+<file path=ppt/slides/slide15.xml><?xml version="1.0" encoding="utf-8"?>
+<p:sld xmlns:a="http://schemas.openxmlformats.org/drawingml/2006/main" xmlns:r="http://schemas.openxmlformats.org/officeDocument/2006/relationships" xmlns:p="http://schemas.openxmlformats.org/presentationml/2006/main">
+  <p:cSld>
+    <p:spTree>
+      <p:nvGrpSpPr>
+        <p:cNvPr id="1" name=""/>
+        <p:cNvGrpSpPr/>
+        <p:nvPr/>
+      </p:nvGrpSpPr>
+      <p:grpSpPr>
+        <a:xfrm>
+          <a:off x="0" y="0"/>
+          <a:ext cx="0" cy="0"/>
+          <a:chOff x="0" y="0"/>
+          <a:chExt cx="0" cy="0"/>
+        </a:xfrm>
+      </p:grpSpPr>
+      <p:sp>
+        <p:nvSpPr>
+          <p:cNvPr id="2" name="Title 1"/>
+          <p:cNvSpPr txBox="1">
+            <a:spLocks/>
+          </p:cNvSpPr>
+          <p:nvPr/>
+        </p:nvSpPr>
+        <p:spPr>
+          <a:xfrm>
+            <a:off x="628650" y="0"/>
+            <a:ext cx="7886700" cy="788484"/>
+          </a:xfrm>
+          <a:prstGeom prst="rect">
+            <a:avLst/>
+          </a:prstGeom>
+        </p:spPr>
+        <p:txBody>
+          <a:bodyPr vert="horz" lIns="91440" tIns="45720" rIns="91440" bIns="45720" rtlCol="0" anchor="ctr">
+            <a:normAutofit/>
+          </a:bodyPr>
+          <a:lstStyle>
+            <a:lvl1pPr algn="ctr" defTabSz="914400" rtl="0" eaLnBrk="1" latinLnBrk="0" hangingPunct="1">
+              <a:spcBef>
+                <a:spcPct val="0"/>
+              </a:spcBef>
+              <a:buNone/>
+              <a:defRPr sz="4400" kern="1200">
+                <a:solidFill>
+                  <a:schemeClr val="tx1"/>
+                </a:solidFill>
+                <a:latin typeface="+mj-lt"/>
+                <a:ea typeface="+mj-ea"/>
+                <a:cs typeface="+mj-cs"/>
+              </a:defRPr>
+            </a:lvl1pPr>
+          </a:lstStyle>
+          <a:p>
+            <a:pPr fontAlgn="auto">
+              <a:spcBef>
+                <a:spcPts val="1000"/>
+              </a:spcBef>
+              <a:spcAft>
+                <a:spcPts val="0"/>
+              </a:spcAft>
+              <a:buFont typeface="Arial" panose="020B0604020202020204" pitchFamily="34" charset="0"/>
+              <a:buNone/>
+            </a:pPr>
+            <a:r>
+              <a:rPr lang="en-US" dirty="0" smtClean="0">
+                <a:solidFill>
+                  <a:schemeClr val="accent1">
+                    <a:lumMod val="50000"/>
+                  </a:schemeClr>
+                </a:solidFill>
+                <a:latin typeface="+mn-lt"/>
+                <a:ea typeface="+mn-ea"/>
+                <a:cs typeface="+mn-cs"/>
+              </a:rPr>
+              <a:t>Keywords</a:t>
+            </a:r>
+            <a:endParaRPr lang="en-US" dirty="0">
+              <a:solidFill>
+                <a:schemeClr val="accent1">
+                  <a:lumMod val="50000"/>
+                </a:schemeClr>
+              </a:solidFill>
+              <a:latin typeface="+mn-lt"/>
+              <a:ea typeface="+mn-ea"/>
+              <a:cs typeface="+mn-cs"/>
+            </a:endParaRPr>
+          </a:p>
+        </p:txBody>
+      </p:sp>
+      <p:cxnSp>
+        <p:nvCxnSpPr>
+          <p:cNvPr id="4" name="Straight Connector 3"/>
+          <p:cNvCxnSpPr/>
+          <p:nvPr/>
+        </p:nvCxnSpPr>
+        <p:spPr>
+          <a:xfrm>
+            <a:off x="711198" y="771550"/>
+            <a:ext cx="7789334" cy="16934"/>
+          </a:xfrm>
+          <a:prstGeom prst="line">
+            <a:avLst/>
+          </a:prstGeom>
+        </p:spPr>
+        <p:style>
+          <a:lnRef idx="2">
+            <a:schemeClr val="accent1"/>
+          </a:lnRef>
+          <a:fillRef idx="0">
+            <a:schemeClr val="accent1"/>
+          </a:fillRef>
+          <a:effectRef idx="1">
+            <a:schemeClr val="accent1"/>
+          </a:effectRef>
+          <a:fontRef idx="minor">
+            <a:schemeClr val="tx1"/>
+          </a:fontRef>
+        </p:style>
+      </p:cxnSp>
+      <p:sp>
+        <p:nvSpPr>
+          <p:cNvPr id="56" name="TextBox 55"/>
+          <p:cNvSpPr txBox="1"/>
+          <p:nvPr/>
+        </p:nvSpPr>
+        <p:spPr>
+          <a:xfrm>
+            <a:off x="633368" y="1189654"/>
+            <a:ext cx="7471528" cy="2185214"/>
+          </a:xfrm>
+          <a:prstGeom prst="rect">
+            <a:avLst/>
+          </a:prstGeom>
+          <a:noFill/>
+        </p:spPr>
+        <p:txBody>
+          <a:bodyPr wrap="square" rtlCol="0">
+            <a:spAutoFit/>
+          </a:bodyPr>
+          <a:lstStyle>
+            <a:defPPr>
+              <a:defRPr lang="en-US"/>
+            </a:defPPr>
+            <a:lvl1pPr>
+              <a:defRPr sz="1800">
+                <a:latin typeface="+mj-lt"/>
+              </a:defRPr>
+            </a:lvl1pPr>
+          </a:lstStyle>
+          <a:p>
+            <a:pPr algn="l"/>
+            <a:r>
+              <a:rPr lang="en-US" sz="1600" b="1" dirty="0" smtClean="0"/>
+              <a:t>List of keywords </a:t>
+            </a:r>
+          </a:p>
+          <a:p>
+            <a:pPr algn="l"/>
+            <a:endParaRPr lang="en-US" sz="1600" b="1" dirty="0"/>
+          </a:p>
+          <a:p>
+            <a:pPr algn="l"/>
+            <a:r>
+              <a:rPr lang="en-US" sz="1600" b="1" dirty="0" smtClean="0"/>
+              <a:t>Or </a:t>
+            </a:r>
+          </a:p>
+          <a:p>
+            <a:pPr algn="l"/>
+            <a:endParaRPr lang="en-US" sz="1600" b="1" dirty="0"/>
+          </a:p>
+          <a:p>
+            <a:pPr lvl="0" algn="l">
+              <a:spcAft>
+                <a:spcPts val="0"/>
+              </a:spcAft>
+            </a:pPr>
+            <a:r>
+              <a:rPr lang="en-US" sz="1600" b="1" dirty="0" smtClean="0"/>
+              <a:t>Feature Importance (may not work): </a:t>
+            </a:r>
+            <a:r>
+              <a:rPr lang="en-US" altLang="en-US" sz="1400" dirty="0">
+                <a:solidFill>
+                  <a:schemeClr val="tx1"/>
+                </a:solidFill>
+              </a:rPr>
+              <a:t>pd</a:t>
+            </a:r>
+            <a:r>
+              <a:rPr lang="en-US" altLang="en-US" sz="2000" dirty="0">
+                <a:solidFill>
+                  <a:schemeClr val="tx1"/>
+                </a:solidFill>
+              </a:rPr>
+              <a:t>.</a:t>
+            </a:r>
+            <a:r>
+              <a:rPr lang="en-US" altLang="en-US" sz="1400" dirty="0">
+                <a:solidFill>
+                  <a:schemeClr val="tx1"/>
+                </a:solidFill>
+              </a:rPr>
+              <a:t>DataFrame</a:t>
+            </a:r>
+            <a:r>
+              <a:rPr lang="en-US" altLang="en-US" sz="1050" dirty="0">
+                <a:solidFill>
+                  <a:schemeClr val="tx1"/>
+                </a:solidFill>
+              </a:rPr>
+              <a:t>({'feature':</a:t>
+            </a:r>
+            <a:r>
+              <a:rPr lang="en-US" altLang="en-US" sz="1400" dirty="0">
+                <a:solidFill>
+                  <a:schemeClr val="tx1"/>
+                </a:solidFill>
+              </a:rPr>
+              <a:t>feature_cols</a:t>
+            </a:r>
+            <a:r>
+              <a:rPr lang="en-US" altLang="en-US" sz="1050" dirty="0" smtClean="0">
+                <a:solidFill>
+                  <a:schemeClr val="tx1"/>
+                </a:solidFill>
+              </a:rPr>
+              <a:t>,'importance</a:t>
+            </a:r>
+            <a:r>
+              <a:rPr lang="en-US" altLang="en-US" sz="1050" dirty="0">
+                <a:solidFill>
+                  <a:schemeClr val="tx1"/>
+                </a:solidFill>
+              </a:rPr>
+              <a:t>':</a:t>
+            </a:r>
+            <a:r>
+              <a:rPr lang="en-US" altLang="en-US" sz="1400" dirty="0">
+                <a:solidFill>
+                  <a:schemeClr val="tx1"/>
+                </a:solidFill>
+              </a:rPr>
+              <a:t>treereg</a:t>
+            </a:r>
+            <a:r>
+              <a:rPr lang="en-US" altLang="en-US" sz="2000" dirty="0">
+                <a:solidFill>
+                  <a:schemeClr val="tx1"/>
+                </a:solidFill>
+              </a:rPr>
+              <a:t>.</a:t>
+            </a:r>
+            <a:r>
+              <a:rPr lang="en-US" altLang="en-US" sz="1400" dirty="0">
+                <a:solidFill>
+                  <a:schemeClr val="tx1"/>
+                </a:solidFill>
+              </a:rPr>
+              <a:t>feature_importances_</a:t>
+            </a:r>
+            <a:r>
+              <a:rPr lang="en-US" altLang="en-US" sz="1050" dirty="0">
+                <a:solidFill>
+                  <a:schemeClr val="tx1"/>
+                </a:solidFill>
+              </a:rPr>
+              <a:t>})</a:t>
+            </a:r>
+            <a:r>
+              <a:rPr lang="en-US" altLang="en-US" sz="2000" dirty="0">
+                <a:solidFill>
+                  <a:schemeClr val="tx1"/>
+                </a:solidFill>
+              </a:rPr>
+              <a:t>.</a:t>
+            </a:r>
+            <a:r>
+              <a:rPr lang="en-US" altLang="en-US" sz="1400" dirty="0">
+                <a:solidFill>
+                  <a:schemeClr val="tx1"/>
+                </a:solidFill>
+              </a:rPr>
+              <a:t>sort</a:t>
+            </a:r>
+            <a:r>
+              <a:rPr lang="en-US" altLang="en-US" sz="1050" dirty="0">
+                <a:solidFill>
+                  <a:schemeClr val="tx1"/>
+                </a:solidFill>
+              </a:rPr>
+              <a:t>('importance')</a:t>
+            </a:r>
+            <a:r>
+              <a:rPr lang="en-US" altLang="en-US" sz="700" dirty="0">
+                <a:solidFill>
+                  <a:schemeClr val="tx1"/>
+                </a:solidFill>
+              </a:rPr>
+              <a:t> </a:t>
+            </a:r>
+            <a:endParaRPr lang="en-US" altLang="en-US" sz="2000" dirty="0">
+              <a:solidFill>
+                <a:schemeClr val="tx1"/>
+              </a:solidFill>
+            </a:endParaRPr>
+          </a:p>
+          <a:p>
+            <a:pPr algn="l"/>
+            <a:r>
+              <a:rPr lang="en-US" sz="1600" b="1" dirty="0" smtClean="0"/>
+              <a:t> </a:t>
+            </a:r>
+          </a:p>
+          <a:p>
+            <a:pPr algn="l"/>
+            <a:endParaRPr lang="en-US" sz="1600" dirty="0"/>
+          </a:p>
+        </p:txBody>
+      </p:sp>
+    </p:spTree>
+    <p:extLst>
+      <p:ext uri="{BB962C8B-B14F-4D97-AF65-F5344CB8AC3E}">
+        <p14:creationId xmlns:p14="http://schemas.microsoft.com/office/powerpoint/2010/main" val="3001892769"/>
+      </p:ext>
+    </p:extLst>
+  </p:cSld>
+  <p:clrMapOvr>
+    <a:masterClrMapping/>
+  </p:clrMapOvr>
+  <p:timing>
+    <p:tnLst>
+      <p:par>
+        <p:cTn xmlns:p14="http://schemas.microsoft.com/office/powerpoint/2010/main" id="1" dur="indefinite" restart="never" nodeType="tmRoot"/>
+      </p:par>
+    </p:tnLst>
+  </p:timing>
+</p:sld>
+</file>
+
+<file path=ppt/slides/slide16.xml><?xml version="1.0" encoding="utf-8"?>
+<p:sld xmlns:a="http://schemas.openxmlformats.org/drawingml/2006/main" xmlns:r="http://schemas.openxmlformats.org/officeDocument/2006/relationships" xmlns:p="http://schemas.openxmlformats.org/presentationml/2006/main">
+  <p:cSld>
+    <p:spTree>
+      <p:nvGrpSpPr>
+        <p:cNvPr id="1" name=""/>
+        <p:cNvGrpSpPr/>
+        <p:nvPr/>
+      </p:nvGrpSpPr>
+      <p:grpSpPr>
+        <a:xfrm>
+          <a:off x="0" y="0"/>
+          <a:ext cx="0" cy="0"/>
+          <a:chOff x="0" y="0"/>
+          <a:chExt cx="0" cy="0"/>
+        </a:xfrm>
+      </p:grpSpPr>
+      <p:sp>
+        <p:nvSpPr>
+          <p:cNvPr id="2" name="Title 1"/>
+          <p:cNvSpPr txBox="1">
+            <a:spLocks/>
+          </p:cNvSpPr>
+          <p:nvPr/>
+        </p:nvSpPr>
+        <p:spPr>
+          <a:xfrm>
+            <a:off x="628650" y="0"/>
+            <a:ext cx="7886700" cy="788484"/>
+          </a:xfrm>
+          <a:prstGeom prst="rect">
+            <a:avLst/>
+          </a:prstGeom>
+        </p:spPr>
+        <p:txBody>
+          <a:bodyPr vert="horz" lIns="91440" tIns="45720" rIns="91440" bIns="45720" rtlCol="0" anchor="ctr">
+            <a:normAutofit/>
+          </a:bodyPr>
+          <a:lstStyle>
+            <a:lvl1pPr algn="ctr" defTabSz="914400" rtl="0" eaLnBrk="1" latinLnBrk="0" hangingPunct="1">
+              <a:spcBef>
+                <a:spcPct val="0"/>
+              </a:spcBef>
+              <a:buNone/>
+              <a:defRPr sz="4400" kern="1200">
+                <a:solidFill>
+                  <a:schemeClr val="tx1"/>
+                </a:solidFill>
+                <a:latin typeface="+mj-lt"/>
+                <a:ea typeface="+mj-ea"/>
+                <a:cs typeface="+mj-cs"/>
+              </a:defRPr>
+            </a:lvl1pPr>
+          </a:lstStyle>
+          <a:p>
+            <a:pPr fontAlgn="auto">
+              <a:spcBef>
+                <a:spcPts val="1000"/>
+              </a:spcBef>
+              <a:spcAft>
+                <a:spcPts val="0"/>
+              </a:spcAft>
+              <a:buFont typeface="Arial" panose="020B0604020202020204" pitchFamily="34" charset="0"/>
+              <a:buNone/>
+            </a:pPr>
+            <a:r>
+              <a:rPr lang="en-US" dirty="0" smtClean="0">
+                <a:solidFill>
+                  <a:schemeClr val="accent1">
+                    <a:lumMod val="50000"/>
+                  </a:schemeClr>
+                </a:solidFill>
+                <a:latin typeface="+mn-lt"/>
+                <a:ea typeface="+mn-ea"/>
+                <a:cs typeface="+mn-cs"/>
+              </a:rPr>
+              <a:t>(Notes slide)</a:t>
+            </a:r>
+            <a:endParaRPr lang="en-US" dirty="0">
+              <a:solidFill>
+                <a:schemeClr val="accent1">
+                  <a:lumMod val="50000"/>
+                </a:schemeClr>
+              </a:solidFill>
+              <a:latin typeface="+mn-lt"/>
+              <a:ea typeface="+mn-ea"/>
+              <a:cs typeface="+mn-cs"/>
+            </a:endParaRPr>
+          </a:p>
+        </p:txBody>
+      </p:sp>
+      <p:cxnSp>
+        <p:nvCxnSpPr>
+          <p:cNvPr id="4" name="Straight Connector 3"/>
+          <p:cNvCxnSpPr/>
+          <p:nvPr/>
+        </p:nvCxnSpPr>
+        <p:spPr>
+          <a:xfrm>
+            <a:off x="711198" y="771550"/>
+            <a:ext cx="7789334" cy="16934"/>
+          </a:xfrm>
+          <a:prstGeom prst="line">
+            <a:avLst/>
+          </a:prstGeom>
+        </p:spPr>
+        <p:style>
+          <a:lnRef idx="2">
+            <a:schemeClr val="accent1"/>
+          </a:lnRef>
+          <a:fillRef idx="0">
+            <a:schemeClr val="accent1"/>
+          </a:fillRef>
+          <a:effectRef idx="1">
+            <a:schemeClr val="accent1"/>
+          </a:effectRef>
+          <a:fontRef idx="minor">
+            <a:schemeClr val="tx1"/>
+          </a:fontRef>
+        </p:style>
+      </p:cxnSp>
+      <p:sp>
+        <p:nvSpPr>
+          <p:cNvPr id="56" name="TextBox 55"/>
+          <p:cNvSpPr txBox="1"/>
+          <p:nvPr/>
+        </p:nvSpPr>
+        <p:spPr>
+          <a:xfrm>
+            <a:off x="1100912" y="2177228"/>
+            <a:ext cx="7471528" cy="1077218"/>
+          </a:xfrm>
+          <a:prstGeom prst="rect">
+            <a:avLst/>
+          </a:prstGeom>
+          <a:noFill/>
+        </p:spPr>
+        <p:txBody>
+          <a:bodyPr wrap="square" rtlCol="0">
+            <a:spAutoFit/>
+          </a:bodyPr>
+          <a:lstStyle>
+            <a:defPPr>
+              <a:defRPr lang="en-US"/>
+            </a:defPPr>
+            <a:lvl1pPr>
+              <a:defRPr sz="1800">
+                <a:latin typeface="+mj-lt"/>
+              </a:defRPr>
+            </a:lvl1pPr>
+          </a:lstStyle>
+          <a:p>
+            <a:pPr algn="l"/>
+            <a:r>
+              <a:rPr lang="en-US" sz="1600" b="1" dirty="0" smtClean="0"/>
+              <a:t>Try different </a:t>
+            </a:r>
+            <a:r>
+              <a:rPr lang="en-US" sz="1600" b="1" dirty="0" err="1" smtClean="0"/>
+              <a:t>n_grams</a:t>
+            </a:r>
+            <a:endParaRPr lang="en-US" altLang="en-US" sz="2000" dirty="0">
+              <a:solidFill>
+                <a:schemeClr val="tx1"/>
+              </a:solidFill>
+            </a:endParaRPr>
+          </a:p>
+          <a:p>
+            <a:pPr algn="l"/>
+            <a:r>
+              <a:rPr lang="en-US" sz="1600" b="1" dirty="0" smtClean="0"/>
+              <a:t> </a:t>
+            </a:r>
+          </a:p>
+          <a:p>
+            <a:pPr algn="l"/>
+            <a:endParaRPr lang="en-US" sz="1600" dirty="0" smtClean="0"/>
+          </a:p>
+          <a:p>
+            <a:pPr algn="l"/>
+            <a:endParaRPr lang="en-US" sz="1600" dirty="0"/>
+          </a:p>
+        </p:txBody>
+      </p:sp>
+      <p:sp>
+        <p:nvSpPr>
+          <p:cNvPr id="3" name="Rectangle 1"/>
+          <p:cNvSpPr>
+            <a:spLocks noChangeArrowheads="1"/>
+          </p:cNvSpPr>
+          <p:nvPr/>
+        </p:nvSpPr>
+        <p:spPr bwMode="auto">
+          <a:xfrm>
+            <a:off x="899592" y="2625889"/>
+            <a:ext cx="7022628" cy="637097"/>
+          </a:xfrm>
+          <a:prstGeom prst="rect">
+            <a:avLst/>
+          </a:prstGeom>
+          <a:noFill/>
+          <a:ln>
+            <a:noFill/>
+          </a:ln>
+          <a:effectLst/>
+          <a:extLst>
+            <a:ext uri="{909E8E84-426E-40dd-AFC4-6F175D3DCCD1}">
+              <a14:hiddenFill xmlns:a14="http://schemas.microsoft.com/office/drawing/2010/main">
+                <a:solidFill>
+                  <a:schemeClr val="accent1"/>
+                </a:solidFill>
+              </a14:hiddenFill>
+            </a:ext>
+            <a:ext uri="{91240B29-F687-4f45-9708-019B960494DF}">
+              <a14:hiddenLine xmlns:a14="http://schemas.microsoft.com/office/drawing/2010/main" w="9525">
+                <a:solidFill>
+                  <a:schemeClr val="tx1"/>
+                </a:solidFill>
+                <a:miter lim="800000"/>
+                <a:headEnd/>
+                <a:tailEnd/>
+              </a14:hiddenLine>
+            </a:ext>
+            <a:ext uri="{AF507438-7753-43e0-B8FC-AC1667EBCBE1}">
+              <a14:hiddenEffects xmlns:a14="http://schemas.microsoft.com/office/drawing/2010/main">
+                <a:effectLst>
+                  <a:outerShdw dist="35921" dir="2700000" algn="ctr" rotWithShape="0">
+                    <a:schemeClr val="bg2"/>
+                  </a:outerShdw>
+                </a:effectLst>
+              </a14:hiddenEffects>
+            </a:ext>
+          </a:extLst>
+        </p:spPr>
+        <p:txBody>
+          <a:bodyPr vert="horz" wrap="none" lIns="91440" tIns="45720" rIns="91440" bIns="45720" numCol="1" anchor="ctr" anchorCtr="0" compatLnSpc="1">
+            <a:prstTxWarp prst="textNoShape">
+              <a:avLst/>
+            </a:prstTxWarp>
+            <a:spAutoFit/>
+          </a:bodyPr>
+          <a:lstStyle>
+            <a:lvl1pPr algn="l" eaLnBrk="0" hangingPunct="0">
+              <a:spcBef>
+                <a:spcPct val="30000"/>
+              </a:spcBef>
+              <a:defRPr sz="1200">
+                <a:solidFill>
+                  <a:schemeClr val="tx1"/>
+                </a:solidFill>
+                <a:latin typeface="Arial" panose="020B0604020202020204" pitchFamily="34" charset="0"/>
+              </a:defRPr>
+            </a:lvl1pPr>
+            <a:lvl2pPr marL="457200" algn="l" eaLnBrk="0" hangingPunct="0">
+              <a:spcBef>
+                <a:spcPct val="30000"/>
+              </a:spcBef>
+              <a:defRPr sz="1200">
+                <a:solidFill>
+                  <a:schemeClr val="tx1"/>
+                </a:solidFill>
+                <a:latin typeface="Arial" panose="020B0604020202020204" pitchFamily="34" charset="0"/>
+              </a:defRPr>
+            </a:lvl2pPr>
+            <a:lvl3pPr marL="914400" algn="l" eaLnBrk="0" hangingPunct="0">
+              <a:spcBef>
+                <a:spcPct val="30000"/>
+              </a:spcBef>
+              <a:defRPr sz="1200">
+                <a:solidFill>
+                  <a:schemeClr val="tx1"/>
+                </a:solidFill>
+                <a:latin typeface="Arial" panose="020B0604020202020204" pitchFamily="34" charset="0"/>
+              </a:defRPr>
+            </a:lvl3pPr>
+            <a:lvl4pPr marL="1371600" algn="l" eaLnBrk="0" hangingPunct="0">
+              <a:spcBef>
+                <a:spcPct val="30000"/>
+              </a:spcBef>
+              <a:defRPr sz="1200">
+                <a:solidFill>
+                  <a:schemeClr val="tx1"/>
+                </a:solidFill>
+                <a:latin typeface="Arial" panose="020B0604020202020204" pitchFamily="34" charset="0"/>
+              </a:defRPr>
+            </a:lvl4pPr>
+            <a:lvl5pPr marL="1828800" algn="l" eaLnBrk="0" hangingPunct="0">
+              <a:spcBef>
+                <a:spcPct val="30000"/>
+              </a:spcBef>
+              <a:defRPr sz="1200">
+                <a:solidFill>
+                  <a:schemeClr val="tx1"/>
+                </a:solidFill>
+                <a:latin typeface="Arial" panose="020B0604020202020204" pitchFamily="34" charset="0"/>
+              </a:defRPr>
+            </a:lvl5pPr>
+            <a:lvl6pPr marL="2286000" eaLnBrk="0" fontAlgn="base" hangingPunct="0">
+              <a:spcBef>
+                <a:spcPct val="30000"/>
+              </a:spcBef>
+              <a:spcAft>
+                <a:spcPct val="0"/>
+              </a:spcAft>
+              <a:defRPr sz="1200">
+                <a:solidFill>
+                  <a:schemeClr val="tx1"/>
+                </a:solidFill>
+                <a:latin typeface="Arial" panose="020B0604020202020204" pitchFamily="34" charset="0"/>
+              </a:defRPr>
+            </a:lvl6pPr>
+            <a:lvl7pPr marL="2743200" eaLnBrk="0" fontAlgn="base" hangingPunct="0">
+              <a:spcBef>
+                <a:spcPct val="30000"/>
+              </a:spcBef>
+              <a:spcAft>
+                <a:spcPct val="0"/>
+              </a:spcAft>
+              <a:defRPr sz="1200">
+                <a:solidFill>
+                  <a:schemeClr val="tx1"/>
+                </a:solidFill>
+                <a:latin typeface="Arial" panose="020B0604020202020204" pitchFamily="34" charset="0"/>
+              </a:defRPr>
+            </a:lvl7pPr>
+            <a:lvl8pPr marL="3200400" eaLnBrk="0" fontAlgn="base" hangingPunct="0">
+              <a:spcBef>
+                <a:spcPct val="30000"/>
+              </a:spcBef>
+              <a:spcAft>
+                <a:spcPct val="0"/>
+              </a:spcAft>
+              <a:defRPr sz="1200">
+                <a:solidFill>
+                  <a:schemeClr val="tx1"/>
+                </a:solidFill>
+                <a:latin typeface="Arial" panose="020B0604020202020204" pitchFamily="34" charset="0"/>
+              </a:defRPr>
+            </a:lvl8pPr>
+            <a:lvl9pPr marL="3657600" eaLnBrk="0" fontAlgn="base" hangingPunct="0">
+              <a:spcBef>
+                <a:spcPct val="30000"/>
+              </a:spcBef>
+              <a:spcAft>
+                <a:spcPct val="0"/>
+              </a:spcAft>
+              <a:defRPr sz="1200">
+                <a:solidFill>
+                  <a:schemeClr val="tx1"/>
+                </a:solidFill>
+                <a:latin typeface="Arial" panose="020B0604020202020204" pitchFamily="34" charset="0"/>
+              </a:defRPr>
+            </a:lvl9pPr>
+          </a:lstStyle>
+          <a:p>
+            <a:pPr marL="0" marR="0" lvl="0" indent="0" algn="l" defTabSz="914400" rtl="0" eaLnBrk="0" fontAlgn="base" latinLnBrk="0" hangingPunct="0">
+              <a:lnSpc>
+                <a:spcPct val="100000"/>
+              </a:lnSpc>
+              <a:spcBef>
+                <a:spcPct val="30000"/>
+              </a:spcBef>
+              <a:spcAft>
+                <a:spcPct val="0"/>
+              </a:spcAft>
+              <a:buClrTx/>
+              <a:buSzTx/>
+              <a:buFontTx/>
+              <a:buNone/>
+              <a:tabLst/>
+            </a:pPr>
+            <a:r>
+              <a:rPr lang="en-US" altLang="en-US" dirty="0" smtClean="0"/>
+              <a:t># includes 1 gram and 2 gram words</a:t>
+            </a:r>
+            <a:endParaRPr kumimoji="0" lang="en-US" altLang="en-US" sz="1200" b="0" i="0" u="none" strike="noStrike" cap="none" normalizeH="0" baseline="0" dirty="0" smtClean="0">
+              <a:ln>
+                <a:noFill/>
+              </a:ln>
+              <a:solidFill>
+                <a:schemeClr val="tx1"/>
+              </a:solidFill>
+              <a:effectLst/>
+              <a:latin typeface="Arial" panose="020B0604020202020204" pitchFamily="34" charset="0"/>
+            </a:endParaRPr>
+          </a:p>
+          <a:p>
+            <a:pPr marL="0" marR="0" lvl="0" indent="0" algn="l" defTabSz="914400" rtl="0" eaLnBrk="0" fontAlgn="base" latinLnBrk="0" hangingPunct="0">
+              <a:lnSpc>
+                <a:spcPct val="100000"/>
+              </a:lnSpc>
+              <a:spcBef>
+                <a:spcPct val="30000"/>
+              </a:spcBef>
+              <a:spcAft>
+                <a:spcPct val="0"/>
+              </a:spcAft>
+              <a:buClrTx/>
+              <a:buSzTx/>
+              <a:buFontTx/>
+              <a:buNone/>
+              <a:tabLst/>
+            </a:pPr>
+            <a:r>
+              <a:rPr kumimoji="0" lang="en-US" altLang="en-US" sz="1200" b="0" i="0" u="none" strike="noStrike" cap="none" normalizeH="0" baseline="0" dirty="0" err="1" smtClean="0">
+                <a:ln>
+                  <a:noFill/>
+                </a:ln>
+                <a:solidFill>
+                  <a:schemeClr val="tx1"/>
+                </a:solidFill>
+                <a:effectLst/>
+                <a:latin typeface="Arial" panose="020B0604020202020204" pitchFamily="34" charset="0"/>
+              </a:rPr>
+              <a:t>vect</a:t>
+            </a:r>
+            <a:r>
+              <a:rPr kumimoji="0" lang="en-US" altLang="en-US" sz="1000" b="0" i="0" u="none" strike="noStrike" cap="none" normalizeH="0" baseline="0" dirty="0" smtClean="0">
+                <a:ln>
+                  <a:noFill/>
+                </a:ln>
+                <a:solidFill>
+                  <a:schemeClr val="tx1"/>
+                </a:solidFill>
+                <a:effectLst/>
+                <a:latin typeface="Arial Unicode MS" panose="020B0604020202020204" pitchFamily="34" charset="-128"/>
+              </a:rPr>
+              <a:t> </a:t>
+            </a:r>
+            <a:r>
+              <a:rPr kumimoji="0" lang="en-US" altLang="en-US" sz="1800" b="0" i="0" u="none" strike="noStrike" cap="none" normalizeH="0" baseline="0" dirty="0" smtClean="0">
+                <a:ln>
+                  <a:noFill/>
+                </a:ln>
+                <a:solidFill>
+                  <a:schemeClr val="tx1"/>
+                </a:solidFill>
+                <a:effectLst/>
+                <a:latin typeface="Arial" panose="020B0604020202020204" pitchFamily="34" charset="0"/>
+              </a:rPr>
+              <a:t>=</a:t>
+            </a:r>
+            <a:r>
+              <a:rPr kumimoji="0" lang="en-US" altLang="en-US" sz="1000" b="0" i="0" u="none" strike="noStrike" cap="none" normalizeH="0" baseline="0" dirty="0" smtClean="0">
+                <a:ln>
+                  <a:noFill/>
+                </a:ln>
+                <a:solidFill>
+                  <a:schemeClr val="tx1"/>
+                </a:solidFill>
+                <a:effectLst/>
+                <a:latin typeface="Arial Unicode MS" panose="020B0604020202020204" pitchFamily="34" charset="-128"/>
+              </a:rPr>
+              <a:t> </a:t>
+            </a:r>
+            <a:r>
+              <a:rPr kumimoji="0" lang="en-US" altLang="en-US" sz="1200" b="0" i="0" u="none" strike="noStrike" cap="none" normalizeH="0" baseline="0" dirty="0" err="1" smtClean="0">
+                <a:ln>
+                  <a:noFill/>
+                </a:ln>
+                <a:solidFill>
+                  <a:schemeClr val="tx1"/>
+                </a:solidFill>
+                <a:effectLst/>
+                <a:latin typeface="Arial" panose="020B0604020202020204" pitchFamily="34" charset="0"/>
+              </a:rPr>
+              <a:t>CountVectorizer</a:t>
+            </a:r>
+            <a:r>
+              <a:rPr kumimoji="0" lang="en-US" altLang="en-US" sz="1000" b="0" i="0" u="none" strike="noStrike" cap="none" normalizeH="0" baseline="0" dirty="0" smtClean="0">
+                <a:ln>
+                  <a:noFill/>
+                </a:ln>
+                <a:solidFill>
+                  <a:schemeClr val="tx1"/>
+                </a:solidFill>
+                <a:effectLst/>
+                <a:latin typeface="Arial Unicode MS" panose="020B0604020202020204" pitchFamily="34" charset="-128"/>
+              </a:rPr>
+              <a:t>(</a:t>
+            </a:r>
+            <a:r>
+              <a:rPr kumimoji="0" lang="en-US" altLang="en-US" sz="1200" b="0" i="0" u="none" strike="noStrike" cap="none" normalizeH="0" baseline="0" dirty="0" err="1" smtClean="0">
+                <a:ln>
+                  <a:noFill/>
+                </a:ln>
+                <a:solidFill>
+                  <a:schemeClr val="tx1"/>
+                </a:solidFill>
+                <a:effectLst/>
+                <a:latin typeface="Arial" panose="020B0604020202020204" pitchFamily="34" charset="0"/>
+              </a:rPr>
+              <a:t>ngram_range</a:t>
+            </a:r>
+            <a:r>
+              <a:rPr kumimoji="0" lang="en-US" altLang="en-US" sz="1800" b="0" i="0" u="none" strike="noStrike" cap="none" normalizeH="0" baseline="0" dirty="0" smtClean="0">
+                <a:ln>
+                  <a:noFill/>
+                </a:ln>
+                <a:solidFill>
+                  <a:schemeClr val="tx1"/>
+                </a:solidFill>
+                <a:effectLst/>
+                <a:latin typeface="Arial" panose="020B0604020202020204" pitchFamily="34" charset="0"/>
+              </a:rPr>
+              <a:t>=</a:t>
+            </a:r>
+            <a:r>
+              <a:rPr kumimoji="0" lang="en-US" altLang="en-US" sz="1000" b="0" i="0" u="none" strike="noStrike" cap="none" normalizeH="0" baseline="0" dirty="0" smtClean="0">
+                <a:ln>
+                  <a:noFill/>
+                </a:ln>
+                <a:solidFill>
+                  <a:schemeClr val="tx1"/>
+                </a:solidFill>
+                <a:effectLst/>
+                <a:latin typeface="Arial Unicode MS" panose="020B0604020202020204" pitchFamily="34" charset="-128"/>
+              </a:rPr>
+              <a:t>(1, 2)) </a:t>
+            </a:r>
+            <a:r>
+              <a:rPr kumimoji="0" lang="en-US" altLang="en-US" sz="1200" b="0" i="0" u="none" strike="noStrike" cap="none" normalizeH="0" baseline="0" dirty="0" err="1" smtClean="0">
+                <a:ln>
+                  <a:noFill/>
+                </a:ln>
+                <a:solidFill>
+                  <a:schemeClr val="tx1"/>
+                </a:solidFill>
+                <a:effectLst/>
+                <a:latin typeface="Arial" panose="020B0604020202020204" pitchFamily="34" charset="0"/>
+              </a:rPr>
+              <a:t>train_dtm</a:t>
+            </a:r>
+            <a:r>
+              <a:rPr kumimoji="0" lang="en-US" altLang="en-US" sz="1000" b="0" i="0" u="none" strike="noStrike" cap="none" normalizeH="0" baseline="0" dirty="0" smtClean="0">
+                <a:ln>
+                  <a:noFill/>
+                </a:ln>
+                <a:solidFill>
+                  <a:schemeClr val="tx1"/>
+                </a:solidFill>
+                <a:effectLst/>
+                <a:latin typeface="Arial Unicode MS" panose="020B0604020202020204" pitchFamily="34" charset="-128"/>
+              </a:rPr>
+              <a:t> </a:t>
+            </a:r>
+            <a:r>
+              <a:rPr kumimoji="0" lang="en-US" altLang="en-US" sz="1800" b="0" i="0" u="none" strike="noStrike" cap="none" normalizeH="0" baseline="0" dirty="0" smtClean="0">
+                <a:ln>
+                  <a:noFill/>
+                </a:ln>
+                <a:solidFill>
+                  <a:schemeClr val="tx1"/>
+                </a:solidFill>
+                <a:effectLst/>
+                <a:latin typeface="Arial" panose="020B0604020202020204" pitchFamily="34" charset="0"/>
+              </a:rPr>
+              <a:t>=</a:t>
+            </a:r>
+            <a:r>
+              <a:rPr kumimoji="0" lang="en-US" altLang="en-US" sz="1000" b="0" i="0" u="none" strike="noStrike" cap="none" normalizeH="0" baseline="0" dirty="0" smtClean="0">
+                <a:ln>
+                  <a:noFill/>
+                </a:ln>
+                <a:solidFill>
+                  <a:schemeClr val="tx1"/>
+                </a:solidFill>
+                <a:effectLst/>
+                <a:latin typeface="Arial Unicode MS" panose="020B0604020202020204" pitchFamily="34" charset="-128"/>
+              </a:rPr>
+              <a:t> </a:t>
+            </a:r>
+            <a:r>
+              <a:rPr kumimoji="0" lang="en-US" altLang="en-US" sz="1200" b="0" i="0" u="none" strike="noStrike" cap="none" normalizeH="0" baseline="0" dirty="0" err="1" smtClean="0">
+                <a:ln>
+                  <a:noFill/>
+                </a:ln>
+                <a:solidFill>
+                  <a:schemeClr val="tx1"/>
+                </a:solidFill>
+                <a:effectLst/>
+                <a:latin typeface="Arial" panose="020B0604020202020204" pitchFamily="34" charset="0"/>
+              </a:rPr>
+              <a:t>vect</a:t>
+            </a:r>
+            <a:r>
+              <a:rPr kumimoji="0" lang="en-US" altLang="en-US" sz="1800" b="0" i="0" u="none" strike="noStrike" cap="none" normalizeH="0" baseline="0" dirty="0" err="1" smtClean="0">
+                <a:ln>
+                  <a:noFill/>
+                </a:ln>
+                <a:solidFill>
+                  <a:schemeClr val="tx1"/>
+                </a:solidFill>
+                <a:effectLst/>
+                <a:latin typeface="Arial" panose="020B0604020202020204" pitchFamily="34" charset="0"/>
+              </a:rPr>
+              <a:t>.</a:t>
+            </a:r>
+            <a:r>
+              <a:rPr kumimoji="0" lang="en-US" altLang="en-US" sz="1200" b="0" i="0" u="none" strike="noStrike" cap="none" normalizeH="0" baseline="0" dirty="0" err="1" smtClean="0">
+                <a:ln>
+                  <a:noFill/>
+                </a:ln>
+                <a:solidFill>
+                  <a:schemeClr val="tx1"/>
+                </a:solidFill>
+                <a:effectLst/>
+                <a:latin typeface="Arial" panose="020B0604020202020204" pitchFamily="34" charset="0"/>
+              </a:rPr>
+              <a:t>fit_transform</a:t>
+            </a:r>
+            <a:r>
+              <a:rPr kumimoji="0" lang="en-US" altLang="en-US" sz="1000" b="0" i="0" u="none" strike="noStrike" cap="none" normalizeH="0" baseline="0" dirty="0" smtClean="0">
+                <a:ln>
+                  <a:noFill/>
+                </a:ln>
+                <a:solidFill>
+                  <a:schemeClr val="tx1"/>
+                </a:solidFill>
+                <a:effectLst/>
+                <a:latin typeface="Arial Unicode MS" panose="020B0604020202020204" pitchFamily="34" charset="-128"/>
+              </a:rPr>
+              <a:t>(</a:t>
+            </a:r>
+            <a:r>
+              <a:rPr kumimoji="0" lang="en-US" altLang="en-US" sz="1200" b="0" i="0" u="none" strike="noStrike" cap="none" normalizeH="0" baseline="0" dirty="0" err="1" smtClean="0">
+                <a:ln>
+                  <a:noFill/>
+                </a:ln>
+                <a:solidFill>
+                  <a:schemeClr val="tx1"/>
+                </a:solidFill>
+                <a:effectLst/>
+                <a:latin typeface="Arial" panose="020B0604020202020204" pitchFamily="34" charset="0"/>
+              </a:rPr>
+              <a:t>X_train</a:t>
+            </a:r>
+            <a:r>
+              <a:rPr kumimoji="0" lang="en-US" altLang="en-US" sz="1000" b="0" i="0" u="none" strike="noStrike" cap="none" normalizeH="0" baseline="0" dirty="0" smtClean="0">
+                <a:ln>
+                  <a:noFill/>
+                </a:ln>
+                <a:solidFill>
+                  <a:schemeClr val="tx1"/>
+                </a:solidFill>
+                <a:effectLst/>
+                <a:latin typeface="Arial Unicode MS" panose="020B0604020202020204" pitchFamily="34" charset="-128"/>
+              </a:rPr>
+              <a:t>) </a:t>
+            </a:r>
+            <a:r>
+              <a:rPr kumimoji="0" lang="en-US" altLang="en-US" sz="1200" b="0" i="0" u="none" strike="noStrike" cap="none" normalizeH="0" baseline="0" dirty="0" err="1" smtClean="0">
+                <a:ln>
+                  <a:noFill/>
+                </a:ln>
+                <a:solidFill>
+                  <a:schemeClr val="tx1"/>
+                </a:solidFill>
+                <a:effectLst/>
+                <a:latin typeface="Arial" panose="020B0604020202020204" pitchFamily="34" charset="0"/>
+              </a:rPr>
+              <a:t>train_dtm</a:t>
+            </a:r>
+            <a:r>
+              <a:rPr kumimoji="0" lang="en-US" altLang="en-US" sz="1800" b="0" i="0" u="none" strike="noStrike" cap="none" normalizeH="0" baseline="0" dirty="0" err="1" smtClean="0">
+                <a:ln>
+                  <a:noFill/>
+                </a:ln>
+                <a:solidFill>
+                  <a:schemeClr val="tx1"/>
+                </a:solidFill>
+                <a:effectLst/>
+                <a:latin typeface="Arial" panose="020B0604020202020204" pitchFamily="34" charset="0"/>
+              </a:rPr>
+              <a:t>.</a:t>
+            </a:r>
+            <a:r>
+              <a:rPr kumimoji="0" lang="en-US" altLang="en-US" sz="1200" b="0" i="0" u="none" strike="noStrike" cap="none" normalizeH="0" baseline="0" dirty="0" err="1" smtClean="0">
+                <a:ln>
+                  <a:noFill/>
+                </a:ln>
+                <a:solidFill>
+                  <a:schemeClr val="tx1"/>
+                </a:solidFill>
+                <a:effectLst/>
+                <a:latin typeface="Arial" panose="020B0604020202020204" pitchFamily="34" charset="0"/>
+              </a:rPr>
+              <a:t>shape</a:t>
+            </a:r>
+            <a:r>
+              <a:rPr kumimoji="0" lang="en-US" altLang="en-US" sz="600" b="0" i="0" u="none" strike="noStrike" cap="none" normalizeH="0" baseline="0" dirty="0" smtClean="0">
+                <a:ln>
+                  <a:noFill/>
+                </a:ln>
+                <a:solidFill>
+                  <a:schemeClr val="tx1"/>
+                </a:solidFill>
+                <a:effectLst/>
+              </a:rPr>
+              <a:t> </a:t>
+            </a:r>
+            <a:endParaRPr kumimoji="0" lang="en-US" altLang="en-US" sz="1200" b="0" i="0" u="none" strike="noStrike" cap="none" normalizeH="0" baseline="0" dirty="0" smtClean="0">
+              <a:ln>
+                <a:noFill/>
+              </a:ln>
+              <a:solidFill>
+                <a:schemeClr val="tx1"/>
+              </a:solidFill>
+              <a:effectLst/>
+              <a:latin typeface="Arial" panose="020B0604020202020204" pitchFamily="34" charset="0"/>
+            </a:endParaRPr>
+          </a:p>
+        </p:txBody>
+      </p:sp>
+    </p:spTree>
+    <p:extLst>
+      <p:ext uri="{BB962C8B-B14F-4D97-AF65-F5344CB8AC3E}">
+        <p14:creationId xmlns:p14="http://schemas.microsoft.com/office/powerpoint/2010/main" val="305103843"/>
+      </p:ext>
+    </p:extLst>
+  </p:cSld>
+  <p:clrMapOvr>
+    <a:masterClrMapping/>
+  </p:clrMapOvr>
+  <p:timing>
+    <p:tnLst>
+      <p:par>
+        <p:cTn xmlns:p14="http://schemas.microsoft.com/office/powerpoint/2010/main" id="1" dur="indefinite" restart="never" nodeType="tmRoot"/>
+      </p:par>
+    </p:tnLst>
+  </p:timing>
+</p:sld>
+</file>
+
+<file path=ppt/slides/slide17.xml><?xml version="1.0" encoding="utf-8"?>
+<p:sld xmlns:a="http://schemas.openxmlformats.org/drawingml/2006/main" xmlns:r="http://schemas.openxmlformats.org/officeDocument/2006/relationships" xmlns:p="http://schemas.openxmlformats.org/presentationml/2006/main">
+  <p:cSld>
+    <p:spTree>
+      <p:nvGrpSpPr>
+        <p:cNvPr id="1" name=""/>
+        <p:cNvGrpSpPr/>
+        <p:nvPr/>
+      </p:nvGrpSpPr>
+      <p:grpSpPr>
+        <a:xfrm>
+          <a:off x="0" y="0"/>
+          <a:ext cx="0" cy="0"/>
+          <a:chOff x="0" y="0"/>
+          <a:chExt cx="0" cy="0"/>
+        </a:xfrm>
+      </p:grpSpPr>
+      <p:sp>
+        <p:nvSpPr>
+          <p:cNvPr id="2" name="Title 1"/>
+          <p:cNvSpPr txBox="1">
+            <a:spLocks/>
+          </p:cNvSpPr>
+          <p:nvPr/>
+        </p:nvSpPr>
+        <p:spPr>
+          <a:xfrm>
+            <a:off x="628650" y="0"/>
+            <a:ext cx="7886700" cy="788484"/>
+          </a:xfrm>
+          <a:prstGeom prst="rect">
+            <a:avLst/>
+          </a:prstGeom>
+        </p:spPr>
+        <p:txBody>
+          <a:bodyPr vert="horz" lIns="91440" tIns="45720" rIns="91440" bIns="45720" rtlCol="0" anchor="ctr">
+            <a:normAutofit/>
+          </a:bodyPr>
+          <a:lstStyle>
+            <a:lvl1pPr algn="ctr" defTabSz="914400" rtl="0" eaLnBrk="1" latinLnBrk="0" hangingPunct="1">
+              <a:spcBef>
+                <a:spcPct val="0"/>
+              </a:spcBef>
+              <a:buNone/>
+              <a:defRPr sz="4400" kern="1200">
+                <a:solidFill>
+                  <a:schemeClr val="tx1"/>
+                </a:solidFill>
+                <a:latin typeface="+mj-lt"/>
+                <a:ea typeface="+mj-ea"/>
+                <a:cs typeface="+mj-cs"/>
+              </a:defRPr>
+            </a:lvl1pPr>
+          </a:lstStyle>
+          <a:p>
+            <a:pPr fontAlgn="auto">
+              <a:spcBef>
+                <a:spcPts val="1000"/>
+              </a:spcBef>
+              <a:spcAft>
+                <a:spcPts val="0"/>
+              </a:spcAft>
+              <a:buFont typeface="Arial" panose="020B0604020202020204" pitchFamily="34" charset="0"/>
+              <a:buNone/>
+            </a:pPr>
+            <a:r>
+              <a:rPr lang="en-US" dirty="0" smtClean="0">
+                <a:solidFill>
+                  <a:schemeClr val="accent1">
+                    <a:lumMod val="50000"/>
+                  </a:schemeClr>
+                </a:solidFill>
+                <a:latin typeface="+mn-lt"/>
+                <a:ea typeface="+mn-ea"/>
+                <a:cs typeface="+mn-cs"/>
+              </a:rPr>
+              <a:t>Model (with Sentiment)</a:t>
+            </a:r>
+            <a:endParaRPr lang="en-US" dirty="0">
+              <a:solidFill>
+                <a:schemeClr val="accent1">
+                  <a:lumMod val="50000"/>
+                </a:schemeClr>
+              </a:solidFill>
+              <a:latin typeface="+mn-lt"/>
+              <a:ea typeface="+mn-ea"/>
+              <a:cs typeface="+mn-cs"/>
+            </a:endParaRPr>
+          </a:p>
+        </p:txBody>
+      </p:sp>
+      <p:cxnSp>
+        <p:nvCxnSpPr>
+          <p:cNvPr id="4" name="Straight Connector 3"/>
+          <p:cNvCxnSpPr/>
+          <p:nvPr/>
+        </p:nvCxnSpPr>
+        <p:spPr>
+          <a:xfrm>
+            <a:off x="711198" y="771550"/>
+            <a:ext cx="7789334" cy="16934"/>
+          </a:xfrm>
+          <a:prstGeom prst="line">
+            <a:avLst/>
+          </a:prstGeom>
+        </p:spPr>
+        <p:style>
+          <a:lnRef idx="2">
+            <a:schemeClr val="accent1"/>
+          </a:lnRef>
+          <a:fillRef idx="0">
+            <a:schemeClr val="accent1"/>
+          </a:fillRef>
+          <a:effectRef idx="1">
+            <a:schemeClr val="accent1"/>
+          </a:effectRef>
+          <a:fontRef idx="minor">
+            <a:schemeClr val="tx1"/>
+          </a:fontRef>
+        </p:style>
+      </p:cxnSp>
+      <p:sp>
+        <p:nvSpPr>
+          <p:cNvPr id="56" name="TextBox 55"/>
+          <p:cNvSpPr txBox="1"/>
+          <p:nvPr/>
+        </p:nvSpPr>
+        <p:spPr>
+          <a:xfrm>
+            <a:off x="711198" y="1132462"/>
+            <a:ext cx="7471528" cy="338554"/>
+          </a:xfrm>
+          <a:prstGeom prst="rect">
+            <a:avLst/>
+          </a:prstGeom>
+          <a:noFill/>
+        </p:spPr>
+        <p:txBody>
+          <a:bodyPr wrap="square" rtlCol="0">
+            <a:spAutoFit/>
+          </a:bodyPr>
+          <a:lstStyle>
+            <a:defPPr>
+              <a:defRPr lang="en-US"/>
+            </a:defPPr>
+            <a:lvl1pPr>
+              <a:defRPr sz="1800">
+                <a:latin typeface="+mj-lt"/>
+              </a:defRPr>
+            </a:lvl1pPr>
+          </a:lstStyle>
+          <a:p>
+            <a:pPr algn="l"/>
+            <a:r>
+              <a:rPr lang="en-US" sz="1600" b="1" dirty="0" smtClean="0"/>
+              <a:t>Model: </a:t>
+            </a:r>
+            <a:r>
+              <a:rPr lang="en-US" sz="1600" dirty="0" smtClean="0"/>
+              <a:t>Random Forests </a:t>
+            </a:r>
+            <a:r>
+              <a:rPr lang="en-US" sz="1600" dirty="0"/>
+              <a:t>(</a:t>
+            </a:r>
+            <a:r>
+              <a:rPr lang="en-US" sz="1600" dirty="0" err="1"/>
+              <a:t>n_estimators</a:t>
+            </a:r>
+            <a:r>
+              <a:rPr lang="en-US" sz="1600" dirty="0"/>
+              <a:t> = 40, </a:t>
+            </a:r>
+            <a:r>
+              <a:rPr lang="en-US" sz="1600" dirty="0" err="1"/>
+              <a:t>max_features</a:t>
+            </a:r>
+            <a:r>
+              <a:rPr lang="en-US" sz="1600"/>
+              <a:t> = 1500)</a:t>
+            </a:r>
+            <a:endParaRPr lang="en-US" sz="1600" dirty="0"/>
+          </a:p>
+        </p:txBody>
+      </p:sp>
+      <p:sp>
+        <p:nvSpPr>
+          <p:cNvPr id="57" name="TextBox 56"/>
+          <p:cNvSpPr txBox="1"/>
+          <p:nvPr/>
+        </p:nvSpPr>
+        <p:spPr>
+          <a:xfrm>
+            <a:off x="711198" y="1598755"/>
+            <a:ext cx="2935024" cy="1323439"/>
+          </a:xfrm>
+          <a:prstGeom prst="rect">
+            <a:avLst/>
+          </a:prstGeom>
+          <a:noFill/>
+        </p:spPr>
+        <p:txBody>
+          <a:bodyPr wrap="square" rtlCol="0">
+            <a:spAutoFit/>
+          </a:bodyPr>
+          <a:lstStyle>
+            <a:defPPr>
+              <a:defRPr lang="en-US"/>
+            </a:defPPr>
+            <a:lvl1pPr>
+              <a:defRPr sz="1800">
+                <a:latin typeface="+mj-lt"/>
+              </a:defRPr>
+            </a:lvl1pPr>
+          </a:lstStyle>
+          <a:p>
+            <a:pPr algn="l"/>
+            <a:r>
+              <a:rPr lang="en-US" sz="1600" b="1" dirty="0" smtClean="0"/>
+              <a:t>Model Features</a:t>
+            </a:r>
+            <a:r>
+              <a:rPr lang="en-US" sz="1600" b="1" dirty="0" smtClean="0"/>
+              <a:t>:</a:t>
+            </a:r>
+          </a:p>
+          <a:p>
+            <a:pPr algn="l"/>
+            <a:endParaRPr lang="en-US" sz="1600" b="1" dirty="0" smtClean="0"/>
+          </a:p>
+          <a:p>
+            <a:pPr marL="285750" indent="-285750" algn="l">
+              <a:buFont typeface="Arial" panose="020B0604020202020204" pitchFamily="34" charset="0"/>
+              <a:buChar char="•"/>
+            </a:pPr>
+            <a:r>
+              <a:rPr lang="en-US" sz="1600" dirty="0"/>
+              <a:t>Number of reviews</a:t>
+            </a:r>
+          </a:p>
+          <a:p>
+            <a:pPr marL="285750" indent="-285750" algn="l">
+              <a:buFont typeface="Arial" panose="020B0604020202020204" pitchFamily="34" charset="0"/>
+              <a:buChar char="•"/>
+            </a:pPr>
+            <a:r>
+              <a:rPr lang="en-US" sz="1600" dirty="0" smtClean="0"/>
+              <a:t>Text length</a:t>
+            </a:r>
+            <a:endParaRPr lang="en-US" sz="1600" dirty="0"/>
+          </a:p>
+          <a:p>
+            <a:pPr marL="285750" indent="-285750" algn="l">
+              <a:buFont typeface="Arial" panose="020B0604020202020204" pitchFamily="34" charset="0"/>
+              <a:buChar char="•"/>
+            </a:pPr>
+            <a:r>
+              <a:rPr lang="en-US" sz="1600" dirty="0" smtClean="0"/>
+              <a:t>Ratings</a:t>
+            </a:r>
+            <a:endParaRPr lang="en-US" sz="1600" dirty="0"/>
+          </a:p>
+        </p:txBody>
+      </p:sp>
+      <p:sp>
+        <p:nvSpPr>
+          <p:cNvPr id="58" name="TextBox 57"/>
+          <p:cNvSpPr txBox="1"/>
+          <p:nvPr/>
+        </p:nvSpPr>
+        <p:spPr>
+          <a:xfrm>
+            <a:off x="634457" y="3499143"/>
+            <a:ext cx="7471528" cy="584775"/>
+          </a:xfrm>
+          <a:prstGeom prst="rect">
+            <a:avLst/>
+          </a:prstGeom>
+          <a:noFill/>
+        </p:spPr>
+        <p:txBody>
+          <a:bodyPr wrap="square" rtlCol="0">
+            <a:spAutoFit/>
+          </a:bodyPr>
+          <a:lstStyle>
+            <a:defPPr>
+              <a:defRPr lang="en-US"/>
+            </a:defPPr>
+            <a:lvl1pPr>
+              <a:defRPr sz="1800">
+                <a:latin typeface="+mj-lt"/>
+              </a:defRPr>
+            </a:lvl1pPr>
+          </a:lstStyle>
+          <a:p>
+            <a:pPr algn="l"/>
+            <a:r>
+              <a:rPr lang="en-US" sz="1600" b="1" dirty="0" smtClean="0"/>
+              <a:t>Evaluation Metric:</a:t>
+            </a:r>
+          </a:p>
+          <a:p>
+            <a:pPr marL="285750" indent="-285750" algn="l">
+              <a:buFont typeface="Arial" panose="020B0604020202020204" pitchFamily="34" charset="0"/>
+              <a:buChar char="•"/>
+            </a:pPr>
+            <a:r>
+              <a:rPr lang="en-US" sz="1600" dirty="0" smtClean="0"/>
+              <a:t>Root Mean Squared Error (RMSE)</a:t>
+            </a:r>
+            <a:endParaRPr lang="en-US" sz="1600" dirty="0"/>
+          </a:p>
+        </p:txBody>
+      </p:sp>
+      <p:sp>
+        <p:nvSpPr>
+          <p:cNvPr id="59" name="TextBox 58"/>
+          <p:cNvSpPr txBox="1"/>
+          <p:nvPr/>
+        </p:nvSpPr>
+        <p:spPr>
+          <a:xfrm>
+            <a:off x="3661720" y="1825536"/>
+            <a:ext cx="4510680" cy="1754326"/>
+          </a:xfrm>
+          <a:prstGeom prst="rect">
+            <a:avLst/>
+          </a:prstGeom>
+          <a:noFill/>
+        </p:spPr>
+        <p:txBody>
+          <a:bodyPr wrap="square" rtlCol="0">
+            <a:spAutoFit/>
+          </a:bodyPr>
+          <a:lstStyle>
+            <a:defPPr>
+              <a:defRPr lang="en-US"/>
+            </a:defPPr>
+            <a:lvl1pPr>
+              <a:defRPr sz="1800">
+                <a:latin typeface="+mj-lt"/>
+              </a:defRPr>
+            </a:lvl1pPr>
+          </a:lstStyle>
+          <a:p>
+            <a:pPr algn="l"/>
+            <a:endParaRPr lang="en-US" sz="1600" dirty="0" smtClean="0"/>
+          </a:p>
+          <a:p>
+            <a:pPr marL="285750" indent="-285750" algn="l">
+              <a:buFont typeface="Arial" panose="020B0604020202020204" pitchFamily="34" charset="0"/>
+              <a:buChar char="•"/>
+            </a:pPr>
+            <a:r>
+              <a:rPr lang="en-US" sz="1600" dirty="0" smtClean="0"/>
+              <a:t>Polarity</a:t>
+            </a:r>
+          </a:p>
+          <a:p>
+            <a:pPr marL="285750" indent="-285750" algn="l">
+              <a:buFont typeface="Arial" panose="020B0604020202020204" pitchFamily="34" charset="0"/>
+              <a:buChar char="•"/>
+            </a:pPr>
+            <a:r>
+              <a:rPr lang="en-US" sz="1600" dirty="0"/>
+              <a:t>TF-IDF </a:t>
+            </a:r>
+            <a:r>
+              <a:rPr lang="en-US" sz="1600" dirty="0" err="1"/>
+              <a:t>Vectorizer</a:t>
+            </a:r>
+            <a:r>
+              <a:rPr lang="en-US" sz="1600" dirty="0"/>
+              <a:t> </a:t>
+            </a:r>
+          </a:p>
+          <a:p>
+            <a:pPr lvl="2" algn="l"/>
+            <a:r>
+              <a:rPr lang="en-US" sz="1400" dirty="0"/>
+              <a:t>- Stop words = English</a:t>
+            </a:r>
+          </a:p>
+          <a:p>
+            <a:pPr lvl="2" algn="l"/>
+            <a:r>
+              <a:rPr lang="en-US" sz="1400" dirty="0"/>
+              <a:t>- </a:t>
+            </a:r>
+            <a:r>
+              <a:rPr lang="en-US" sz="1400" dirty="0" err="1"/>
+              <a:t>Min_df</a:t>
+            </a:r>
+            <a:r>
+              <a:rPr lang="en-US" sz="1400" dirty="0"/>
+              <a:t> = 6 (reduced from 85k to 23k features)</a:t>
+            </a:r>
+          </a:p>
+          <a:p>
+            <a:pPr marL="285750" indent="-285750" algn="l">
+              <a:buFont typeface="Arial" panose="020B0604020202020204" pitchFamily="34" charset="0"/>
+              <a:buChar char="•"/>
+            </a:pPr>
+            <a:endParaRPr lang="en-US" sz="1600" dirty="0" smtClean="0"/>
+          </a:p>
+          <a:p>
+            <a:pPr algn="l"/>
+            <a:endParaRPr lang="en-US" sz="1600" dirty="0"/>
+          </a:p>
+        </p:txBody>
+      </p:sp>
+      <p:sp>
+        <p:nvSpPr>
+          <p:cNvPr id="14" name="TextBox 13"/>
+          <p:cNvSpPr txBox="1"/>
+          <p:nvPr/>
+        </p:nvSpPr>
+        <p:spPr>
+          <a:xfrm>
+            <a:off x="628650" y="4393436"/>
+            <a:ext cx="7471528" cy="338554"/>
+          </a:xfrm>
+          <a:prstGeom prst="rect">
+            <a:avLst/>
+          </a:prstGeom>
+          <a:noFill/>
+        </p:spPr>
+        <p:txBody>
+          <a:bodyPr wrap="square" rtlCol="0">
+            <a:spAutoFit/>
+          </a:bodyPr>
+          <a:lstStyle>
+            <a:defPPr>
+              <a:defRPr lang="en-US"/>
+            </a:defPPr>
+            <a:lvl1pPr>
+              <a:defRPr sz="1800">
+                <a:latin typeface="+mj-lt"/>
+              </a:defRPr>
+            </a:lvl1pPr>
+          </a:lstStyle>
+          <a:p>
+            <a:pPr algn="l"/>
+            <a:r>
+              <a:rPr lang="en-US" sz="1600" b="1" dirty="0" smtClean="0"/>
+              <a:t>RMSE Score: </a:t>
+            </a:r>
+            <a:r>
+              <a:rPr lang="en-US" sz="1600" dirty="0" smtClean="0"/>
+              <a:t>2.80?</a:t>
+            </a:r>
+          </a:p>
+        </p:txBody>
+      </p:sp>
+    </p:spTree>
+    <p:extLst>
+      <p:ext uri="{BB962C8B-B14F-4D97-AF65-F5344CB8AC3E}">
+        <p14:creationId xmlns:p14="http://schemas.microsoft.com/office/powerpoint/2010/main" val="3524580145"/>
+      </p:ext>
+    </p:extLst>
+  </p:cSld>
+  <p:clrMapOvr>
+    <a:masterClrMapping/>
+  </p:clrMapOvr>
+  <p:timing>
+    <p:tnLst>
+      <p:par>
+        <p:cTn xmlns:p14="http://schemas.microsoft.com/office/powerpoint/2010/main" id="1" dur="indefinite" restart="never" nodeType="tmRoot"/>
+      </p:par>
+    </p:tnLst>
+  </p:timing>
+</p:sld>
+</file>
+
+<file path=ppt/slides/slide18.xml><?xml version="1.0" encoding="utf-8"?>
 <p:sld xmlns:a="http://schemas.openxmlformats.org/drawingml/2006/main" xmlns:r="http://schemas.openxmlformats.org/officeDocument/2006/relationships" xmlns:p="http://schemas.openxmlformats.org/presentationml/2006/main">
   <p:cSld>
     <p:spTree>
@@ -9102,7 +12362,7 @@
         </p:nvSpPr>
         <p:spPr>
           <a:xfrm>
-            <a:off x="365262" y="1635646"/>
+            <a:off x="399126" y="1380556"/>
             <a:ext cx="8413477" cy="1364256"/>
           </a:xfrm>
           <a:prstGeom prst="rect">
@@ -9260,7 +12520,7 @@
             </a:pPr>
             <a:r>
               <a:rPr lang="en-US" sz="2600" i="1" dirty="0" smtClean="0"/>
-              <a:t>Can Yelp reviews and Boston’s historic health inspection data be used to make the process of sending health inspectors to restaurants more efficient?</a:t>
+              <a:t>Can Yelp reviews be used to make the process of sending health inspectors to restaurants more efficient?</a:t>
             </a:r>
             <a:endParaRPr lang="en-US" sz="2600" i="1" dirty="0"/>
           </a:p>
@@ -9461,109 +12721,6 @@
           </a:p>
         </p:txBody>
       </p:sp>
-      <p:grpSp>
-        <p:nvGrpSpPr>
-          <p:cNvPr id="29" name="Group 28"/>
-          <p:cNvGrpSpPr/>
-          <p:nvPr/>
-        </p:nvGrpSpPr>
-        <p:grpSpPr>
-          <a:xfrm>
-            <a:off x="3576338" y="2931791"/>
-            <a:ext cx="2003774" cy="2086066"/>
-            <a:chOff x="3859019" y="2822942"/>
-            <a:chExt cx="2141547" cy="2237446"/>
-          </a:xfrm>
-        </p:grpSpPr>
-        <p:pic>
-          <p:nvPicPr>
-            <p:cNvPr id="30" name="Picture 29"/>
-            <p:cNvPicPr>
-              <a:picLocks noChangeAspect="1"/>
-            </p:cNvPicPr>
-            <p:nvPr/>
-          </p:nvPicPr>
-          <p:blipFill>
-            <a:blip r:embed="rId3">
-              <a:duotone>
-                <a:srgbClr val="A5A5A5">
-                  <a:shade val="45000"/>
-                  <a:satMod val="135000"/>
-                </a:srgbClr>
-                <a:prstClr val="white"/>
-              </a:duotone>
-              <a:extLst>
-                <a:ext uri="{BEBA8EAE-BF5A-486C-A8C5-ECC9F3942E4B}">
-                  <a14:imgProps xmlns:a14="http://schemas.microsoft.com/office/drawing/2010/main">
-                    <a14:imgLayer r:embed="rId4">
-                      <a14:imgEffect>
-                        <a14:colorTemperature colorTemp="11200"/>
-                      </a14:imgEffect>
-                    </a14:imgLayer>
-                  </a14:imgProps>
-                </a:ext>
-                <a:ext uri="{28A0092B-C50C-407E-A947-70E740481C1C}">
-                  <a14:useLocalDpi xmlns:a14="http://schemas.microsoft.com/office/drawing/2010/main" val="0"/>
-                </a:ext>
-              </a:extLst>
-            </a:blip>
-            <a:stretch>
-              <a:fillRect/>
-            </a:stretch>
-          </p:blipFill>
-          <p:spPr>
-            <a:xfrm>
-              <a:off x="3859019" y="3625166"/>
-              <a:ext cx="1425962" cy="1435222"/>
-            </a:xfrm>
-            <a:prstGeom prst="rect">
-              <a:avLst/>
-            </a:prstGeom>
-          </p:spPr>
-        </p:pic>
-        <p:sp>
-          <p:nvSpPr>
-            <p:cNvPr id="31" name="TextBox 30"/>
-            <p:cNvSpPr txBox="1"/>
-            <p:nvPr/>
-          </p:nvSpPr>
-          <p:spPr>
-            <a:xfrm>
-              <a:off x="3893593" y="2822942"/>
-              <a:ext cx="2106973" cy="1015663"/>
-            </a:xfrm>
-            <a:prstGeom prst="rect">
-              <a:avLst/>
-            </a:prstGeom>
-            <a:noFill/>
-          </p:spPr>
-          <p:txBody>
-            <a:bodyPr wrap="square" rtlCol="0">
-              <a:spAutoFit/>
-            </a:bodyPr>
-            <a:lstStyle/>
-            <a:p>
-              <a:r>
-                <a:rPr lang="en-US" sz="6000" b="1" dirty="0" smtClean="0">
-                  <a:solidFill>
-                    <a:schemeClr val="bg1">
-                      <a:lumMod val="50000"/>
-                    </a:schemeClr>
-                  </a:solidFill>
-                </a:rPr>
-                <a:t>?</a:t>
-              </a:r>
-              <a:endParaRPr lang="en-US" sz="6000" b="1" dirty="0">
-                <a:solidFill>
-                  <a:schemeClr val="bg1">
-                    <a:lumMod val="50000"/>
-                  </a:schemeClr>
-                </a:solidFill>
-              </a:endParaRPr>
-            </a:p>
-          </p:txBody>
-        </p:sp>
-      </p:grpSp>
       <p:pic>
         <p:nvPicPr>
           <p:cNvPr id="33" name="Picture 32"/>
@@ -9573,7 +12730,7 @@
           <p:nvPr/>
         </p:nvPicPr>
         <p:blipFill>
-          <a:blip r:embed="rId5" cstate="print">
+          <a:blip r:embed="rId3" cstate="print">
             <a:extLst>
               <a:ext uri="{28A0092B-C50C-407E-A947-70E740481C1C}">
                 <a14:useLocalDpi xmlns:a14="http://schemas.microsoft.com/office/drawing/2010/main" val="0"/>
@@ -9594,6 +12751,180 @@
           </a:prstGeom>
         </p:spPr>
       </p:pic>
+      <p:sp>
+        <p:nvSpPr>
+          <p:cNvPr id="14" name="Content Placeholder 2"/>
+          <p:cNvSpPr txBox="1">
+            <a:spLocks/>
+          </p:cNvSpPr>
+          <p:nvPr/>
+        </p:nvSpPr>
+        <p:spPr>
+          <a:xfrm>
+            <a:off x="604413" y="2964359"/>
+            <a:ext cx="8072043" cy="1364256"/>
+          </a:xfrm>
+          <a:prstGeom prst="rect">
+            <a:avLst/>
+          </a:prstGeom>
+        </p:spPr>
+        <p:txBody>
+          <a:bodyPr vert="horz" lIns="91440" tIns="45720" rIns="91440" bIns="45720" rtlCol="0">
+            <a:normAutofit/>
+          </a:bodyPr>
+          <a:lstStyle>
+            <a:lvl1pPr marL="342900" indent="-342900" algn="l" defTabSz="914400" rtl="0" eaLnBrk="1" latinLnBrk="0" hangingPunct="1">
+              <a:spcBef>
+                <a:spcPct val="20000"/>
+              </a:spcBef>
+              <a:buFont typeface="Arial" panose="020B0604020202020204" pitchFamily="34" charset="0"/>
+              <a:buChar char="•"/>
+              <a:defRPr sz="3200" kern="1200">
+                <a:solidFill>
+                  <a:schemeClr val="tx1"/>
+                </a:solidFill>
+                <a:latin typeface="+mn-lt"/>
+                <a:ea typeface="+mn-ea"/>
+                <a:cs typeface="+mn-cs"/>
+              </a:defRPr>
+            </a:lvl1pPr>
+            <a:lvl2pPr marL="742950" indent="-285750" algn="l" defTabSz="914400" rtl="0" eaLnBrk="1" latinLnBrk="0" hangingPunct="1">
+              <a:spcBef>
+                <a:spcPct val="20000"/>
+              </a:spcBef>
+              <a:buFont typeface="Arial" panose="020B0604020202020204" pitchFamily="34" charset="0"/>
+              <a:buChar char="–"/>
+              <a:defRPr sz="2800" kern="1200">
+                <a:solidFill>
+                  <a:schemeClr val="tx1"/>
+                </a:solidFill>
+                <a:latin typeface="+mn-lt"/>
+                <a:ea typeface="+mn-ea"/>
+                <a:cs typeface="+mn-cs"/>
+              </a:defRPr>
+            </a:lvl2pPr>
+            <a:lvl3pPr marL="1143000" indent="-228600" algn="l" defTabSz="914400" rtl="0" eaLnBrk="1" latinLnBrk="0" hangingPunct="1">
+              <a:spcBef>
+                <a:spcPct val="20000"/>
+              </a:spcBef>
+              <a:buFont typeface="Arial" panose="020B0604020202020204" pitchFamily="34" charset="0"/>
+              <a:buChar char="•"/>
+              <a:defRPr sz="2400" kern="1200">
+                <a:solidFill>
+                  <a:schemeClr val="tx1"/>
+                </a:solidFill>
+                <a:latin typeface="+mn-lt"/>
+                <a:ea typeface="+mn-ea"/>
+                <a:cs typeface="+mn-cs"/>
+              </a:defRPr>
+            </a:lvl3pPr>
+            <a:lvl4pPr marL="1600200" indent="-228600" algn="l" defTabSz="914400" rtl="0" eaLnBrk="1" latinLnBrk="0" hangingPunct="1">
+              <a:spcBef>
+                <a:spcPct val="20000"/>
+              </a:spcBef>
+              <a:buFont typeface="Arial" panose="020B0604020202020204" pitchFamily="34" charset="0"/>
+              <a:buChar char="–"/>
+              <a:defRPr sz="2000" kern="1200">
+                <a:solidFill>
+                  <a:schemeClr val="tx1"/>
+                </a:solidFill>
+                <a:latin typeface="+mn-lt"/>
+                <a:ea typeface="+mn-ea"/>
+                <a:cs typeface="+mn-cs"/>
+              </a:defRPr>
+            </a:lvl4pPr>
+            <a:lvl5pPr marL="2057400" indent="-228600" algn="l" defTabSz="914400" rtl="0" eaLnBrk="1" latinLnBrk="0" hangingPunct="1">
+              <a:spcBef>
+                <a:spcPct val="20000"/>
+              </a:spcBef>
+              <a:buFont typeface="Arial" panose="020B0604020202020204" pitchFamily="34" charset="0"/>
+              <a:buChar char="»"/>
+              <a:defRPr sz="2000" kern="1200">
+                <a:solidFill>
+                  <a:schemeClr val="tx1"/>
+                </a:solidFill>
+                <a:latin typeface="+mn-lt"/>
+                <a:ea typeface="+mn-ea"/>
+                <a:cs typeface="+mn-cs"/>
+              </a:defRPr>
+            </a:lvl5pPr>
+            <a:lvl6pPr marL="2514600" indent="-228600" algn="l" defTabSz="914400" rtl="0" eaLnBrk="1" latinLnBrk="0" hangingPunct="1">
+              <a:spcBef>
+                <a:spcPct val="20000"/>
+              </a:spcBef>
+              <a:buFont typeface="Arial" panose="020B0604020202020204" pitchFamily="34" charset="0"/>
+              <a:buChar char="•"/>
+              <a:defRPr sz="2000" kern="1200">
+                <a:solidFill>
+                  <a:schemeClr val="tx1"/>
+                </a:solidFill>
+                <a:latin typeface="+mn-lt"/>
+                <a:ea typeface="+mn-ea"/>
+                <a:cs typeface="+mn-cs"/>
+              </a:defRPr>
+            </a:lvl6pPr>
+            <a:lvl7pPr marL="2971800" indent="-228600" algn="l" defTabSz="914400" rtl="0" eaLnBrk="1" latinLnBrk="0" hangingPunct="1">
+              <a:spcBef>
+                <a:spcPct val="20000"/>
+              </a:spcBef>
+              <a:buFont typeface="Arial" panose="020B0604020202020204" pitchFamily="34" charset="0"/>
+              <a:buChar char="•"/>
+              <a:defRPr sz="2000" kern="1200">
+                <a:solidFill>
+                  <a:schemeClr val="tx1"/>
+                </a:solidFill>
+                <a:latin typeface="+mn-lt"/>
+                <a:ea typeface="+mn-ea"/>
+                <a:cs typeface="+mn-cs"/>
+              </a:defRPr>
+            </a:lvl7pPr>
+            <a:lvl8pPr marL="3429000" indent="-228600" algn="l" defTabSz="914400" rtl="0" eaLnBrk="1" latinLnBrk="0" hangingPunct="1">
+              <a:spcBef>
+                <a:spcPct val="20000"/>
+              </a:spcBef>
+              <a:buFont typeface="Arial" panose="020B0604020202020204" pitchFamily="34" charset="0"/>
+              <a:buChar char="•"/>
+              <a:defRPr sz="2000" kern="1200">
+                <a:solidFill>
+                  <a:schemeClr val="tx1"/>
+                </a:solidFill>
+                <a:latin typeface="+mn-lt"/>
+                <a:ea typeface="+mn-ea"/>
+                <a:cs typeface="+mn-cs"/>
+              </a:defRPr>
+            </a:lvl8pPr>
+            <a:lvl9pPr marL="3886200" indent="-228600" algn="l" defTabSz="914400" rtl="0" eaLnBrk="1" latinLnBrk="0" hangingPunct="1">
+              <a:spcBef>
+                <a:spcPct val="20000"/>
+              </a:spcBef>
+              <a:buFont typeface="Arial" panose="020B0604020202020204" pitchFamily="34" charset="0"/>
+              <a:buChar char="•"/>
+              <a:defRPr sz="2000" kern="1200">
+                <a:solidFill>
+                  <a:schemeClr val="tx1"/>
+                </a:solidFill>
+                <a:latin typeface="+mn-lt"/>
+                <a:ea typeface="+mn-ea"/>
+                <a:cs typeface="+mn-cs"/>
+              </a:defRPr>
+            </a:lvl9pPr>
+          </a:lstStyle>
+          <a:p>
+            <a:pPr marL="0" indent="0" algn="ctr" fontAlgn="auto">
+              <a:spcAft>
+                <a:spcPts val="0"/>
+              </a:spcAft>
+              <a:buFont typeface="Arial" panose="020B0604020202020204" pitchFamily="34" charset="0"/>
+              <a:buNone/>
+            </a:pPr>
+            <a:r>
+              <a:rPr lang="en-US" sz="2400" i="1" dirty="0" smtClean="0"/>
+              <a:t>More specifically: Can we predict the total number of violations a restaurant is likely to get based on Yelp reviews and historic inspection data? </a:t>
+            </a:r>
+            <a:endParaRPr lang="en-US" sz="2400" i="1" dirty="0"/>
+          </a:p>
+        </p:txBody>
+      </p:sp>
     </p:spTree>
     <p:extLst>
       <p:ext uri="{BB962C8B-B14F-4D97-AF65-F5344CB8AC3E}">
@@ -9615,6 +12946,344 @@
 </file>
 
 <file path=ppt/slides/slide4.xml><?xml version="1.0" encoding="utf-8"?>
+<p:sld xmlns:a="http://schemas.openxmlformats.org/drawingml/2006/main" xmlns:r="http://schemas.openxmlformats.org/officeDocument/2006/relationships" xmlns:p="http://schemas.openxmlformats.org/presentationml/2006/main">
+  <p:cSld>
+    <p:spTree>
+      <p:nvGrpSpPr>
+        <p:cNvPr id="1" name=""/>
+        <p:cNvGrpSpPr/>
+        <p:nvPr/>
+      </p:nvGrpSpPr>
+      <p:grpSpPr>
+        <a:xfrm>
+          <a:off x="0" y="0"/>
+          <a:ext cx="0" cy="0"/>
+          <a:chOff x="0" y="0"/>
+          <a:chExt cx="0" cy="0"/>
+        </a:xfrm>
+      </p:grpSpPr>
+      <p:sp>
+        <p:nvSpPr>
+          <p:cNvPr id="2" name="Title 1"/>
+          <p:cNvSpPr txBox="1">
+            <a:spLocks/>
+          </p:cNvSpPr>
+          <p:nvPr/>
+        </p:nvSpPr>
+        <p:spPr>
+          <a:xfrm>
+            <a:off x="628650" y="-265981"/>
+            <a:ext cx="7886700" cy="1325563"/>
+          </a:xfrm>
+          <a:prstGeom prst="rect">
+            <a:avLst/>
+          </a:prstGeom>
+        </p:spPr>
+        <p:txBody>
+          <a:bodyPr vert="horz" lIns="91440" tIns="45720" rIns="91440" bIns="45720" rtlCol="0" anchor="ctr">
+            <a:normAutofit/>
+          </a:bodyPr>
+          <a:lstStyle>
+            <a:lvl1pPr algn="ctr" defTabSz="914400" rtl="0" eaLnBrk="1" latinLnBrk="0" hangingPunct="1">
+              <a:spcBef>
+                <a:spcPct val="0"/>
+              </a:spcBef>
+              <a:buNone/>
+              <a:defRPr sz="4400" kern="1200">
+                <a:solidFill>
+                  <a:schemeClr val="tx1"/>
+                </a:solidFill>
+                <a:latin typeface="+mj-lt"/>
+                <a:ea typeface="+mj-ea"/>
+                <a:cs typeface="+mj-cs"/>
+              </a:defRPr>
+            </a:lvl1pPr>
+          </a:lstStyle>
+          <a:p>
+            <a:pPr fontAlgn="auto">
+              <a:spcBef>
+                <a:spcPts val="1000"/>
+              </a:spcBef>
+              <a:spcAft>
+                <a:spcPts val="0"/>
+              </a:spcAft>
+              <a:buFont typeface="Arial" panose="020B0604020202020204" pitchFamily="34" charset="0"/>
+              <a:buNone/>
+            </a:pPr>
+            <a:r>
+              <a:rPr lang="en-US" dirty="0" smtClean="0">
+                <a:solidFill>
+                  <a:schemeClr val="accent1">
+                    <a:lumMod val="50000"/>
+                  </a:schemeClr>
+                </a:solidFill>
+                <a:latin typeface="+mn-lt"/>
+                <a:ea typeface="+mn-ea"/>
+                <a:cs typeface="+mn-cs"/>
+              </a:rPr>
+              <a:t>Prediction</a:t>
+            </a:r>
+            <a:endParaRPr lang="en-US" dirty="0">
+              <a:solidFill>
+                <a:schemeClr val="accent1">
+                  <a:lumMod val="50000"/>
+                </a:schemeClr>
+              </a:solidFill>
+              <a:latin typeface="+mn-lt"/>
+              <a:ea typeface="+mn-ea"/>
+              <a:cs typeface="+mn-cs"/>
+            </a:endParaRPr>
+          </a:p>
+        </p:txBody>
+      </p:sp>
+      <p:cxnSp>
+        <p:nvCxnSpPr>
+          <p:cNvPr id="5" name="Straight Connector 4"/>
+          <p:cNvCxnSpPr/>
+          <p:nvPr/>
+        </p:nvCxnSpPr>
+        <p:spPr>
+          <a:xfrm>
+            <a:off x="728131" y="859030"/>
+            <a:ext cx="7789334" cy="16934"/>
+          </a:xfrm>
+          <a:prstGeom prst="line">
+            <a:avLst/>
+          </a:prstGeom>
+        </p:spPr>
+        <p:style>
+          <a:lnRef idx="2">
+            <a:schemeClr val="accent1"/>
+          </a:lnRef>
+          <a:fillRef idx="0">
+            <a:schemeClr val="accent1"/>
+          </a:fillRef>
+          <a:effectRef idx="1">
+            <a:schemeClr val="accent1"/>
+          </a:effectRef>
+          <a:fontRef idx="minor">
+            <a:schemeClr val="tx1"/>
+          </a:fontRef>
+        </p:style>
+      </p:cxnSp>
+      <p:sp>
+        <p:nvSpPr>
+          <p:cNvPr id="6" name="TextBox 5"/>
+          <p:cNvSpPr txBox="1"/>
+          <p:nvPr/>
+        </p:nvSpPr>
+        <p:spPr>
+          <a:xfrm>
+            <a:off x="642310" y="917139"/>
+            <a:ext cx="7960976" cy="1477328"/>
+          </a:xfrm>
+          <a:prstGeom prst="rect">
+            <a:avLst/>
+          </a:prstGeom>
+          <a:noFill/>
+        </p:spPr>
+        <p:txBody>
+          <a:bodyPr wrap="square" rtlCol="0">
+            <a:spAutoFit/>
+          </a:bodyPr>
+          <a:lstStyle/>
+          <a:p>
+            <a:pPr algn="l"/>
+            <a:r>
+              <a:rPr lang="en-US" sz="1800" dirty="0" smtClean="0"/>
+              <a:t>Competition: Predict the number of health violations, by severity, a restaurant is likely to receive</a:t>
+            </a:r>
+          </a:p>
+          <a:p>
+            <a:pPr algn="l"/>
+            <a:endParaRPr lang="en-US" sz="1800" dirty="0" smtClean="0"/>
+          </a:p>
+          <a:p>
+            <a:pPr algn="l"/>
+            <a:r>
+              <a:rPr lang="en-US" sz="1800" dirty="0" smtClean="0"/>
+              <a:t>My Prediction: Total number of health violations, regardless of severity, a restaurant is likely to receive (Regression)</a:t>
+            </a:r>
+            <a:endParaRPr lang="en-US" sz="1800" dirty="0"/>
+          </a:p>
+        </p:txBody>
+      </p:sp>
+      <p:pic>
+        <p:nvPicPr>
+          <p:cNvPr id="7" name="Picture 6"/>
+          <p:cNvPicPr>
+            <a:picLocks noChangeAspect="1"/>
+          </p:cNvPicPr>
+          <p:nvPr/>
+        </p:nvPicPr>
+        <p:blipFill>
+          <a:blip r:embed="rId4" cstate="print">
+            <a:extLst>
+              <a:ext uri="{28A0092B-C50C-407E-A947-70E740481C1C}">
+                <a14:useLocalDpi xmlns:a14="http://schemas.microsoft.com/office/drawing/2010/main" val="0"/>
+              </a:ext>
+            </a:extLst>
+          </a:blip>
+          <a:stretch>
+            <a:fillRect/>
+          </a:stretch>
+        </p:blipFill>
+        <p:spPr>
+          <a:xfrm>
+            <a:off x="19510" y="4793988"/>
+            <a:ext cx="1019947" cy="305984"/>
+          </a:xfrm>
+          <a:prstGeom prst="rect">
+            <a:avLst/>
+          </a:prstGeom>
+        </p:spPr>
+      </p:pic>
+      <p:graphicFrame>
+        <p:nvGraphicFramePr>
+          <p:cNvPr id="8" name="Object 7"/>
+          <p:cNvGraphicFramePr>
+            <a:graphicFrameLocks noChangeAspect="1"/>
+          </p:cNvGraphicFramePr>
+          <p:nvPr>
+            <p:extLst>
+              <p:ext uri="{D42A27DB-BD31-4B8C-83A1-F6EECF244321}">
+                <p14:modId xmlns:p14="http://schemas.microsoft.com/office/powerpoint/2010/main" val="1079911931"/>
+              </p:ext>
+            </p:extLst>
+          </p:nvPr>
+        </p:nvGraphicFramePr>
+        <p:xfrm>
+          <a:off x="1187624" y="2639759"/>
+          <a:ext cx="5832648" cy="1607973"/>
+        </p:xfrm>
+        <a:graphic>
+          <a:graphicData uri="http://schemas.openxmlformats.org/presentationml/2006/ole">
+            <mc:AlternateContent xmlns:mc="http://schemas.openxmlformats.org/markup-compatibility/2006">
+              <mc:Choice xmlns:v="urn:schemas-microsoft-com:vml" Requires="v">
+                <p:oleObj spid="_x0000_s1056" name="Worksheet" r:id="rId5" imgW="5562577" imgH="1533457" progId="Excel.Sheet.12">
+                  <p:embed/>
+                </p:oleObj>
+              </mc:Choice>
+              <mc:Fallback>
+                <p:oleObj name="Worksheet" r:id="rId5" imgW="5562577" imgH="1533457" progId="Excel.Sheet.12">
+                  <p:embed/>
+                  <p:pic>
+                    <p:nvPicPr>
+                      <p:cNvPr id="0" name=""/>
+                      <p:cNvPicPr/>
+                      <p:nvPr/>
+                    </p:nvPicPr>
+                    <p:blipFill>
+                      <a:blip r:embed="rId6"/>
+                      <a:stretch>
+                        <a:fillRect/>
+                      </a:stretch>
+                    </p:blipFill>
+                    <p:spPr>
+                      <a:xfrm>
+                        <a:off x="1187624" y="2639759"/>
+                        <a:ext cx="5832648" cy="1607973"/>
+                      </a:xfrm>
+                      <a:prstGeom prst="rect">
+                        <a:avLst/>
+                      </a:prstGeom>
+                    </p:spPr>
+                  </p:pic>
+                </p:oleObj>
+              </mc:Fallback>
+            </mc:AlternateContent>
+          </a:graphicData>
+        </a:graphic>
+      </p:graphicFrame>
+      <p:sp>
+        <p:nvSpPr>
+          <p:cNvPr id="9" name="Right Brace 8"/>
+          <p:cNvSpPr/>
+          <p:nvPr/>
+        </p:nvSpPr>
+        <p:spPr>
+          <a:xfrm rot="5400000">
+            <a:off x="6286298" y="3837866"/>
+            <a:ext cx="240116" cy="1140229"/>
+          </a:xfrm>
+          <a:prstGeom prst="rightBrace">
+            <a:avLst/>
+          </a:prstGeom>
+        </p:spPr>
+        <p:style>
+          <a:lnRef idx="1">
+            <a:schemeClr val="accent1"/>
+          </a:lnRef>
+          <a:fillRef idx="0">
+            <a:schemeClr val="accent1"/>
+          </a:fillRef>
+          <a:effectRef idx="0">
+            <a:schemeClr val="accent1"/>
+          </a:effectRef>
+          <a:fontRef idx="minor">
+            <a:schemeClr val="tx1"/>
+          </a:fontRef>
+        </p:style>
+        <p:txBody>
+          <a:bodyPr rtlCol="0" anchor="ctr"/>
+          <a:lstStyle/>
+          <a:p>
+            <a:pPr algn="ctr"/>
+            <a:endParaRPr lang="en-US"/>
+          </a:p>
+        </p:txBody>
+      </p:sp>
+      <p:sp>
+        <p:nvSpPr>
+          <p:cNvPr id="10" name="TextBox 9"/>
+          <p:cNvSpPr txBox="1"/>
+          <p:nvPr/>
+        </p:nvSpPr>
+        <p:spPr>
+          <a:xfrm>
+            <a:off x="5650272" y="4568229"/>
+            <a:ext cx="1512168" cy="307777"/>
+          </a:xfrm>
+          <a:prstGeom prst="rect">
+            <a:avLst/>
+          </a:prstGeom>
+          <a:noFill/>
+        </p:spPr>
+        <p:txBody>
+          <a:bodyPr wrap="square" rtlCol="0">
+            <a:spAutoFit/>
+          </a:bodyPr>
+          <a:lstStyle/>
+          <a:p>
+            <a:r>
+              <a:rPr lang="en-US" sz="1400" dirty="0" smtClean="0"/>
+              <a:t>Prediction</a:t>
+            </a:r>
+            <a:endParaRPr lang="en-US" sz="1400" dirty="0"/>
+          </a:p>
+        </p:txBody>
+      </p:sp>
+    </p:spTree>
+    <p:extLst>
+      <p:ext uri="{BB962C8B-B14F-4D97-AF65-F5344CB8AC3E}">
+        <p14:creationId xmlns:p14="http://schemas.microsoft.com/office/powerpoint/2010/main" val="1884338670"/>
+      </p:ext>
+    </p:extLst>
+  </p:cSld>
+  <p:clrMapOvr>
+    <a:masterClrMapping/>
+  </p:clrMapOvr>
+  <p:timing>
+    <p:tnLst>
+      <p:par>
+        <p:cTn xmlns:p14="http://schemas.microsoft.com/office/powerpoint/2010/main" id="1" dur="indefinite" restart="never" nodeType="tmRoot"/>
+      </p:par>
+    </p:tnLst>
+  </p:timing>
+</p:sld>
+</file>
+
+<file path=ppt/slides/slide5.xml><?xml version="1.0" encoding="utf-8"?>
 <p:sld xmlns:a="http://schemas.openxmlformats.org/drawingml/2006/main" xmlns:r="http://schemas.openxmlformats.org/officeDocument/2006/relationships" xmlns:p="http://schemas.openxmlformats.org/presentationml/2006/main">
   <p:cSld>
     <p:spTree>
@@ -10171,30 +13840,6 @@
           </a:p>
         </p:txBody>
       </p:sp>
-      <p:pic>
-        <p:nvPicPr>
-          <p:cNvPr id="17" name="Picture 16"/>
-          <p:cNvPicPr>
-            <a:picLocks noChangeAspect="1"/>
-          </p:cNvPicPr>
-          <p:nvPr/>
-        </p:nvPicPr>
-        <p:blipFill>
-          <a:blip r:embed="rId3"/>
-          <a:stretch>
-            <a:fillRect/>
-          </a:stretch>
-        </p:blipFill>
-        <p:spPr>
-          <a:xfrm>
-            <a:off x="251520" y="3686192"/>
-            <a:ext cx="3059500" cy="1089970"/>
-          </a:xfrm>
-          <a:prstGeom prst="rect">
-            <a:avLst/>
-          </a:prstGeom>
-        </p:spPr>
-      </p:pic>
       <p:cxnSp>
         <p:nvCxnSpPr>
           <p:cNvPr id="18" name="Straight Connector 17"/>
@@ -10234,6 +13879,47 @@
           <p:nvPr/>
         </p:nvPicPr>
         <p:blipFill>
+          <a:blip r:embed="rId3" cstate="print">
+            <a:extLst>
+              <a:ext uri="{28A0092B-C50C-407E-A947-70E740481C1C}">
+                <a14:useLocalDpi xmlns:a14="http://schemas.microsoft.com/office/drawing/2010/main" val="0"/>
+              </a:ext>
+            </a:extLst>
+          </a:blip>
+          <a:srcRect/>
+          <a:stretch>
+            <a:fillRect/>
+          </a:stretch>
+        </p:blipFill>
+        <p:spPr bwMode="auto">
+          <a:xfrm>
+            <a:off x="983234" y="483518"/>
+            <a:ext cx="1472196" cy="1472197"/>
+          </a:xfrm>
+          <a:prstGeom prst="rect">
+            <a:avLst/>
+          </a:prstGeom>
+          <a:noFill/>
+          <a:extLst>
+            <a:ext uri="{909E8E84-426E-40dd-AFC4-6F175D3DCCD1}">
+              <a14:hiddenFill xmlns:a14="http://schemas.microsoft.com/office/drawing/2010/main">
+                <a:solidFill>
+                  <a:srgbClr val="FFFFFF"/>
+                </a:solidFill>
+              </a14:hiddenFill>
+            </a:ext>
+          </a:extLst>
+        </p:spPr>
+      </p:pic>
+      <p:pic>
+        <p:nvPicPr>
+          <p:cNvPr id="22" name="Picture 4" descr="http://community.drivendata.org/uploads/default/104/7e00d30ee1c848a7.gif"/>
+          <p:cNvPicPr>
+            <a:picLocks noChangeAspect="1" noChangeArrowheads="1"/>
+          </p:cNvPicPr>
+          <p:nvPr/>
+        </p:nvPicPr>
+        <p:blipFill>
           <a:blip r:embed="rId4" cstate="print">
             <a:extLst>
               <a:ext uri="{28A0092B-C50C-407E-A947-70E740481C1C}">
@@ -10248,8 +13934,8 @@
         </p:blipFill>
         <p:spPr bwMode="auto">
           <a:xfrm>
-            <a:off x="983234" y="483518"/>
-            <a:ext cx="1472196" cy="1472197"/>
+            <a:off x="7011073" y="847886"/>
+            <a:ext cx="888876" cy="934853"/>
           </a:xfrm>
           <a:prstGeom prst="rect">
             <a:avLst/>
@@ -10268,9 +13954,9 @@
       </p:pic>
       <p:pic>
         <p:nvPicPr>
-          <p:cNvPr id="22" name="Picture 4" descr="http://community.drivendata.org/uploads/default/104/7e00d30ee1c848a7.gif"/>
+          <p:cNvPr id="23" name="Picture 22"/>
           <p:cNvPicPr>
-            <a:picLocks noChangeAspect="1" noChangeArrowheads="1"/>
+            <a:picLocks noChangeAspect="1"/>
           </p:cNvPicPr>
           <p:nvPr/>
         </p:nvPicPr>
@@ -10282,47 +13968,6 @@
               </a:ext>
             </a:extLst>
           </a:blip>
-          <a:srcRect/>
-          <a:stretch>
-            <a:fillRect/>
-          </a:stretch>
-        </p:blipFill>
-        <p:spPr bwMode="auto">
-          <a:xfrm>
-            <a:off x="7011073" y="847886"/>
-            <a:ext cx="888876" cy="934853"/>
-          </a:xfrm>
-          <a:prstGeom prst="rect">
-            <a:avLst/>
-          </a:prstGeom>
-          <a:noFill/>
-          <a:extLst>
-            <a:ext uri="{909E8E84-426E-40dd-AFC4-6F175D3DCCD1}">
-              <a14:hiddenFill xmlns:a14="http://schemas.microsoft.com/office/drawing/2010/main">
-                <a:solidFill>
-                  <a:srgbClr val="FFFFFF"/>
-                </a:solidFill>
-              </a14:hiddenFill>
-            </a:ext>
-          </a:extLst>
-        </p:spPr>
-      </p:pic>
-      <p:pic>
-        <p:nvPicPr>
-          <p:cNvPr id="23" name="Picture 22"/>
-          <p:cNvPicPr>
-            <a:picLocks noChangeAspect="1"/>
-          </p:cNvPicPr>
-          <p:nvPr/>
-        </p:nvPicPr>
-        <p:blipFill>
-          <a:blip r:embed="rId6" cstate="print">
-            <a:extLst>
-              <a:ext uri="{28A0092B-C50C-407E-A947-70E740481C1C}">
-                <a14:useLocalDpi xmlns:a14="http://schemas.microsoft.com/office/drawing/2010/main" val="0"/>
-              </a:ext>
-            </a:extLst>
-          </a:blip>
           <a:stretch>
             <a:fillRect/>
           </a:stretch>
@@ -10341,446 +13986,6 @@
     <p:extLst>
       <p:ext uri="{BB962C8B-B14F-4D97-AF65-F5344CB8AC3E}">
         <p14:creationId xmlns:p14="http://schemas.microsoft.com/office/powerpoint/2010/main" val="2579058303"/>
-      </p:ext>
-    </p:extLst>
-  </p:cSld>
-  <p:clrMapOvr>
-    <a:masterClrMapping/>
-  </p:clrMapOvr>
-  <p:timing>
-    <p:tnLst>
-      <p:par>
-        <p:cTn xmlns:p14="http://schemas.microsoft.com/office/powerpoint/2010/main" id="1" dur="indefinite" restart="never" nodeType="tmRoot"/>
-      </p:par>
-    </p:tnLst>
-  </p:timing>
-</p:sld>
-</file>
-
-<file path=ppt/slides/slide5.xml><?xml version="1.0" encoding="utf-8"?>
-<p:sld xmlns:a="http://schemas.openxmlformats.org/drawingml/2006/main" xmlns:r="http://schemas.openxmlformats.org/officeDocument/2006/relationships" xmlns:p="http://schemas.openxmlformats.org/presentationml/2006/main">
-  <p:cSld>
-    <p:spTree>
-      <p:nvGrpSpPr>
-        <p:cNvPr id="1" name=""/>
-        <p:cNvGrpSpPr/>
-        <p:nvPr/>
-      </p:nvGrpSpPr>
-      <p:grpSpPr>
-        <a:xfrm>
-          <a:off x="0" y="0"/>
-          <a:ext cx="0" cy="0"/>
-          <a:chOff x="0" y="0"/>
-          <a:chExt cx="0" cy="0"/>
-        </a:xfrm>
-      </p:grpSpPr>
-      <p:sp>
-        <p:nvSpPr>
-          <p:cNvPr id="2" name="Title 1"/>
-          <p:cNvSpPr txBox="1">
-            <a:spLocks/>
-          </p:cNvSpPr>
-          <p:nvPr/>
-        </p:nvSpPr>
-        <p:spPr>
-          <a:xfrm>
-            <a:off x="628650" y="-265981"/>
-            <a:ext cx="7886700" cy="1325563"/>
-          </a:xfrm>
-          <a:prstGeom prst="rect">
-            <a:avLst/>
-          </a:prstGeom>
-        </p:spPr>
-        <p:txBody>
-          <a:bodyPr vert="horz" lIns="91440" tIns="45720" rIns="91440" bIns="45720" rtlCol="0" anchor="ctr">
-            <a:normAutofit/>
-          </a:bodyPr>
-          <a:lstStyle>
-            <a:lvl1pPr algn="ctr" defTabSz="914400" rtl="0" eaLnBrk="1" latinLnBrk="0" hangingPunct="1">
-              <a:spcBef>
-                <a:spcPct val="0"/>
-              </a:spcBef>
-              <a:buNone/>
-              <a:defRPr sz="4400" kern="1200">
-                <a:solidFill>
-                  <a:schemeClr val="tx1"/>
-                </a:solidFill>
-                <a:latin typeface="+mj-lt"/>
-                <a:ea typeface="+mj-ea"/>
-                <a:cs typeface="+mj-cs"/>
-              </a:defRPr>
-            </a:lvl1pPr>
-          </a:lstStyle>
-          <a:p>
-            <a:pPr fontAlgn="auto">
-              <a:spcBef>
-                <a:spcPts val="1000"/>
-              </a:spcBef>
-              <a:spcAft>
-                <a:spcPts val="0"/>
-              </a:spcAft>
-              <a:buFont typeface="Arial" panose="020B0604020202020204" pitchFamily="34" charset="0"/>
-              <a:buNone/>
-            </a:pPr>
-            <a:r>
-              <a:rPr lang="en-US" dirty="0" smtClean="0">
-                <a:solidFill>
-                  <a:schemeClr val="accent1">
-                    <a:lumMod val="50000"/>
-                  </a:schemeClr>
-                </a:solidFill>
-                <a:latin typeface="+mn-lt"/>
-                <a:ea typeface="+mn-ea"/>
-                <a:cs typeface="+mn-cs"/>
-              </a:rPr>
-              <a:t>Submission Data</a:t>
-            </a:r>
-            <a:endParaRPr lang="en-US" dirty="0">
-              <a:solidFill>
-                <a:schemeClr val="accent1">
-                  <a:lumMod val="50000"/>
-                </a:schemeClr>
-              </a:solidFill>
-              <a:latin typeface="+mn-lt"/>
-              <a:ea typeface="+mn-ea"/>
-              <a:cs typeface="+mn-cs"/>
-            </a:endParaRPr>
-          </a:p>
-        </p:txBody>
-      </p:sp>
-      <p:sp>
-        <p:nvSpPr>
-          <p:cNvPr id="3" name="Content Placeholder 2"/>
-          <p:cNvSpPr txBox="1">
-            <a:spLocks/>
-          </p:cNvSpPr>
-          <p:nvPr/>
-        </p:nvSpPr>
-        <p:spPr>
-          <a:xfrm>
-            <a:off x="1619672" y="3795886"/>
-            <a:ext cx="3689350" cy="1557876"/>
-          </a:xfrm>
-          <a:prstGeom prst="rect">
-            <a:avLst/>
-          </a:prstGeom>
-        </p:spPr>
-        <p:txBody>
-          <a:bodyPr>
-            <a:normAutofit/>
-          </a:bodyPr>
-          <a:lstStyle>
-            <a:lvl1pPr marL="342900" indent="-342900" algn="l" defTabSz="914400" rtl="0" eaLnBrk="1" latinLnBrk="0" hangingPunct="1">
-              <a:spcBef>
-                <a:spcPct val="20000"/>
-              </a:spcBef>
-              <a:buFont typeface="Arial" panose="020B0604020202020204" pitchFamily="34" charset="0"/>
-              <a:buChar char="•"/>
-              <a:defRPr sz="3200" kern="1200">
-                <a:solidFill>
-                  <a:schemeClr val="tx1"/>
-                </a:solidFill>
-                <a:latin typeface="+mn-lt"/>
-                <a:ea typeface="+mn-ea"/>
-                <a:cs typeface="+mn-cs"/>
-              </a:defRPr>
-            </a:lvl1pPr>
-            <a:lvl2pPr marL="742950" indent="-285750" algn="l" defTabSz="914400" rtl="0" eaLnBrk="1" latinLnBrk="0" hangingPunct="1">
-              <a:spcBef>
-                <a:spcPct val="20000"/>
-              </a:spcBef>
-              <a:buFont typeface="Arial" panose="020B0604020202020204" pitchFamily="34" charset="0"/>
-              <a:buChar char="–"/>
-              <a:defRPr sz="2800" kern="1200">
-                <a:solidFill>
-                  <a:schemeClr val="tx1"/>
-                </a:solidFill>
-                <a:latin typeface="+mn-lt"/>
-                <a:ea typeface="+mn-ea"/>
-                <a:cs typeface="+mn-cs"/>
-              </a:defRPr>
-            </a:lvl2pPr>
-            <a:lvl3pPr marL="1143000" indent="-228600" algn="l" defTabSz="914400" rtl="0" eaLnBrk="1" latinLnBrk="0" hangingPunct="1">
-              <a:spcBef>
-                <a:spcPct val="20000"/>
-              </a:spcBef>
-              <a:buFont typeface="Arial" panose="020B0604020202020204" pitchFamily="34" charset="0"/>
-              <a:buChar char="•"/>
-              <a:defRPr sz="2400" kern="1200">
-                <a:solidFill>
-                  <a:schemeClr val="tx1"/>
-                </a:solidFill>
-                <a:latin typeface="+mn-lt"/>
-                <a:ea typeface="+mn-ea"/>
-                <a:cs typeface="+mn-cs"/>
-              </a:defRPr>
-            </a:lvl3pPr>
-            <a:lvl4pPr marL="1600200" indent="-228600" algn="l" defTabSz="914400" rtl="0" eaLnBrk="1" latinLnBrk="0" hangingPunct="1">
-              <a:spcBef>
-                <a:spcPct val="20000"/>
-              </a:spcBef>
-              <a:buFont typeface="Arial" panose="020B0604020202020204" pitchFamily="34" charset="0"/>
-              <a:buChar char="–"/>
-              <a:defRPr sz="2000" kern="1200">
-                <a:solidFill>
-                  <a:schemeClr val="tx1"/>
-                </a:solidFill>
-                <a:latin typeface="+mn-lt"/>
-                <a:ea typeface="+mn-ea"/>
-                <a:cs typeface="+mn-cs"/>
-              </a:defRPr>
-            </a:lvl4pPr>
-            <a:lvl5pPr marL="2057400" indent="-228600" algn="l" defTabSz="914400" rtl="0" eaLnBrk="1" latinLnBrk="0" hangingPunct="1">
-              <a:spcBef>
-                <a:spcPct val="20000"/>
-              </a:spcBef>
-              <a:buFont typeface="Arial" panose="020B0604020202020204" pitchFamily="34" charset="0"/>
-              <a:buChar char="»"/>
-              <a:defRPr sz="2000" kern="1200">
-                <a:solidFill>
-                  <a:schemeClr val="tx1"/>
-                </a:solidFill>
-                <a:latin typeface="+mn-lt"/>
-                <a:ea typeface="+mn-ea"/>
-                <a:cs typeface="+mn-cs"/>
-              </a:defRPr>
-            </a:lvl5pPr>
-            <a:lvl6pPr marL="2514600" indent="-228600" algn="l" defTabSz="914400" rtl="0" eaLnBrk="1" latinLnBrk="0" hangingPunct="1">
-              <a:spcBef>
-                <a:spcPct val="20000"/>
-              </a:spcBef>
-              <a:buFont typeface="Arial" panose="020B0604020202020204" pitchFamily="34" charset="0"/>
-              <a:buChar char="•"/>
-              <a:defRPr sz="2000" kern="1200">
-                <a:solidFill>
-                  <a:schemeClr val="tx1"/>
-                </a:solidFill>
-                <a:latin typeface="+mn-lt"/>
-                <a:ea typeface="+mn-ea"/>
-                <a:cs typeface="+mn-cs"/>
-              </a:defRPr>
-            </a:lvl6pPr>
-            <a:lvl7pPr marL="2971800" indent="-228600" algn="l" defTabSz="914400" rtl="0" eaLnBrk="1" latinLnBrk="0" hangingPunct="1">
-              <a:spcBef>
-                <a:spcPct val="20000"/>
-              </a:spcBef>
-              <a:buFont typeface="Arial" panose="020B0604020202020204" pitchFamily="34" charset="0"/>
-              <a:buChar char="•"/>
-              <a:defRPr sz="2000" kern="1200">
-                <a:solidFill>
-                  <a:schemeClr val="tx1"/>
-                </a:solidFill>
-                <a:latin typeface="+mn-lt"/>
-                <a:ea typeface="+mn-ea"/>
-                <a:cs typeface="+mn-cs"/>
-              </a:defRPr>
-            </a:lvl7pPr>
-            <a:lvl8pPr marL="3429000" indent="-228600" algn="l" defTabSz="914400" rtl="0" eaLnBrk="1" latinLnBrk="0" hangingPunct="1">
-              <a:spcBef>
-                <a:spcPct val="20000"/>
-              </a:spcBef>
-              <a:buFont typeface="Arial" panose="020B0604020202020204" pitchFamily="34" charset="0"/>
-              <a:buChar char="•"/>
-              <a:defRPr sz="2000" kern="1200">
-                <a:solidFill>
-                  <a:schemeClr val="tx1"/>
-                </a:solidFill>
-                <a:latin typeface="+mn-lt"/>
-                <a:ea typeface="+mn-ea"/>
-                <a:cs typeface="+mn-cs"/>
-              </a:defRPr>
-            </a:lvl8pPr>
-            <a:lvl9pPr marL="3886200" indent="-228600" algn="l" defTabSz="914400" rtl="0" eaLnBrk="1" latinLnBrk="0" hangingPunct="1">
-              <a:spcBef>
-                <a:spcPct val="20000"/>
-              </a:spcBef>
-              <a:buFont typeface="Arial" panose="020B0604020202020204" pitchFamily="34" charset="0"/>
-              <a:buChar char="•"/>
-              <a:defRPr sz="2000" kern="1200">
-                <a:solidFill>
-                  <a:schemeClr val="tx1"/>
-                </a:solidFill>
-                <a:latin typeface="+mn-lt"/>
-                <a:ea typeface="+mn-ea"/>
-                <a:cs typeface="+mn-cs"/>
-              </a:defRPr>
-            </a:lvl9pPr>
-          </a:lstStyle>
-          <a:p>
-            <a:pPr fontAlgn="auto">
-              <a:spcAft>
-                <a:spcPts val="0"/>
-              </a:spcAft>
-            </a:pPr>
-            <a:r>
-              <a:rPr lang="en-US" sz="1600" dirty="0" smtClean="0"/>
-              <a:t>Minor Violation </a:t>
-            </a:r>
-            <a:r>
-              <a:rPr lang="en-US" sz="1600" dirty="0"/>
-              <a:t>= *</a:t>
-            </a:r>
-            <a:endParaRPr lang="en-US" sz="1600" dirty="0" smtClean="0"/>
-          </a:p>
-          <a:p>
-            <a:pPr fontAlgn="auto">
-              <a:spcAft>
-                <a:spcPts val="0"/>
-              </a:spcAft>
-            </a:pPr>
-            <a:r>
-              <a:rPr lang="en-US" sz="1600" dirty="0" smtClean="0"/>
-              <a:t>Major Violation </a:t>
-            </a:r>
-            <a:r>
-              <a:rPr lang="en-US" sz="1600" dirty="0"/>
-              <a:t>= </a:t>
-            </a:r>
-            <a:r>
-              <a:rPr lang="en-US" sz="1600" dirty="0" smtClean="0"/>
-              <a:t> **</a:t>
-            </a:r>
-          </a:p>
-          <a:p>
-            <a:pPr fontAlgn="auto">
-              <a:spcAft>
-                <a:spcPts val="0"/>
-              </a:spcAft>
-            </a:pPr>
-            <a:r>
-              <a:rPr lang="en-US" sz="1600" dirty="0" smtClean="0"/>
-              <a:t>Severe </a:t>
-            </a:r>
-            <a:r>
-              <a:rPr lang="en-US" sz="1600" dirty="0"/>
-              <a:t>Violation </a:t>
-            </a:r>
-            <a:r>
-              <a:rPr lang="en-US" sz="1600" dirty="0" smtClean="0"/>
-              <a:t>= ***</a:t>
-            </a:r>
-            <a:endParaRPr lang="en-US" sz="1600" dirty="0"/>
-          </a:p>
-        </p:txBody>
-      </p:sp>
-      <p:pic>
-        <p:nvPicPr>
-          <p:cNvPr id="4" name="Picture 3"/>
-          <p:cNvPicPr>
-            <a:picLocks noChangeAspect="1"/>
-          </p:cNvPicPr>
-          <p:nvPr/>
-        </p:nvPicPr>
-        <p:blipFill>
-          <a:blip r:embed="rId3"/>
-          <a:stretch>
-            <a:fillRect/>
-          </a:stretch>
-        </p:blipFill>
-        <p:spPr>
-          <a:xfrm>
-            <a:off x="1868586" y="1923678"/>
-            <a:ext cx="5339101" cy="1744363"/>
-          </a:xfrm>
-          <a:prstGeom prst="rect">
-            <a:avLst/>
-          </a:prstGeom>
-        </p:spPr>
-      </p:pic>
-      <p:cxnSp>
-        <p:nvCxnSpPr>
-          <p:cNvPr id="5" name="Straight Connector 4"/>
-          <p:cNvCxnSpPr/>
-          <p:nvPr/>
-        </p:nvCxnSpPr>
-        <p:spPr>
-          <a:xfrm>
-            <a:off x="728131" y="859030"/>
-            <a:ext cx="7789334" cy="16934"/>
-          </a:xfrm>
-          <a:prstGeom prst="line">
-            <a:avLst/>
-          </a:prstGeom>
-        </p:spPr>
-        <p:style>
-          <a:lnRef idx="2">
-            <a:schemeClr val="accent1"/>
-          </a:lnRef>
-          <a:fillRef idx="0">
-            <a:schemeClr val="accent1"/>
-          </a:fillRef>
-          <a:effectRef idx="1">
-            <a:schemeClr val="accent1"/>
-          </a:effectRef>
-          <a:fontRef idx="minor">
-            <a:schemeClr val="tx1"/>
-          </a:fontRef>
-        </p:style>
-      </p:cxnSp>
-      <p:sp>
-        <p:nvSpPr>
-          <p:cNvPr id="6" name="TextBox 5"/>
-          <p:cNvSpPr txBox="1"/>
-          <p:nvPr/>
-        </p:nvSpPr>
-        <p:spPr>
-          <a:xfrm>
-            <a:off x="643472" y="987574"/>
-            <a:ext cx="7789330" cy="707886"/>
-          </a:xfrm>
-          <a:prstGeom prst="rect">
-            <a:avLst/>
-          </a:prstGeom>
-          <a:noFill/>
-        </p:spPr>
-        <p:txBody>
-          <a:bodyPr wrap="square" rtlCol="0">
-            <a:spAutoFit/>
-          </a:bodyPr>
-          <a:lstStyle/>
-          <a:p>
-            <a:r>
-              <a:rPr lang="en-US" sz="2000" dirty="0" smtClean="0"/>
-              <a:t>Predict the number of health violations, by severity, a restaurant is likely to receive</a:t>
-            </a:r>
-            <a:endParaRPr lang="en-US" sz="2000" dirty="0"/>
-          </a:p>
-        </p:txBody>
-      </p:sp>
-      <p:pic>
-        <p:nvPicPr>
-          <p:cNvPr id="7" name="Picture 6"/>
-          <p:cNvPicPr>
-            <a:picLocks noChangeAspect="1"/>
-          </p:cNvPicPr>
-          <p:nvPr/>
-        </p:nvPicPr>
-        <p:blipFill>
-          <a:blip r:embed="rId4" cstate="print">
-            <a:extLst>
-              <a:ext uri="{28A0092B-C50C-407E-A947-70E740481C1C}">
-                <a14:useLocalDpi xmlns:a14="http://schemas.microsoft.com/office/drawing/2010/main" val="0"/>
-              </a:ext>
-            </a:extLst>
-          </a:blip>
-          <a:stretch>
-            <a:fillRect/>
-          </a:stretch>
-        </p:blipFill>
-        <p:spPr>
-          <a:xfrm>
-            <a:off x="19510" y="4793988"/>
-            <a:ext cx="1019947" cy="305984"/>
-          </a:xfrm>
-          <a:prstGeom prst="rect">
-            <a:avLst/>
-          </a:prstGeom>
-        </p:spPr>
-      </p:pic>
-    </p:spTree>
-    <p:extLst>
-      <p:ext uri="{BB962C8B-B14F-4D97-AF65-F5344CB8AC3E}">
-        <p14:creationId xmlns:p14="http://schemas.microsoft.com/office/powerpoint/2010/main" val="1884338670"/>
       </p:ext>
     </p:extLst>
   </p:cSld>
@@ -10873,7 +14078,7 @@
                 <a:ea typeface="+mn-ea"/>
                 <a:cs typeface="+mn-cs"/>
               </a:rPr>
-              <a:t>Data Cleaned</a:t>
+              <a:t>Pre-processing &amp; Cleaning</a:t>
             </a:r>
             <a:endParaRPr lang="en-US" dirty="0">
               <a:solidFill>
@@ -10898,8 +14103,8 @@
         </p:nvSpPr>
         <p:spPr>
           <a:xfrm>
-            <a:off x="628649" y="1131590"/>
-            <a:ext cx="8320797" cy="4351338"/>
+            <a:off x="628649" y="1051640"/>
+            <a:ext cx="8335839" cy="3968382"/>
           </a:xfrm>
           <a:prstGeom prst="rect">
             <a:avLst/>
@@ -10907,7 +14112,7 @@
         </p:spPr>
         <p:txBody>
           <a:bodyPr>
-            <a:normAutofit/>
+            <a:normAutofit fontScale="92500" lnSpcReduction="20000"/>
           </a:bodyPr>
           <a:lstStyle>
             <a:lvl1pPr marL="342900" indent="-342900" algn="l" defTabSz="914400" rtl="0" eaLnBrk="1" latinLnBrk="0" hangingPunct="1">
@@ -11053,8 +14258,8 @@
               </a:spcAft>
             </a:pPr>
             <a:r>
-              <a:rPr lang="en-US" sz="2600" dirty="0" smtClean="0"/>
-              <a:t>Converted JSON files to CSV</a:t>
+              <a:rPr lang="en-US" sz="2600" dirty="0"/>
+              <a:t>Joined Yelp business data with Boston city data based on mapping file</a:t>
             </a:r>
           </a:p>
           <a:p>
@@ -11065,7 +14270,29 @@
             </a:pPr>
             <a:r>
               <a:rPr lang="en-US" sz="2600" dirty="0" smtClean="0"/>
-              <a:t>Joined Yelp business data with Boston city data based on mapping file</a:t>
+              <a:t>Split data into two sets by date:</a:t>
+            </a:r>
+          </a:p>
+          <a:p>
+            <a:pPr lvl="1" fontAlgn="auto">
+              <a:spcAft>
+                <a:spcPts val="0"/>
+              </a:spcAft>
+            </a:pPr>
+            <a:r>
+              <a:rPr lang="en-US" sz="2200" dirty="0" smtClean="0"/>
+              <a:t>Training: October 2007 – March 2014</a:t>
+            </a:r>
+          </a:p>
+          <a:p>
+            <a:pPr lvl="1" fontAlgn="auto">
+              <a:spcAft>
+                <a:spcPts val="0"/>
+              </a:spcAft>
+            </a:pPr>
+            <a:r>
+              <a:rPr lang="en-US" sz="2200" dirty="0" smtClean="0"/>
+              <a:t>Test/Validation: April 2014 – March 2015</a:t>
             </a:r>
           </a:p>
           <a:p>
@@ -11076,7 +14303,7 @@
             </a:pPr>
             <a:r>
               <a:rPr lang="en-US" sz="2600" dirty="0" smtClean="0"/>
-              <a:t>Dropped unnecessary columns</a:t>
+              <a:t>Filtered to one record for each restaurant</a:t>
             </a:r>
           </a:p>
           <a:p>
@@ -11086,8 +14313,30 @@
               </a:spcAft>
             </a:pPr>
             <a:r>
-              <a:rPr lang="en-US" sz="1800" dirty="0" smtClean="0"/>
-              <a:t>i.e. Hours, State, Review ID</a:t>
+              <a:rPr lang="en-US" sz="2200" dirty="0" smtClean="0"/>
+              <a:t>Combined reviews for each restaurant into one field</a:t>
+            </a:r>
+          </a:p>
+          <a:p>
+            <a:pPr lvl="1" fontAlgn="auto">
+              <a:spcAft>
+                <a:spcPts val="0"/>
+              </a:spcAft>
+            </a:pPr>
+            <a:r>
+              <a:rPr lang="en-US" sz="2200" dirty="0" smtClean="0"/>
+              <a:t>Averaged the number of violations for restaurant with multiple inspections, and summed for total violations</a:t>
+            </a:r>
+          </a:p>
+          <a:p>
+            <a:pPr lvl="1" fontAlgn="auto">
+              <a:spcAft>
+                <a:spcPts val="0"/>
+              </a:spcAft>
+            </a:pPr>
+            <a:r>
+              <a:rPr lang="en-US" sz="2200" dirty="0" smtClean="0"/>
+              <a:t>Lost some features such as date of reviews</a:t>
             </a:r>
           </a:p>
           <a:p>
@@ -11098,9 +14347,8 @@
             </a:pPr>
             <a:r>
               <a:rPr lang="en-US" sz="2600" dirty="0" smtClean="0"/>
-              <a:t>Next Steps:</a:t>
-            </a:r>
-            <a:endParaRPr lang="en-US" sz="2600" dirty="0" smtClean="0"/>
+              <a:t>Dropped unnecessary columns</a:t>
+            </a:r>
           </a:p>
           <a:p>
             <a:pPr lvl="1" fontAlgn="auto">
@@ -11110,18 +14358,7 @@
             </a:pPr>
             <a:r>
               <a:rPr lang="en-US" sz="1800" dirty="0" smtClean="0"/>
-              <a:t>Merge reviews </a:t>
-            </a:r>
-          </a:p>
-          <a:p>
-            <a:pPr lvl="1" fontAlgn="auto">
-              <a:spcAft>
-                <a:spcPts val="0"/>
-              </a:spcAft>
-            </a:pPr>
-            <a:r>
-              <a:rPr lang="en-US" sz="1800" dirty="0" smtClean="0"/>
-              <a:t>Merge user data</a:t>
+              <a:t>i.e. Hours, State, Review ID</a:t>
             </a:r>
           </a:p>
         </p:txBody>
@@ -11272,7 +14509,7 @@
               <a:buNone/>
             </a:pPr>
             <a:r>
-              <a:rPr lang="en-US" dirty="0" smtClean="0">
+              <a:rPr lang="en-US" sz="4000" dirty="0" smtClean="0">
                 <a:solidFill>
                   <a:schemeClr val="accent1">
                     <a:lumMod val="50000"/>
@@ -11282,9 +14519,9 @@
                 <a:ea typeface="+mn-ea"/>
                 <a:cs typeface="+mn-cs"/>
               </a:rPr>
-              <a:t>Data Exploration</a:t>
-            </a:r>
-            <a:endParaRPr lang="en-US" dirty="0">
+              <a:t>Total Number of Health Violations</a:t>
+            </a:r>
+            <a:endParaRPr lang="en-US" sz="4000" dirty="0">
               <a:solidFill>
                 <a:schemeClr val="accent1">
                   <a:lumMod val="50000"/>
@@ -11294,176 +14531,6 @@
               <a:ea typeface="+mn-ea"/>
               <a:cs typeface="+mn-cs"/>
             </a:endParaRPr>
-          </a:p>
-        </p:txBody>
-      </p:sp>
-      <p:sp>
-        <p:nvSpPr>
-          <p:cNvPr id="6" name="Content Placeholder 2"/>
-          <p:cNvSpPr txBox="1">
-            <a:spLocks/>
-          </p:cNvSpPr>
-          <p:nvPr/>
-        </p:nvSpPr>
-        <p:spPr>
-          <a:xfrm>
-            <a:off x="395536" y="956716"/>
-            <a:ext cx="8320797" cy="4351338"/>
-          </a:xfrm>
-          <a:prstGeom prst="rect">
-            <a:avLst/>
-          </a:prstGeom>
-        </p:spPr>
-        <p:txBody>
-          <a:bodyPr/>
-          <a:lstStyle>
-            <a:lvl1pPr marL="342900" indent="-342900" algn="l" defTabSz="914400" rtl="0" eaLnBrk="1" latinLnBrk="0" hangingPunct="1">
-              <a:spcBef>
-                <a:spcPct val="20000"/>
-              </a:spcBef>
-              <a:buFont typeface="Arial" panose="020B0604020202020204" pitchFamily="34" charset="0"/>
-              <a:buChar char="•"/>
-              <a:defRPr sz="3200" kern="1200">
-                <a:solidFill>
-                  <a:schemeClr val="tx1"/>
-                </a:solidFill>
-                <a:latin typeface="+mn-lt"/>
-                <a:ea typeface="+mn-ea"/>
-                <a:cs typeface="+mn-cs"/>
-              </a:defRPr>
-            </a:lvl1pPr>
-            <a:lvl2pPr marL="742950" indent="-285750" algn="l" defTabSz="914400" rtl="0" eaLnBrk="1" latinLnBrk="0" hangingPunct="1">
-              <a:spcBef>
-                <a:spcPct val="20000"/>
-              </a:spcBef>
-              <a:buFont typeface="Arial" panose="020B0604020202020204" pitchFamily="34" charset="0"/>
-              <a:buChar char="–"/>
-              <a:defRPr sz="2800" kern="1200">
-                <a:solidFill>
-                  <a:schemeClr val="tx1"/>
-                </a:solidFill>
-                <a:latin typeface="+mn-lt"/>
-                <a:ea typeface="+mn-ea"/>
-                <a:cs typeface="+mn-cs"/>
-              </a:defRPr>
-            </a:lvl2pPr>
-            <a:lvl3pPr marL="1143000" indent="-228600" algn="l" defTabSz="914400" rtl="0" eaLnBrk="1" latinLnBrk="0" hangingPunct="1">
-              <a:spcBef>
-                <a:spcPct val="20000"/>
-              </a:spcBef>
-              <a:buFont typeface="Arial" panose="020B0604020202020204" pitchFamily="34" charset="0"/>
-              <a:buChar char="•"/>
-              <a:defRPr sz="2400" kern="1200">
-                <a:solidFill>
-                  <a:schemeClr val="tx1"/>
-                </a:solidFill>
-                <a:latin typeface="+mn-lt"/>
-                <a:ea typeface="+mn-ea"/>
-                <a:cs typeface="+mn-cs"/>
-              </a:defRPr>
-            </a:lvl3pPr>
-            <a:lvl4pPr marL="1600200" indent="-228600" algn="l" defTabSz="914400" rtl="0" eaLnBrk="1" latinLnBrk="0" hangingPunct="1">
-              <a:spcBef>
-                <a:spcPct val="20000"/>
-              </a:spcBef>
-              <a:buFont typeface="Arial" panose="020B0604020202020204" pitchFamily="34" charset="0"/>
-              <a:buChar char="–"/>
-              <a:defRPr sz="2000" kern="1200">
-                <a:solidFill>
-                  <a:schemeClr val="tx1"/>
-                </a:solidFill>
-                <a:latin typeface="+mn-lt"/>
-                <a:ea typeface="+mn-ea"/>
-                <a:cs typeface="+mn-cs"/>
-              </a:defRPr>
-            </a:lvl4pPr>
-            <a:lvl5pPr marL="2057400" indent="-228600" algn="l" defTabSz="914400" rtl="0" eaLnBrk="1" latinLnBrk="0" hangingPunct="1">
-              <a:spcBef>
-                <a:spcPct val="20000"/>
-              </a:spcBef>
-              <a:buFont typeface="Arial" panose="020B0604020202020204" pitchFamily="34" charset="0"/>
-              <a:buChar char="»"/>
-              <a:defRPr sz="2000" kern="1200">
-                <a:solidFill>
-                  <a:schemeClr val="tx1"/>
-                </a:solidFill>
-                <a:latin typeface="+mn-lt"/>
-                <a:ea typeface="+mn-ea"/>
-                <a:cs typeface="+mn-cs"/>
-              </a:defRPr>
-            </a:lvl5pPr>
-            <a:lvl6pPr marL="2514600" indent="-228600" algn="l" defTabSz="914400" rtl="0" eaLnBrk="1" latinLnBrk="0" hangingPunct="1">
-              <a:spcBef>
-                <a:spcPct val="20000"/>
-              </a:spcBef>
-              <a:buFont typeface="Arial" panose="020B0604020202020204" pitchFamily="34" charset="0"/>
-              <a:buChar char="•"/>
-              <a:defRPr sz="2000" kern="1200">
-                <a:solidFill>
-                  <a:schemeClr val="tx1"/>
-                </a:solidFill>
-                <a:latin typeface="+mn-lt"/>
-                <a:ea typeface="+mn-ea"/>
-                <a:cs typeface="+mn-cs"/>
-              </a:defRPr>
-            </a:lvl6pPr>
-            <a:lvl7pPr marL="2971800" indent="-228600" algn="l" defTabSz="914400" rtl="0" eaLnBrk="1" latinLnBrk="0" hangingPunct="1">
-              <a:spcBef>
-                <a:spcPct val="20000"/>
-              </a:spcBef>
-              <a:buFont typeface="Arial" panose="020B0604020202020204" pitchFamily="34" charset="0"/>
-              <a:buChar char="•"/>
-              <a:defRPr sz="2000" kern="1200">
-                <a:solidFill>
-                  <a:schemeClr val="tx1"/>
-                </a:solidFill>
-                <a:latin typeface="+mn-lt"/>
-                <a:ea typeface="+mn-ea"/>
-                <a:cs typeface="+mn-cs"/>
-              </a:defRPr>
-            </a:lvl7pPr>
-            <a:lvl8pPr marL="3429000" indent="-228600" algn="l" defTabSz="914400" rtl="0" eaLnBrk="1" latinLnBrk="0" hangingPunct="1">
-              <a:spcBef>
-                <a:spcPct val="20000"/>
-              </a:spcBef>
-              <a:buFont typeface="Arial" panose="020B0604020202020204" pitchFamily="34" charset="0"/>
-              <a:buChar char="•"/>
-              <a:defRPr sz="2000" kern="1200">
-                <a:solidFill>
-                  <a:schemeClr val="tx1"/>
-                </a:solidFill>
-                <a:latin typeface="+mn-lt"/>
-                <a:ea typeface="+mn-ea"/>
-                <a:cs typeface="+mn-cs"/>
-              </a:defRPr>
-            </a:lvl8pPr>
-            <a:lvl9pPr marL="3886200" indent="-228600" algn="l" defTabSz="914400" rtl="0" eaLnBrk="1" latinLnBrk="0" hangingPunct="1">
-              <a:spcBef>
-                <a:spcPct val="20000"/>
-              </a:spcBef>
-              <a:buFont typeface="Arial" panose="020B0604020202020204" pitchFamily="34" charset="0"/>
-              <a:buChar char="•"/>
-              <a:defRPr sz="2000" kern="1200">
-                <a:solidFill>
-                  <a:schemeClr val="tx1"/>
-                </a:solidFill>
-                <a:latin typeface="+mn-lt"/>
-                <a:ea typeface="+mn-ea"/>
-                <a:cs typeface="+mn-cs"/>
-              </a:defRPr>
-            </a:lvl9pPr>
-          </a:lstStyle>
-          <a:p>
-            <a:pPr marL="0" indent="0" algn="ctr" fontAlgn="auto">
-              <a:spcAft>
-                <a:spcPts val="0"/>
-              </a:spcAft>
-              <a:buNone/>
-            </a:pPr>
-            <a:r>
-              <a:rPr lang="en-US" sz="2600" dirty="0" smtClean="0"/>
-              <a:t>Correlation Heatmap</a:t>
-            </a:r>
           </a:p>
         </p:txBody>
       </p:sp>
@@ -11499,30 +14566,6 @@
       </p:cxnSp>
       <p:pic>
         <p:nvPicPr>
-          <p:cNvPr id="8" name="Picture 7"/>
-          <p:cNvPicPr>
-            <a:picLocks noChangeAspect="1"/>
-          </p:cNvPicPr>
-          <p:nvPr/>
-        </p:nvPicPr>
-        <p:blipFill>
-          <a:blip r:embed="rId3"/>
-          <a:stretch>
-            <a:fillRect/>
-          </a:stretch>
-        </p:blipFill>
-        <p:spPr>
-          <a:xfrm>
-            <a:off x="1659549" y="1618311"/>
-            <a:ext cx="6120680" cy="3401711"/>
-          </a:xfrm>
-          <a:prstGeom prst="rect">
-            <a:avLst/>
-          </a:prstGeom>
-        </p:spPr>
-      </p:pic>
-      <p:pic>
-        <p:nvPicPr>
           <p:cNvPr id="9" name="Picture 8"/>
           <p:cNvPicPr>
             <a:picLocks noChangeAspect="1"/>
@@ -11530,7 +14573,7 @@
           <p:nvPr/>
         </p:nvPicPr>
         <p:blipFill>
-          <a:blip r:embed="rId4" cstate="print">
+          <a:blip r:embed="rId3" cstate="print">
             <a:extLst>
               <a:ext uri="{28A0092B-C50C-407E-A947-70E740481C1C}">
                 <a14:useLocalDpi xmlns:a14="http://schemas.microsoft.com/office/drawing/2010/main" val="0"/>
@@ -11551,6 +14594,60 @@
           </a:prstGeom>
         </p:spPr>
       </p:pic>
+      <p:pic>
+        <p:nvPicPr>
+          <p:cNvPr id="4" name="Picture 3"/>
+          <p:cNvPicPr>
+            <a:picLocks noChangeAspect="1"/>
+          </p:cNvPicPr>
+          <p:nvPr/>
+        </p:nvPicPr>
+        <p:blipFill>
+          <a:blip r:embed="rId4"/>
+          <a:stretch>
+            <a:fillRect/>
+          </a:stretch>
+        </p:blipFill>
+        <p:spPr>
+          <a:xfrm>
+            <a:off x="1763688" y="1131590"/>
+            <a:ext cx="5534269" cy="3744416"/>
+          </a:xfrm>
+          <a:prstGeom prst="rect">
+            <a:avLst/>
+          </a:prstGeom>
+        </p:spPr>
+      </p:pic>
+      <p:sp>
+        <p:nvSpPr>
+          <p:cNvPr id="6" name="TextBox 5"/>
+          <p:cNvSpPr txBox="1"/>
+          <p:nvPr/>
+        </p:nvSpPr>
+        <p:spPr>
+          <a:xfrm>
+            <a:off x="2771800" y="4803998"/>
+            <a:ext cx="3024336" cy="276999"/>
+          </a:xfrm>
+          <a:prstGeom prst="rect">
+            <a:avLst/>
+          </a:prstGeom>
+          <a:noFill/>
+        </p:spPr>
+        <p:txBody>
+          <a:bodyPr wrap="square" rtlCol="0">
+            <a:spAutoFit/>
+          </a:bodyPr>
+          <a:lstStyle/>
+          <a:p>
+            <a:r>
+              <a:rPr lang="en-US" sz="1200" dirty="0" smtClean="0"/>
+              <a:t>Number of Health Violations</a:t>
+            </a:r>
+            <a:endParaRPr lang="en-US" sz="1200" dirty="0"/>
+          </a:p>
+        </p:txBody>
+      </p:sp>
     </p:spTree>
     <p:extLst>
       <p:ext uri="{BB962C8B-B14F-4D97-AF65-F5344CB8AC3E}">
@@ -11672,7 +14769,7 @@
         </p:nvSpPr>
         <p:spPr>
           <a:xfrm>
-            <a:off x="611715" y="956716"/>
+            <a:off x="395536" y="956716"/>
             <a:ext cx="8320797" cy="4351338"/>
           </a:xfrm>
           <a:prstGeom prst="rect">
@@ -11826,8 +14923,8 @@
               <a:buNone/>
             </a:pPr>
             <a:r>
-              <a:rPr lang="en-US" sz="2800" dirty="0"/>
-              <a:t>Number of reviews and severity of violation</a:t>
+              <a:rPr lang="en-US" sz="2600" dirty="0" smtClean="0"/>
+              <a:t>Correlation Heatmap</a:t>
             </a:r>
           </a:p>
         </p:txBody>
@@ -11864,7 +14961,7 @@
       </p:cxnSp>
       <p:pic>
         <p:nvPicPr>
-          <p:cNvPr id="10" name="Picture 9"/>
+          <p:cNvPr id="8" name="Picture 7"/>
           <p:cNvPicPr>
             <a:picLocks noChangeAspect="1"/>
           </p:cNvPicPr>
@@ -11878,8 +14975,8 @@
         </p:blipFill>
         <p:spPr>
           <a:xfrm>
-            <a:off x="971600" y="1491630"/>
-            <a:ext cx="7272653" cy="3318199"/>
+            <a:off x="1659549" y="1618311"/>
+            <a:ext cx="6120680" cy="3401711"/>
           </a:xfrm>
           <a:prstGeom prst="rect">
             <a:avLst/>
@@ -11888,7 +14985,7 @@
       </p:pic>
       <p:pic>
         <p:nvPicPr>
-          <p:cNvPr id="11" name="Picture 10"/>
+          <p:cNvPr id="9" name="Picture 8"/>
           <p:cNvPicPr>
             <a:picLocks noChangeAspect="1"/>
           </p:cNvPicPr>
@@ -11919,7 +15016,7 @@
     </p:spTree>
     <p:extLst>
       <p:ext uri="{BB962C8B-B14F-4D97-AF65-F5344CB8AC3E}">
-        <p14:creationId xmlns:p14="http://schemas.microsoft.com/office/powerpoint/2010/main" val="4220837014"/>
+        <p14:creationId xmlns:p14="http://schemas.microsoft.com/office/powerpoint/2010/main" val="3557288933"/>
       </p:ext>
     </p:extLst>
   </p:cSld>
@@ -11955,7 +15052,7 @@
       </p:grpSpPr>
       <p:sp>
         <p:nvSpPr>
-          <p:cNvPr id="2" name="Title 1"/>
+          <p:cNvPr id="5" name="Title 1"/>
           <p:cNvSpPr txBox="1">
             <a:spLocks/>
           </p:cNvSpPr>
@@ -11963,7 +15060,7 @@
         </p:nvSpPr>
         <p:spPr>
           <a:xfrm>
-            <a:off x="628650" y="-283483"/>
+            <a:off x="628650" y="-236562"/>
             <a:ext cx="7886700" cy="1325563"/>
           </a:xfrm>
           <a:prstGeom prst="rect">
@@ -12012,7 +15109,7 @@
                 <a:ea typeface="+mn-ea"/>
                 <a:cs typeface="+mn-cs"/>
               </a:rPr>
-              <a:t>Next Steps</a:t>
+              <a:t>Data Exploration</a:t>
             </a:r>
             <a:endParaRPr lang="en-US" dirty="0">
               <a:solidFill>
@@ -12027,734 +15124,15 @@
           </a:p>
         </p:txBody>
       </p:sp>
-      <p:pic>
-        <p:nvPicPr>
-          <p:cNvPr id="11" name="Picture 10"/>
-          <p:cNvPicPr>
-            <a:picLocks noChangeAspect="1"/>
-          </p:cNvPicPr>
-          <p:nvPr/>
-        </p:nvPicPr>
-        <p:blipFill>
-          <a:blip r:embed="rId3">
-            <a:grayscl/>
-            <a:extLst>
-              <a:ext uri="{BEBA8EAE-BF5A-486C-A8C5-ECC9F3942E4B}">
-                <a14:imgProps xmlns:a14="http://schemas.microsoft.com/office/drawing/2010/main">
-                  <a14:imgLayer r:embed="rId4">
-                    <a14:imgEffect>
-                      <a14:artisticCrisscrossEtching/>
-                    </a14:imgEffect>
-                  </a14:imgLayer>
-                </a14:imgProps>
-              </a:ext>
-              <a:ext uri="{28A0092B-C50C-407E-A947-70E740481C1C}">
-                <a14:useLocalDpi xmlns:a14="http://schemas.microsoft.com/office/drawing/2010/main" val="0"/>
-              </a:ext>
-            </a:extLst>
-          </a:blip>
-          <a:stretch>
-            <a:fillRect/>
-          </a:stretch>
-        </p:blipFill>
-        <p:spPr>
-          <a:xfrm>
-            <a:off x="6299883" y="1017321"/>
-            <a:ext cx="1368771" cy="1368771"/>
-          </a:xfrm>
-          <a:prstGeom prst="rect">
-            <a:avLst/>
-          </a:prstGeom>
-        </p:spPr>
-      </p:pic>
-      <p:pic>
-        <p:nvPicPr>
-          <p:cNvPr id="17" name="Picture 16"/>
-          <p:cNvPicPr>
-            <a:picLocks noChangeAspect="1"/>
-          </p:cNvPicPr>
-          <p:nvPr/>
-        </p:nvPicPr>
-        <p:blipFill>
-          <a:blip r:embed="rId5">
-            <a:grayscl/>
-            <a:extLst>
-              <a:ext uri="{28A0092B-C50C-407E-A947-70E740481C1C}">
-                <a14:useLocalDpi xmlns:a14="http://schemas.microsoft.com/office/drawing/2010/main" val="0"/>
-              </a:ext>
-            </a:extLst>
-          </a:blip>
-          <a:stretch>
-            <a:fillRect/>
-          </a:stretch>
-        </p:blipFill>
-        <p:spPr>
-          <a:xfrm>
-            <a:off x="6390068" y="3174270"/>
-            <a:ext cx="1188401" cy="1100371"/>
-          </a:xfrm>
-          <a:prstGeom prst="rect">
-            <a:avLst/>
-          </a:prstGeom>
-        </p:spPr>
-      </p:pic>
-      <p:grpSp>
-        <p:nvGrpSpPr>
-          <p:cNvPr id="25" name="Group 24"/>
-          <p:cNvGrpSpPr/>
-          <p:nvPr/>
-        </p:nvGrpSpPr>
-        <p:grpSpPr>
-          <a:xfrm>
-            <a:off x="1624677" y="3219822"/>
-            <a:ext cx="1388510" cy="1135968"/>
-            <a:chOff x="4058853" y="1061881"/>
-            <a:chExt cx="1602357" cy="1365853"/>
-          </a:xfrm>
-        </p:grpSpPr>
-        <p:sp>
-          <p:nvSpPr>
-            <p:cNvPr id="9" name="Freeform 64"/>
-            <p:cNvSpPr>
-              <a:spLocks noChangeArrowheads="1"/>
-            </p:cNvSpPr>
-            <p:nvPr/>
-          </p:nvSpPr>
-          <p:spPr bwMode="auto">
-            <a:xfrm>
-              <a:off x="4058853" y="1061881"/>
-              <a:ext cx="1602357" cy="1365853"/>
-            </a:xfrm>
-            <a:custGeom>
-              <a:avLst/>
-              <a:gdLst>
-                <a:gd name="G0" fmla="+- 1 0 0"/>
-                <a:gd name="G1" fmla="+- 1 0 0"/>
-                <a:gd name="G2" fmla="+- 764 0 0"/>
-                <a:gd name="G3" fmla="+- 1705 0 0"/>
-                <a:gd name="G4" fmla="+- 2645 0 0"/>
-                <a:gd name="G5" fmla="+- 1 0 0"/>
-                <a:gd name="G6" fmla="+- 1 0 0"/>
-                <a:gd name="G7" fmla="+- 1 0 0"/>
-                <a:gd name="G8" fmla="+- 1 0 0"/>
-                <a:gd name="G9" fmla="+- 1 0 0"/>
-                <a:gd name="G10" fmla="+- 1 0 0"/>
-                <a:gd name="G11" fmla="+- 1 0 0"/>
-                <a:gd name="G12" fmla="+- 1 0 0"/>
-                <a:gd name="G13" fmla="+- 1 0 0"/>
-                <a:gd name="G14" fmla="+- 1 0 0"/>
-                <a:gd name="G15" fmla="+- 1 0 0"/>
-                <a:gd name="G16" fmla="+- 1 0 0"/>
-                <a:gd name="G17" fmla="+- 1 0 0"/>
-                <a:gd name="G18" fmla="+- 1 0 0"/>
-                <a:gd name="G19" fmla="+- 1 0 0"/>
-                <a:gd name="G20" fmla="+- 1 0 0"/>
-                <a:gd name="G21" fmla="+- 1 0 0"/>
-                <a:gd name="G22" fmla="+- 1 0 0"/>
-                <a:gd name="G23" fmla="+- 1 0 0"/>
-                <a:gd name="G24" fmla="+- 1 0 0"/>
-                <a:gd name="G25" fmla="+- 1 0 0"/>
-                <a:gd name="G26" fmla="+- 1 0 0"/>
-                <a:gd name="G27" fmla="+- 1 0 0"/>
-                <a:gd name="G28" fmla="+- 1 0 0"/>
-                <a:gd name="G29" fmla="+- 1 0 0"/>
-                <a:gd name="G30" fmla="+- 1 0 0"/>
-                <a:gd name="G31" fmla="+- 1 0 0"/>
-                <a:gd name="G32" fmla="+- 1 0 0"/>
-                <a:gd name="G33" fmla="+- 1 0 0"/>
-                <a:gd name="G34" fmla="+- 1 0 0"/>
-                <a:gd name="G35" fmla="+- 1 0 0"/>
-                <a:gd name="G36" fmla="+- 1 0 0"/>
-                <a:gd name="G37" fmla="+- 1 0 0"/>
-                <a:gd name="G38" fmla="+- 1 0 0"/>
-                <a:gd name="G39" fmla="+- 1 0 0"/>
-                <a:gd name="G40" fmla="+- 1 0 0"/>
-                <a:gd name="G41" fmla="+- 1 0 0"/>
-                <a:gd name="G42" fmla="+- 1 0 0"/>
-                <a:gd name="G43" fmla="+- 1 0 0"/>
-                <a:gd name="G44" fmla="+- 1 0 0"/>
-                <a:gd name="G45" fmla="+- 1 0 0"/>
-                <a:gd name="G46" fmla="+- 1 0 0"/>
-                <a:gd name="G47" fmla="+- 1 0 0"/>
-                <a:gd name="G48" fmla="+- 1 0 0"/>
-                <a:gd name="G49" fmla="+- 1 0 0"/>
-                <a:gd name="G50" fmla="+- 1 0 0"/>
-                <a:gd name="G51" fmla="+- 1 0 0"/>
-                <a:gd name="G52" fmla="+- 1 0 0"/>
-                <a:gd name="G53" fmla="+- 1 0 0"/>
-                <a:gd name="G54" fmla="+- 1 0 0"/>
-                <a:gd name="G55" fmla="+- 1 0 0"/>
-                <a:gd name="G56" fmla="+- 1 0 0"/>
-                <a:gd name="G57" fmla="+- 1 0 0"/>
-                <a:gd name="G58" fmla="+- 1 0 0"/>
-                <a:gd name="G59" fmla="*/ 1 0 51712"/>
-                <a:gd name="G60" fmla="+- 1 0 0"/>
-                <a:gd name="G61" fmla="+- 1 0 0"/>
-                <a:gd name="G62" fmla="+- 1 0 0"/>
-                <a:gd name="G63" fmla="+- 1 0 0"/>
-                <a:gd name="G64" fmla="+- 1 0 0"/>
-                <a:gd name="G65" fmla="+- 1 0 0"/>
-                <a:gd name="G66" fmla="+- 1 0 0"/>
-                <a:gd name="G67" fmla="+- 1 0 0"/>
-                <a:gd name="G68" fmla="+- 1 0 0"/>
-                <a:gd name="G69" fmla="+- 1 0 0"/>
-                <a:gd name="G70" fmla="+- 1 0 0"/>
-                <a:gd name="G71" fmla="+- 1 0 0"/>
-                <a:gd name="G72" fmla="+- 1 0 0"/>
-                <a:gd name="G73" fmla="+- 1 0 0"/>
-                <a:gd name="G74" fmla="+- 1 0 0"/>
-                <a:gd name="G75" fmla="+- 1 0 0"/>
-                <a:gd name="G76" fmla="+- 1 0 0"/>
-                <a:gd name="T0" fmla="*/ 220930916 w 3409"/>
-                <a:gd name="T1" fmla="*/ 0 h 3409"/>
-                <a:gd name="T2" fmla="*/ 0 w 3409"/>
-                <a:gd name="T3" fmla="*/ 220931276 h 3409"/>
-                <a:gd name="T4" fmla="*/ 220930916 w 3409"/>
-                <a:gd name="T5" fmla="*/ 441603374 h 3409"/>
-                <a:gd name="T6" fmla="*/ 441603014 w 3409"/>
-                <a:gd name="T7" fmla="*/ 220931276 h 3409"/>
-                <a:gd name="T8" fmla="*/ 220930916 w 3409"/>
-                <a:gd name="T9" fmla="*/ 0 h 3409"/>
-                <a:gd name="T10" fmla="*/ 359839050 w 3409"/>
-                <a:gd name="T11" fmla="*/ 295309374 h 3409"/>
-                <a:gd name="T12" fmla="*/ 291032929 w 3409"/>
-                <a:gd name="T13" fmla="*/ 270689220 h 3409"/>
-                <a:gd name="T14" fmla="*/ 269263739 w 3409"/>
-                <a:gd name="T15" fmla="*/ 250475100 h 3409"/>
-                <a:gd name="T16" fmla="*/ 293235946 w 3409"/>
-                <a:gd name="T17" fmla="*/ 210435269 h 3409"/>
-                <a:gd name="T18" fmla="*/ 310340284 w 3409"/>
-                <a:gd name="T19" fmla="*/ 170266207 h 3409"/>
-                <a:gd name="T20" fmla="*/ 304120361 w 3409"/>
-                <a:gd name="T21" fmla="*/ 132299443 h 3409"/>
-                <a:gd name="T22" fmla="*/ 297252852 w 3409"/>
-                <a:gd name="T23" fmla="*/ 89149830 h 3409"/>
-                <a:gd name="T24" fmla="*/ 258379323 w 3409"/>
-                <a:gd name="T25" fmla="*/ 60513130 h 3409"/>
-                <a:gd name="T26" fmla="*/ 252677757 w 3409"/>
-                <a:gd name="T27" fmla="*/ 58310473 h 3409"/>
-                <a:gd name="T28" fmla="*/ 155234937 w 3409"/>
-                <a:gd name="T29" fmla="*/ 69713245 h 3409"/>
-                <a:gd name="T30" fmla="*/ 136964295 w 3409"/>
-                <a:gd name="T31" fmla="*/ 132299443 h 3409"/>
-                <a:gd name="T32" fmla="*/ 130615143 w 3409"/>
-                <a:gd name="T33" fmla="*/ 170266207 h 3409"/>
-                <a:gd name="T34" fmla="*/ 147978300 w 3409"/>
-                <a:gd name="T35" fmla="*/ 210435269 h 3409"/>
-                <a:gd name="T36" fmla="*/ 174023575 w 3409"/>
-                <a:gd name="T37" fmla="*/ 253066885 h 3409"/>
-                <a:gd name="T38" fmla="*/ 154068634 w 3409"/>
-                <a:gd name="T39" fmla="*/ 269264099 h 3409"/>
-                <a:gd name="T40" fmla="*/ 82282321 w 3409"/>
-                <a:gd name="T41" fmla="*/ 295309374 h 3409"/>
-                <a:gd name="T42" fmla="*/ 46000216 w 3409"/>
-                <a:gd name="T43" fmla="*/ 327574212 h 3409"/>
-                <a:gd name="T44" fmla="*/ 16197214 w 3409"/>
-                <a:gd name="T45" fmla="*/ 221320044 h 3409"/>
-                <a:gd name="T46" fmla="*/ 220930916 w 3409"/>
-                <a:gd name="T47" fmla="*/ 15678857 h 3409"/>
-                <a:gd name="T48" fmla="*/ 425924157 w 3409"/>
-                <a:gd name="T49" fmla="*/ 220931276 h 3409"/>
-                <a:gd name="T50" fmla="*/ 396250744 w 3409"/>
-                <a:gd name="T51" fmla="*/ 327055855 h 3409"/>
-                <a:gd name="T52" fmla="*/ 359839050 w 3409"/>
-                <a:gd name="T53" fmla="*/ 295309374 h 3409"/>
-              </a:gdLst>
-              <a:ahLst/>
-              <a:cxnLst>
-                <a:cxn ang="0">
-                  <a:pos x="T0" y="T1"/>
-                </a:cxn>
-                <a:cxn ang="0">
-                  <a:pos x="T2" y="T3"/>
-                </a:cxn>
-                <a:cxn ang="0">
-                  <a:pos x="T4" y="T5"/>
-                </a:cxn>
-                <a:cxn ang="0">
-                  <a:pos x="T6" y="T7"/>
-                </a:cxn>
-                <a:cxn ang="0">
-                  <a:pos x="T8" y="T9"/>
-                </a:cxn>
-                <a:cxn ang="0">
-                  <a:pos x="T10" y="T11"/>
-                </a:cxn>
-                <a:cxn ang="0">
-                  <a:pos x="T12" y="T13"/>
-                </a:cxn>
-                <a:cxn ang="0">
-                  <a:pos x="T14" y="T15"/>
-                </a:cxn>
-                <a:cxn ang="0">
-                  <a:pos x="T16" y="T17"/>
-                </a:cxn>
-                <a:cxn ang="0">
-                  <a:pos x="T18" y="T19"/>
-                </a:cxn>
-                <a:cxn ang="0">
-                  <a:pos x="T20" y="T21"/>
-                </a:cxn>
-                <a:cxn ang="0">
-                  <a:pos x="T22" y="T23"/>
-                </a:cxn>
-                <a:cxn ang="0">
-                  <a:pos x="T24" y="T25"/>
-                </a:cxn>
-                <a:cxn ang="0">
-                  <a:pos x="T26" y="T27"/>
-                </a:cxn>
-                <a:cxn ang="0">
-                  <a:pos x="T28" y="T29"/>
-                </a:cxn>
-                <a:cxn ang="0">
-                  <a:pos x="T30" y="T31"/>
-                </a:cxn>
-                <a:cxn ang="0">
-                  <a:pos x="T32" y="T33"/>
-                </a:cxn>
-                <a:cxn ang="0">
-                  <a:pos x="T34" y="T35"/>
-                </a:cxn>
-                <a:cxn ang="0">
-                  <a:pos x="T36" y="T37"/>
-                </a:cxn>
-                <a:cxn ang="0">
-                  <a:pos x="T38" y="T39"/>
-                </a:cxn>
-                <a:cxn ang="0">
-                  <a:pos x="T40" y="T41"/>
-                </a:cxn>
-                <a:cxn ang="0">
-                  <a:pos x="T42" y="T43"/>
-                </a:cxn>
-                <a:cxn ang="0">
-                  <a:pos x="T44" y="T45"/>
-                </a:cxn>
-                <a:cxn ang="0">
-                  <a:pos x="T46" y="T47"/>
-                </a:cxn>
-                <a:cxn ang="0">
-                  <a:pos x="T48" y="T49"/>
-                </a:cxn>
-                <a:cxn ang="0">
-                  <a:pos x="T50" y="T51"/>
-                </a:cxn>
-                <a:cxn ang="0">
-                  <a:pos x="T52" y="T53"/>
-                </a:cxn>
-              </a:cxnLst>
-              <a:rect l="0" t="0" r="r" b="b"/>
-              <a:pathLst>
-                <a:path w="3409" h="3409">
-                  <a:moveTo>
-                    <a:pt x="1705" y="0"/>
-                  </a:moveTo>
-                  <a:cubicBezTo>
-                    <a:pt x="764" y="0"/>
-                    <a:pt x="0" y="764"/>
-                    <a:pt x="0" y="1705"/>
-                  </a:cubicBezTo>
-                  <a:cubicBezTo>
-                    <a:pt x="0" y="2645"/>
-                    <a:pt x="764" y="3408"/>
-                    <a:pt x="1705" y="3408"/>
-                  </a:cubicBezTo>
-                  <a:cubicBezTo>
-                    <a:pt x="2645" y="3408"/>
-                    <a:pt x="3408" y="2645"/>
-                    <a:pt x="3408" y="1705"/>
-                  </a:cubicBezTo>
-                  <a:cubicBezTo>
-                    <a:pt x="3408" y="764"/>
-                    <a:pt x="2645" y="0"/>
-                    <a:pt x="1705" y="0"/>
-                  </a:cubicBezTo>
-                  <a:close/>
-                  <a:moveTo>
-                    <a:pt x="2777" y="2279"/>
-                  </a:moveTo>
-                  <a:cubicBezTo>
-                    <a:pt x="2592" y="2182"/>
-                    <a:pt x="2407" y="2178"/>
-                    <a:pt x="2246" y="2089"/>
-                  </a:cubicBezTo>
-                  <a:cubicBezTo>
-                    <a:pt x="2186" y="2058"/>
-                    <a:pt x="2113" y="1990"/>
-                    <a:pt x="2078" y="1933"/>
-                  </a:cubicBezTo>
-                  <a:cubicBezTo>
-                    <a:pt x="2166" y="1844"/>
-                    <a:pt x="2235" y="1736"/>
-                    <a:pt x="2263" y="1624"/>
-                  </a:cubicBezTo>
-                  <a:cubicBezTo>
-                    <a:pt x="2351" y="1571"/>
-                    <a:pt x="2387" y="1407"/>
-                    <a:pt x="2395" y="1314"/>
-                  </a:cubicBezTo>
-                  <a:cubicBezTo>
-                    <a:pt x="2403" y="1233"/>
-                    <a:pt x="2403" y="1094"/>
-                    <a:pt x="2347" y="1021"/>
-                  </a:cubicBezTo>
-                  <a:cubicBezTo>
-                    <a:pt x="2354" y="913"/>
-                    <a:pt x="2338" y="783"/>
-                    <a:pt x="2294" y="688"/>
-                  </a:cubicBezTo>
-                  <a:cubicBezTo>
-                    <a:pt x="2246" y="571"/>
-                    <a:pt x="2153" y="470"/>
-                    <a:pt x="1994" y="467"/>
-                  </a:cubicBezTo>
-                  <a:cubicBezTo>
-                    <a:pt x="1965" y="467"/>
-                    <a:pt x="1965" y="463"/>
-                    <a:pt x="1950" y="450"/>
-                  </a:cubicBezTo>
-                  <a:cubicBezTo>
-                    <a:pt x="1784" y="313"/>
-                    <a:pt x="1399" y="355"/>
-                    <a:pt x="1198" y="538"/>
-                  </a:cubicBezTo>
-                  <a:cubicBezTo>
-                    <a:pt x="1074" y="655"/>
-                    <a:pt x="1045" y="860"/>
-                    <a:pt x="1057" y="1021"/>
-                  </a:cubicBezTo>
-                  <a:cubicBezTo>
-                    <a:pt x="1001" y="1097"/>
-                    <a:pt x="1001" y="1238"/>
-                    <a:pt x="1008" y="1314"/>
-                  </a:cubicBezTo>
-                  <a:cubicBezTo>
-                    <a:pt x="1017" y="1407"/>
-                    <a:pt x="1054" y="1568"/>
-                    <a:pt x="1142" y="1624"/>
-                  </a:cubicBezTo>
-                  <a:cubicBezTo>
-                    <a:pt x="1169" y="1745"/>
-                    <a:pt x="1246" y="1861"/>
-                    <a:pt x="1343" y="1953"/>
-                  </a:cubicBezTo>
-                  <a:cubicBezTo>
-                    <a:pt x="1299" y="1997"/>
-                    <a:pt x="1242" y="2045"/>
-                    <a:pt x="1189" y="2078"/>
-                  </a:cubicBezTo>
-                  <a:cubicBezTo>
-                    <a:pt x="1021" y="2178"/>
-                    <a:pt x="829" y="2178"/>
-                    <a:pt x="635" y="2279"/>
-                  </a:cubicBezTo>
-                  <a:cubicBezTo>
-                    <a:pt x="523" y="2338"/>
-                    <a:pt x="430" y="2427"/>
-                    <a:pt x="355" y="2528"/>
-                  </a:cubicBezTo>
-                  <a:cubicBezTo>
-                    <a:pt x="209" y="2287"/>
-                    <a:pt x="125" y="2005"/>
-                    <a:pt x="125" y="1708"/>
-                  </a:cubicBezTo>
-                  <a:cubicBezTo>
-                    <a:pt x="121" y="832"/>
-                    <a:pt x="832" y="121"/>
-                    <a:pt x="1705" y="121"/>
-                  </a:cubicBezTo>
-                  <a:cubicBezTo>
-                    <a:pt x="2577" y="121"/>
-                    <a:pt x="3287" y="832"/>
-                    <a:pt x="3287" y="1705"/>
-                  </a:cubicBezTo>
-                  <a:cubicBezTo>
-                    <a:pt x="3287" y="2005"/>
-                    <a:pt x="3203" y="2287"/>
-                    <a:pt x="3058" y="2524"/>
-                  </a:cubicBezTo>
-                  <a:cubicBezTo>
-                    <a:pt x="2982" y="2424"/>
-                    <a:pt x="2890" y="2338"/>
-                    <a:pt x="2777" y="2279"/>
-                  </a:cubicBezTo>
-                  <a:close/>
-                </a:path>
-              </a:pathLst>
-            </a:custGeom>
-            <a:solidFill>
-              <a:srgbClr val="808080"/>
-            </a:solidFill>
-            <a:ln>
-              <a:noFill/>
-            </a:ln>
-            <a:effectLst/>
-            <a:extLst/>
-          </p:spPr>
-          <p:txBody>
-            <a:bodyPr wrap="none" anchor="ctr"/>
-            <a:lstStyle/>
-            <a:p>
-              <a:pPr marL="0" marR="0" lvl="0" indent="0" defTabSz="914400" eaLnBrk="1" fontAlgn="auto" latinLnBrk="0" hangingPunct="1">
-                <a:lnSpc>
-                  <a:spcPct val="100000"/>
-                </a:lnSpc>
-                <a:spcBef>
-                  <a:spcPts val="0"/>
-                </a:spcBef>
-                <a:spcAft>
-                  <a:spcPts val="0"/>
-                </a:spcAft>
-                <a:buClrTx/>
-                <a:buSzTx/>
-                <a:buFontTx/>
-                <a:buNone/>
-                <a:tabLst/>
-                <a:defRPr/>
-              </a:pPr>
-              <a:endParaRPr kumimoji="0" lang="en-US" sz="1800" b="0" i="0" u="none" strike="noStrike" kern="0" cap="none" spc="0" normalizeH="0" baseline="0" noProof="0">
-                <a:ln>
-                  <a:noFill/>
-                </a:ln>
-                <a:solidFill>
-                  <a:schemeClr val="tx1">
-                    <a:lumMod val="50000"/>
-                    <a:lumOff val="50000"/>
-                  </a:schemeClr>
-                </a:solidFill>
-                <a:effectLst/>
-                <a:uLnTx/>
-                <a:uFillTx/>
-                <a:latin typeface="Arial"/>
-                <a:ea typeface="+mn-ea"/>
-                <a:cs typeface="+mn-cs"/>
-              </a:endParaRPr>
-            </a:p>
-          </p:txBody>
-        </p:sp>
-        <p:pic>
-          <p:nvPicPr>
-            <p:cNvPr id="23" name="Picture 22"/>
-            <p:cNvPicPr>
-              <a:picLocks noChangeAspect="1"/>
-            </p:cNvPicPr>
-            <p:nvPr/>
-          </p:nvPicPr>
-          <p:blipFill>
-            <a:blip r:embed="rId6" cstate="print">
-              <a:biLevel thresh="25000"/>
-              <a:extLst>
-                <a:ext uri="{BEBA8EAE-BF5A-486C-A8C5-ECC9F3942E4B}">
-                  <a14:imgProps xmlns:a14="http://schemas.microsoft.com/office/drawing/2010/main">
-                    <a14:imgLayer r:embed="rId7">
-                      <a14:imgEffect>
-                        <a14:sharpenSoften amount="-100000"/>
-                      </a14:imgEffect>
-                      <a14:imgEffect>
-                        <a14:colorTemperature colorTemp="10750"/>
-                      </a14:imgEffect>
-                      <a14:imgEffect>
-                        <a14:saturation sat="400000"/>
-                      </a14:imgEffect>
-                      <a14:imgEffect>
-                        <a14:brightnessContrast bright="-100000" contrast="-100000"/>
-                      </a14:imgEffect>
-                    </a14:imgLayer>
-                  </a14:imgProps>
-                </a:ext>
-                <a:ext uri="{28A0092B-C50C-407E-A947-70E740481C1C}">
-                  <a14:useLocalDpi xmlns:a14="http://schemas.microsoft.com/office/drawing/2010/main" val="0"/>
-                </a:ext>
-              </a:extLst>
-            </a:blip>
-            <a:stretch>
-              <a:fillRect/>
-            </a:stretch>
-          </p:blipFill>
-          <p:spPr>
-            <a:xfrm>
-              <a:off x="4628815" y="1275606"/>
-              <a:ext cx="476717" cy="476717"/>
-            </a:xfrm>
-            <a:prstGeom prst="rect">
-              <a:avLst/>
-            </a:prstGeom>
-          </p:spPr>
-        </p:pic>
-      </p:grpSp>
-      <p:sp>
-        <p:nvSpPr>
-          <p:cNvPr id="26" name="TextBox 25"/>
-          <p:cNvSpPr txBox="1"/>
-          <p:nvPr/>
-        </p:nvSpPr>
-        <p:spPr>
-          <a:xfrm>
-            <a:off x="5940153" y="4437546"/>
-            <a:ext cx="2088231" cy="646331"/>
-          </a:xfrm>
-          <a:prstGeom prst="rect">
-            <a:avLst/>
-          </a:prstGeom>
-          <a:noFill/>
-        </p:spPr>
-        <p:txBody>
-          <a:bodyPr wrap="square" rtlCol="0">
-            <a:spAutoFit/>
-          </a:bodyPr>
-          <a:lstStyle>
-            <a:defPPr>
-              <a:defRPr lang="en-US"/>
-            </a:defPPr>
-            <a:lvl1pPr>
-              <a:defRPr sz="1800">
-                <a:latin typeface="+mj-lt"/>
-              </a:defRPr>
-            </a:lvl1pPr>
-          </a:lstStyle>
-          <a:p>
-            <a:r>
-              <a:rPr lang="en-US" dirty="0" smtClean="0"/>
-              <a:t>Filter/Drop Unnecessary Fields</a:t>
-            </a:r>
-            <a:endParaRPr lang="en-US" dirty="0"/>
-          </a:p>
-        </p:txBody>
-      </p:sp>
-      <p:sp>
-        <p:nvSpPr>
-          <p:cNvPr id="27" name="TextBox 26"/>
-          <p:cNvSpPr txBox="1"/>
-          <p:nvPr/>
-        </p:nvSpPr>
-        <p:spPr>
-          <a:xfrm>
-            <a:off x="5940153" y="2402479"/>
-            <a:ext cx="2088231" cy="369332"/>
-          </a:xfrm>
-          <a:prstGeom prst="rect">
-            <a:avLst/>
-          </a:prstGeom>
-          <a:noFill/>
-        </p:spPr>
-        <p:txBody>
-          <a:bodyPr wrap="square" rtlCol="0">
-            <a:spAutoFit/>
-          </a:bodyPr>
-          <a:lstStyle>
-            <a:defPPr>
-              <a:defRPr lang="en-US"/>
-            </a:defPPr>
-            <a:lvl1pPr>
-              <a:defRPr sz="1800">
-                <a:latin typeface="+mj-lt"/>
-              </a:defRPr>
-            </a:lvl1pPr>
-          </a:lstStyle>
-          <a:p>
-            <a:r>
-              <a:rPr lang="en-US" dirty="0"/>
-              <a:t>Location Analysis </a:t>
-            </a:r>
-          </a:p>
-        </p:txBody>
-      </p:sp>
-      <p:sp>
-        <p:nvSpPr>
-          <p:cNvPr id="28" name="TextBox 27"/>
-          <p:cNvSpPr txBox="1"/>
-          <p:nvPr/>
-        </p:nvSpPr>
-        <p:spPr>
-          <a:xfrm>
-            <a:off x="1274817" y="4429095"/>
-            <a:ext cx="2088231" cy="646331"/>
-          </a:xfrm>
-          <a:prstGeom prst="rect">
-            <a:avLst/>
-          </a:prstGeom>
-          <a:noFill/>
-        </p:spPr>
-        <p:txBody>
-          <a:bodyPr wrap="square" rtlCol="0">
-            <a:spAutoFit/>
-          </a:bodyPr>
-          <a:lstStyle>
-            <a:defPPr>
-              <a:defRPr lang="en-US"/>
-            </a:defPPr>
-            <a:lvl1pPr>
-              <a:defRPr sz="1800">
-                <a:latin typeface="+mj-lt"/>
-              </a:defRPr>
-            </a:lvl1pPr>
-          </a:lstStyle>
-          <a:p>
-            <a:r>
-              <a:rPr lang="en-US" dirty="0"/>
-              <a:t>Yelp </a:t>
-            </a:r>
-            <a:r>
-              <a:rPr lang="en-US" dirty="0" smtClean="0"/>
-              <a:t>User Profile </a:t>
-            </a:r>
-            <a:r>
-              <a:rPr lang="en-US" dirty="0"/>
-              <a:t>Analysis</a:t>
-            </a:r>
-          </a:p>
-        </p:txBody>
-      </p:sp>
-      <p:pic>
-        <p:nvPicPr>
-          <p:cNvPr id="29" name="pasted-image.tif"/>
-          <p:cNvPicPr/>
-          <p:nvPr/>
-        </p:nvPicPr>
-        <p:blipFill>
-          <a:blip r:embed="rId8">
-            <a:grayscl/>
-            <a:extLst>
-              <a:ext uri="{BEBA8EAE-BF5A-486C-A8C5-ECC9F3942E4B}">
-                <a14:imgProps xmlns:a14="http://schemas.microsoft.com/office/drawing/2010/main">
-                  <a14:imgLayer r:embed="rId9">
-                    <a14:imgEffect>
-                      <a14:brightnessContrast bright="20000"/>
-                    </a14:imgEffect>
-                  </a14:imgLayer>
-                </a14:imgProps>
-              </a:ext>
-            </a:extLst>
-          </a:blip>
-          <a:stretch>
-            <a:fillRect/>
-          </a:stretch>
-        </p:blipFill>
-        <p:spPr>
-          <a:xfrm>
-            <a:off x="1442156" y="987574"/>
-            <a:ext cx="1753553" cy="1616857"/>
-          </a:xfrm>
-          <a:prstGeom prst="rect">
-            <a:avLst/>
-          </a:prstGeom>
-          <a:ln w="12700" cap="flat">
-            <a:noFill/>
-            <a:miter lim="400000"/>
-          </a:ln>
-          <a:effectLst/>
-        </p:spPr>
-      </p:pic>
       <p:cxnSp>
         <p:nvCxnSpPr>
-          <p:cNvPr id="4" name="Straight Connector 3"/>
+          <p:cNvPr id="7" name="Straight Connector 6"/>
           <p:cNvCxnSpPr/>
           <p:nvPr/>
         </p:nvCxnSpPr>
         <p:spPr>
           <a:xfrm>
-            <a:off x="711198" y="875394"/>
+            <a:off x="711198" y="939248"/>
             <a:ext cx="7789334" cy="16934"/>
           </a:xfrm>
           <a:prstGeom prst="line">
@@ -12776,50 +15154,16 @@
           </a:fontRef>
         </p:style>
       </p:cxnSp>
-      <p:sp>
-        <p:nvSpPr>
-          <p:cNvPr id="19" name="TextBox 18"/>
-          <p:cNvSpPr txBox="1"/>
-          <p:nvPr/>
-        </p:nvSpPr>
-        <p:spPr>
-          <a:xfrm>
-            <a:off x="1274817" y="2402479"/>
-            <a:ext cx="2088231" cy="369332"/>
-          </a:xfrm>
-          <a:prstGeom prst="rect">
-            <a:avLst/>
-          </a:prstGeom>
-          <a:noFill/>
-        </p:spPr>
-        <p:txBody>
-          <a:bodyPr wrap="square" rtlCol="0">
-            <a:spAutoFit/>
-          </a:bodyPr>
-          <a:lstStyle/>
-          <a:p>
-            <a:r>
-              <a:rPr lang="en-US" sz="1800" dirty="0" smtClean="0">
-                <a:latin typeface="+mj-lt"/>
-              </a:rPr>
-              <a:t>Sentiment Analysis </a:t>
-            </a:r>
-            <a:endParaRPr lang="en-US" sz="1800" dirty="0">
-              <a:latin typeface="+mj-lt"/>
-            </a:endParaRPr>
-          </a:p>
-        </p:txBody>
-      </p:sp>
       <p:pic>
         <p:nvPicPr>
-          <p:cNvPr id="30" name="Picture 29"/>
+          <p:cNvPr id="11" name="Picture 10"/>
           <p:cNvPicPr>
             <a:picLocks noChangeAspect="1"/>
           </p:cNvPicPr>
           <p:nvPr/>
         </p:nvPicPr>
         <p:blipFill>
-          <a:blip r:embed="rId10" cstate="print">
+          <a:blip r:embed="rId3" cstate="print">
             <a:extLst>
               <a:ext uri="{28A0092B-C50C-407E-A947-70E740481C1C}">
                 <a14:useLocalDpi xmlns:a14="http://schemas.microsoft.com/office/drawing/2010/main" val="0"/>
@@ -12840,10 +15184,73 @@
           </a:prstGeom>
         </p:spPr>
       </p:pic>
+      <p:pic>
+        <p:nvPicPr>
+          <p:cNvPr id="8" name="Picture 7"/>
+          <p:cNvPicPr/>
+          <p:nvPr/>
+        </p:nvPicPr>
+        <p:blipFill>
+          <a:blip r:embed="rId4">
+            <a:extLst>
+              <a:ext uri="{28A0092B-C50C-407E-A947-70E740481C1C}">
+                <a14:useLocalDpi xmlns:a14="http://schemas.microsoft.com/office/drawing/2010/main" val="0"/>
+              </a:ext>
+            </a:extLst>
+          </a:blip>
+          <a:srcRect/>
+          <a:stretch>
+            <a:fillRect/>
+          </a:stretch>
+        </p:blipFill>
+        <p:spPr bwMode="auto">
+          <a:xfrm>
+            <a:off x="2411760" y="1415415"/>
+            <a:ext cx="3657600" cy="3728085"/>
+          </a:xfrm>
+          <a:prstGeom prst="rect">
+            <a:avLst/>
+          </a:prstGeom>
+          <a:noFill/>
+          <a:ln>
+            <a:noFill/>
+          </a:ln>
+        </p:spPr>
+      </p:pic>
+      <p:sp>
+        <p:nvSpPr>
+          <p:cNvPr id="2" name="TextBox 1"/>
+          <p:cNvSpPr txBox="1"/>
+          <p:nvPr/>
+        </p:nvSpPr>
+        <p:spPr>
+          <a:xfrm>
+            <a:off x="1403648" y="964096"/>
+            <a:ext cx="6149280" cy="415498"/>
+          </a:xfrm>
+          <a:prstGeom prst="rect">
+            <a:avLst/>
+          </a:prstGeom>
+          <a:noFill/>
+        </p:spPr>
+        <p:txBody>
+          <a:bodyPr wrap="square" rtlCol="0">
+            <a:spAutoFit/>
+          </a:bodyPr>
+          <a:lstStyle/>
+          <a:p>
+            <a:r>
+              <a:rPr lang="en-US" dirty="0" smtClean="0"/>
+              <a:t>Average Rating (Stars) and Number of Violations</a:t>
+            </a:r>
+            <a:endParaRPr lang="en-US" dirty="0"/>
+          </a:p>
+        </p:txBody>
+      </p:sp>
     </p:spTree>
     <p:extLst>
       <p:ext uri="{BB962C8B-B14F-4D97-AF65-F5344CB8AC3E}">
-        <p14:creationId xmlns:p14="http://schemas.microsoft.com/office/powerpoint/2010/main" val="996042348"/>
+        <p14:creationId xmlns:p14="http://schemas.microsoft.com/office/powerpoint/2010/main" val="4220837014"/>
       </p:ext>
     </p:extLst>
   </p:cSld>

--- a/DAT7_Bashir.pptx
+++ b/DAT7_Bashir.pptx
@@ -6,10 +6,10 @@
     <p:sldMasterId id="2147483776" r:id="rId2"/>
   </p:sldMasterIdLst>
   <p:notesMasterIdLst>
-    <p:notesMasterId r:id="rId21"/>
+    <p:notesMasterId r:id="rId22"/>
   </p:notesMasterIdLst>
   <p:handoutMasterIdLst>
-    <p:handoutMasterId r:id="rId22"/>
+    <p:handoutMasterId r:id="rId23"/>
   </p:handoutMasterIdLst>
   <p:sldIdLst>
     <p:sldId id="320" r:id="rId3"/>
@@ -29,7 +29,8 @@
     <p:sldId id="368" r:id="rId17"/>
     <p:sldId id="369" r:id="rId18"/>
     <p:sldId id="365" r:id="rId19"/>
-    <p:sldId id="359" r:id="rId20"/>
+    <p:sldId id="373" r:id="rId20"/>
+    <p:sldId id="359" r:id="rId21"/>
   </p:sldIdLst>
   <p:sldSz cx="9144000" cy="5143500" type="screen16x9"/>
   <p:notesSz cx="6858000" cy="9296400"/>
@@ -1538,6 +1539,90 @@
             <a:fld id="{7D33776A-0D12-8F46-8200-FD1AB0C2A2E1}" type="slidenum">
               <a:rPr lang="en-US" smtClean="0"/>
               <a:t>18</a:t>
+            </a:fld>
+            <a:endParaRPr lang="en-US"/>
+          </a:p>
+        </p:txBody>
+      </p:sp>
+    </p:spTree>
+    <p:extLst>
+      <p:ext uri="{BB962C8B-B14F-4D97-AF65-F5344CB8AC3E}">
+        <p14:creationId xmlns:p14="http://schemas.microsoft.com/office/powerpoint/2010/main" val="2826427442"/>
+      </p:ext>
+    </p:extLst>
+  </p:cSld>
+  <p:clrMapOvr>
+    <a:masterClrMapping/>
+  </p:clrMapOvr>
+</p:notes>
+</file>
+
+<file path=ppt/notesSlides/notesSlide19.xml><?xml version="1.0" encoding="utf-8"?>
+<p:notes xmlns:a="http://schemas.openxmlformats.org/drawingml/2006/main" xmlns:r="http://schemas.openxmlformats.org/officeDocument/2006/relationships" xmlns:p="http://schemas.openxmlformats.org/presentationml/2006/main">
+  <p:cSld>
+    <p:spTree>
+      <p:nvGrpSpPr>
+        <p:cNvPr id="1" name=""/>
+        <p:cNvGrpSpPr/>
+        <p:nvPr/>
+      </p:nvGrpSpPr>
+      <p:grpSpPr>
+        <a:xfrm>
+          <a:off x="0" y="0"/>
+          <a:ext cx="0" cy="0"/>
+          <a:chOff x="0" y="0"/>
+          <a:chExt cx="0" cy="0"/>
+        </a:xfrm>
+      </p:grpSpPr>
+      <p:sp>
+        <p:nvSpPr>
+          <p:cNvPr id="2" name="Slide Image Placeholder 1"/>
+          <p:cNvSpPr>
+            <a:spLocks noGrp="1" noRot="1" noChangeAspect="1"/>
+          </p:cNvSpPr>
+          <p:nvPr>
+            <p:ph type="sldImg"/>
+          </p:nvPr>
+        </p:nvSpPr>
+        <p:spPr/>
+      </p:sp>
+      <p:sp>
+        <p:nvSpPr>
+          <p:cNvPr id="3" name="Notes Placeholder 2"/>
+          <p:cNvSpPr>
+            <a:spLocks noGrp="1"/>
+          </p:cNvSpPr>
+          <p:nvPr>
+            <p:ph type="body" idx="1"/>
+          </p:nvPr>
+        </p:nvSpPr>
+        <p:spPr/>
+        <p:txBody>
+          <a:bodyPr/>
+          <a:lstStyle/>
+          <a:p>
+            <a:endParaRPr lang="en-US" dirty="0"/>
+          </a:p>
+        </p:txBody>
+      </p:sp>
+      <p:sp>
+        <p:nvSpPr>
+          <p:cNvPr id="4" name="Slide Number Placeholder 3"/>
+          <p:cNvSpPr>
+            <a:spLocks noGrp="1"/>
+          </p:cNvSpPr>
+          <p:nvPr>
+            <p:ph type="sldNum" sz="quarter" idx="10"/>
+          </p:nvPr>
+        </p:nvSpPr>
+        <p:spPr/>
+        <p:txBody>
+          <a:bodyPr/>
+          <a:lstStyle/>
+          <a:p>
+            <a:fld id="{7D33776A-0D12-8F46-8200-FD1AB0C2A2E1}" type="slidenum">
+              <a:rPr lang="en-US" smtClean="0"/>
+              <a:t>19</a:t>
             </a:fld>
             <a:endParaRPr lang="en-US"/>
           </a:p>
@@ -9359,8 +9444,13 @@
             </a:pPr>
             <a:r>
               <a:rPr lang="en-US" sz="1600" dirty="0"/>
-              <a:t>Sentiment Polarity</a:t>
-            </a:r>
+              <a:t>Sentiment </a:t>
+            </a:r>
+            <a:r>
+              <a:rPr lang="en-US" sz="1600" dirty="0" smtClean="0"/>
+              <a:t>Polarity Score</a:t>
+            </a:r>
+            <a:endParaRPr lang="en-US" sz="1600" dirty="0"/>
           </a:p>
           <a:p>
             <a:pPr algn="l"/>
@@ -9802,7 +9892,7 @@
             </a:pPr>
             <a:r>
               <a:rPr lang="en-US" sz="1600" dirty="0" smtClean="0"/>
-              <a:t>Sentiment Polarity</a:t>
+              <a:t>Sentiment Polarity Score</a:t>
             </a:r>
             <a:endParaRPr lang="en-US" sz="1400" dirty="0" smtClean="0"/>
           </a:p>
@@ -11093,7 +11183,7 @@
               <a:t>max_features</a:t>
             </a:r>
             <a:r>
-              <a:rPr lang="en-US" sz="1600"/>
+              <a:rPr lang="en-US" sz="1600" dirty="0"/>
               <a:t> = 1500)</a:t>
             </a:r>
             <a:endParaRPr lang="en-US" sz="1600" dirty="0"/>
@@ -11360,12 +11450,41 @@
             <a:pPr algn="l"/>
             <a:r>
               <a:rPr lang="en-US" sz="1600" b="1" dirty="0" smtClean="0"/>
-              <a:t>RMSE Score: </a:t>
-            </a:r>
-            <a:r>
-              <a:rPr lang="en-US" sz="1600" dirty="0" smtClean="0"/>
-              <a:t>2.80?</a:t>
-            </a:r>
+              <a:t>RMSE Score</a:t>
+            </a:r>
+            <a:r>
+              <a:rPr lang="en-US" sz="1600" b="1" smtClean="0"/>
+              <a:t>: </a:t>
+            </a:r>
+            <a:r>
+              <a:rPr lang="en-US" sz="1600" smtClean="0"/>
+              <a:t>2.51 </a:t>
+            </a:r>
+            <a:r>
+              <a:rPr lang="en-US" sz="1600">
+                <a:solidFill>
+                  <a:srgbClr val="92D050"/>
+                </a:solidFill>
+              </a:rPr>
+              <a:t>(</a:t>
+            </a:r>
+            <a:r>
+              <a:rPr lang="en-US" sz="1600">
+                <a:solidFill>
+                  <a:srgbClr val="92D050"/>
+                </a:solidFill>
+              </a:rPr>
+              <a:t>-</a:t>
+            </a:r>
+            <a:r>
+              <a:rPr lang="en-US" sz="1600" smtClean="0">
+                <a:solidFill>
+                  <a:srgbClr val="92D050"/>
+                </a:solidFill>
+              </a:rPr>
+              <a:t>.10)</a:t>
+            </a:r>
+            <a:endParaRPr lang="en-US" sz="1600" dirty="0" smtClean="0"/>
           </a:p>
         </p:txBody>
       </p:sp>
@@ -11390,6 +11509,199 @@
 </file>
 
 <file path=ppt/slides/slide18.xml><?xml version="1.0" encoding="utf-8"?>
+<p:sld xmlns:a="http://schemas.openxmlformats.org/drawingml/2006/main" xmlns:r="http://schemas.openxmlformats.org/officeDocument/2006/relationships" xmlns:p="http://schemas.openxmlformats.org/presentationml/2006/main">
+  <p:cSld>
+    <p:spTree>
+      <p:nvGrpSpPr>
+        <p:cNvPr id="1" name=""/>
+        <p:cNvGrpSpPr/>
+        <p:nvPr/>
+      </p:nvGrpSpPr>
+      <p:grpSpPr>
+        <a:xfrm>
+          <a:off x="0" y="0"/>
+          <a:ext cx="0" cy="0"/>
+          <a:chOff x="0" y="0"/>
+          <a:chExt cx="0" cy="0"/>
+        </a:xfrm>
+      </p:grpSpPr>
+      <p:sp>
+        <p:nvSpPr>
+          <p:cNvPr id="2" name="Title 1"/>
+          <p:cNvSpPr txBox="1">
+            <a:spLocks/>
+          </p:cNvSpPr>
+          <p:nvPr/>
+        </p:nvSpPr>
+        <p:spPr>
+          <a:xfrm>
+            <a:off x="628650" y="0"/>
+            <a:ext cx="7886700" cy="788484"/>
+          </a:xfrm>
+          <a:prstGeom prst="rect">
+            <a:avLst/>
+          </a:prstGeom>
+        </p:spPr>
+        <p:txBody>
+          <a:bodyPr vert="horz" lIns="91440" tIns="45720" rIns="91440" bIns="45720" rtlCol="0" anchor="ctr">
+            <a:normAutofit/>
+          </a:bodyPr>
+          <a:lstStyle>
+            <a:lvl1pPr algn="ctr" defTabSz="914400" rtl="0" eaLnBrk="1" latinLnBrk="0" hangingPunct="1">
+              <a:spcBef>
+                <a:spcPct val="0"/>
+              </a:spcBef>
+              <a:buNone/>
+              <a:defRPr sz="4400" kern="1200">
+                <a:solidFill>
+                  <a:schemeClr val="tx1"/>
+                </a:solidFill>
+                <a:latin typeface="+mj-lt"/>
+                <a:ea typeface="+mj-ea"/>
+                <a:cs typeface="+mj-cs"/>
+              </a:defRPr>
+            </a:lvl1pPr>
+          </a:lstStyle>
+          <a:p>
+            <a:pPr fontAlgn="auto">
+              <a:spcBef>
+                <a:spcPts val="1000"/>
+              </a:spcBef>
+              <a:spcAft>
+                <a:spcPts val="0"/>
+              </a:spcAft>
+              <a:buFont typeface="Arial" panose="020B0604020202020204" pitchFamily="34" charset="0"/>
+              <a:buNone/>
+            </a:pPr>
+            <a:r>
+              <a:rPr lang="en-US" dirty="0" smtClean="0">
+                <a:solidFill>
+                  <a:schemeClr val="accent1">
+                    <a:lumMod val="50000"/>
+                  </a:schemeClr>
+                </a:solidFill>
+                <a:latin typeface="+mn-lt"/>
+                <a:ea typeface="+mn-ea"/>
+                <a:cs typeface="+mn-cs"/>
+              </a:rPr>
+              <a:t>Next Steps</a:t>
+            </a:r>
+            <a:endParaRPr lang="en-US" dirty="0">
+              <a:solidFill>
+                <a:schemeClr val="accent1">
+                  <a:lumMod val="50000"/>
+                </a:schemeClr>
+              </a:solidFill>
+              <a:latin typeface="+mn-lt"/>
+              <a:ea typeface="+mn-ea"/>
+              <a:cs typeface="+mn-cs"/>
+            </a:endParaRPr>
+          </a:p>
+        </p:txBody>
+      </p:sp>
+      <p:cxnSp>
+        <p:nvCxnSpPr>
+          <p:cNvPr id="4" name="Straight Connector 3"/>
+          <p:cNvCxnSpPr/>
+          <p:nvPr/>
+        </p:nvCxnSpPr>
+        <p:spPr>
+          <a:xfrm>
+            <a:off x="711198" y="771550"/>
+            <a:ext cx="7789334" cy="16934"/>
+          </a:xfrm>
+          <a:prstGeom prst="line">
+            <a:avLst/>
+          </a:prstGeom>
+        </p:spPr>
+        <p:style>
+          <a:lnRef idx="2">
+            <a:schemeClr val="accent1"/>
+          </a:lnRef>
+          <a:fillRef idx="0">
+            <a:schemeClr val="accent1"/>
+          </a:fillRef>
+          <a:effectRef idx="1">
+            <a:schemeClr val="accent1"/>
+          </a:effectRef>
+          <a:fontRef idx="minor">
+            <a:schemeClr val="tx1"/>
+          </a:fontRef>
+        </p:style>
+      </p:cxnSp>
+      <p:sp>
+        <p:nvSpPr>
+          <p:cNvPr id="56" name="TextBox 55"/>
+          <p:cNvSpPr txBox="1"/>
+          <p:nvPr/>
+        </p:nvSpPr>
+        <p:spPr>
+          <a:xfrm>
+            <a:off x="711198" y="1132462"/>
+            <a:ext cx="7471528" cy="830997"/>
+          </a:xfrm>
+          <a:prstGeom prst="rect">
+            <a:avLst/>
+          </a:prstGeom>
+          <a:noFill/>
+        </p:spPr>
+        <p:txBody>
+          <a:bodyPr wrap="square" rtlCol="0">
+            <a:spAutoFit/>
+          </a:bodyPr>
+          <a:lstStyle>
+            <a:defPPr>
+              <a:defRPr lang="en-US"/>
+            </a:defPPr>
+            <a:lvl1pPr>
+              <a:defRPr sz="1800">
+                <a:latin typeface="+mj-lt"/>
+              </a:defRPr>
+            </a:lvl1pPr>
+          </a:lstStyle>
+          <a:p>
+            <a:pPr algn="l"/>
+            <a:r>
+              <a:rPr lang="en-US" sz="1600" b="1" dirty="0" smtClean="0"/>
+              <a:t>Work backward and making prediction for level of severity that would allow me access to a lot more features (actually </a:t>
+            </a:r>
+            <a:r>
+              <a:rPr lang="en-US" sz="1600" b="1" dirty="0" err="1" smtClean="0"/>
+              <a:t>woudn’t</a:t>
+            </a:r>
+            <a:r>
+              <a:rPr lang="en-US" sz="1600" b="1" dirty="0" smtClean="0"/>
+              <a:t> be too hard to do) – </a:t>
+            </a:r>
+            <a:r>
+              <a:rPr lang="en-US" sz="1600" b="1" dirty="0" smtClean="0"/>
+              <a:t>original thought it would be</a:t>
+            </a:r>
+            <a:endParaRPr lang="en-US" sz="1600" dirty="0"/>
+          </a:p>
+        </p:txBody>
+      </p:sp>
+    </p:spTree>
+    <p:extLst>
+      <p:ext uri="{BB962C8B-B14F-4D97-AF65-F5344CB8AC3E}">
+        <p14:creationId xmlns:p14="http://schemas.microsoft.com/office/powerpoint/2010/main" val="182974315"/>
+      </p:ext>
+    </p:extLst>
+  </p:cSld>
+  <p:clrMapOvr>
+    <a:masterClrMapping/>
+  </p:clrMapOvr>
+  <p:timing>
+    <p:tnLst>
+      <p:par>
+        <p:cTn xmlns:p14="http://schemas.microsoft.com/office/powerpoint/2010/main" id="1" dur="indefinite" restart="never" nodeType="tmRoot"/>
+      </p:par>
+    </p:tnLst>
+  </p:timing>
+</p:sld>
+</file>
+
+<file path=ppt/slides/slide19.xml><?xml version="1.0" encoding="utf-8"?>
 <p:sld xmlns:a="http://schemas.openxmlformats.org/drawingml/2006/main" xmlns:r="http://schemas.openxmlformats.org/officeDocument/2006/relationships" xmlns:p="http://schemas.openxmlformats.org/presentationml/2006/main">
   <p:cSld>
     <p:spTree>
@@ -13160,7 +13472,7 @@
           <a:graphicData uri="http://schemas.openxmlformats.org/presentationml/2006/ole">
             <mc:AlternateContent xmlns:mc="http://schemas.openxmlformats.org/markup-compatibility/2006">
               <mc:Choice xmlns:v="urn:schemas-microsoft-com:vml" Requires="v">
-                <p:oleObj spid="_x0000_s1056" name="Worksheet" r:id="rId5" imgW="5562577" imgH="1533457" progId="Excel.Sheet.12">
+                <p:oleObj spid="_x0000_s1059" name="Worksheet" r:id="rId5" imgW="5562577" imgH="1533457" progId="Excel.Sheet.12">
                   <p:embed/>
                 </p:oleObj>
               </mc:Choice>
